--- a/GroupProject_finalPresentation.pptx
+++ b/GroupProject_finalPresentation.pptx
@@ -15,8 +15,11 @@
     <p:sldId id="267" r:id="rId9"/>
     <p:sldId id="269" r:id="rId10"/>
     <p:sldId id="268" r:id="rId11"/>
-    <p:sldId id="260" r:id="rId12"/>
-    <p:sldId id="259" r:id="rId13"/>
+    <p:sldId id="272" r:id="rId12"/>
+    <p:sldId id="273" r:id="rId13"/>
+    <p:sldId id="260" r:id="rId14"/>
+    <p:sldId id="270" r:id="rId15"/>
+    <p:sldId id="259" r:id="rId16"/>
   </p:sldIdLst>
   <p:sldSz cx="12192000" cy="6858000"/>
   <p:notesSz cx="6858000" cy="9144000"/>
@@ -3562,31 +3565,6 @@
       </p:sp>
       <p:sp>
         <p:nvSpPr>
-          <p:cNvPr id="3" name="Content Placeholder 2">
-            <a:extLst>
-              <a:ext uri="{FF2B5EF4-FFF2-40B4-BE49-F238E27FC236}">
-                <a16:creationId xmlns:a16="http://schemas.microsoft.com/office/drawing/2014/main" id="{8BD7538D-5607-2FF4-38CA-CDD881B3E62D}"/>
-              </a:ext>
-            </a:extLst>
-          </p:cNvPr>
-          <p:cNvSpPr>
-            <a:spLocks noGrp="1"/>
-          </p:cNvSpPr>
-          <p:nvPr>
-            <p:ph idx="1"/>
-          </p:nvPr>
-        </p:nvSpPr>
-        <p:spPr/>
-        <p:txBody>
-          <a:bodyPr/>
-          <a:lstStyle/>
-          <a:p>
-            <a:endParaRPr lang="en-US"/>
-          </a:p>
-        </p:txBody>
-      </p:sp>
-      <p:sp>
-        <p:nvSpPr>
           <p:cNvPr id="4" name="Rectangle: Rounded Corners 3">
             <a:extLst>
               <a:ext uri="{FF2B5EF4-FFF2-40B4-BE49-F238E27FC236}">
@@ -3645,6 +3623,35 @@
           </a:p>
         </p:txBody>
       </p:sp>
+      <p:pic>
+        <p:nvPicPr>
+          <p:cNvPr id="9" name="Content Placeholder 5">
+            <a:extLst>
+              <a:ext uri="{FF2B5EF4-FFF2-40B4-BE49-F238E27FC236}">
+                <a16:creationId xmlns:a16="http://schemas.microsoft.com/office/drawing/2014/main" id="{6F01786F-EA67-06AD-8984-70575762A4C5}"/>
+              </a:ext>
+            </a:extLst>
+          </p:cNvPr>
+          <p:cNvPicPr>
+            <a:picLocks noChangeAspect="1"/>
+          </p:cNvPicPr>
+          <p:nvPr/>
+        </p:nvPicPr>
+        <p:blipFill rotWithShape="1">
+          <a:blip r:embed="rId2"/>
+          <a:srcRect l="25497" t="25683" r="2471" b="9522"/>
+          <a:stretch/>
+        </p:blipFill>
+        <p:spPr>
+          <a:xfrm>
+            <a:off x="1796113" y="1930400"/>
+            <a:ext cx="8609184" cy="4356100"/>
+          </a:xfrm>
+          <a:prstGeom prst="rect">
+            <a:avLst/>
+          </a:prstGeom>
+        </p:spPr>
+      </p:pic>
     </p:spTree>
     <p:extLst>
       <p:ext uri="{BB962C8B-B14F-4D97-AF65-F5344CB8AC3E}">
@@ -3680,7 +3687,7 @@
           <p:cNvPr id="2" name="Title 1">
             <a:extLst>
               <a:ext uri="{FF2B5EF4-FFF2-40B4-BE49-F238E27FC236}">
-                <a16:creationId xmlns:a16="http://schemas.microsoft.com/office/drawing/2014/main" id="{A668E3F9-CC6A-1150-8163-C0F223726244}"/>
+                <a16:creationId xmlns:a16="http://schemas.microsoft.com/office/drawing/2014/main" id="{A9ADCD5D-0E13-DD2C-78B1-F7C01ED44EC4}"/>
               </a:ext>
             </a:extLst>
           </p:cNvPr>
@@ -3697,8 +3704,15 @@
           <a:lstStyle/>
           <a:p>
             <a:r>
-              <a:rPr lang="de-DE" dirty="0"/>
-              <a:t>Outlook</a:t>
+              <a:rPr lang="de-DE" sz="4400" dirty="0" err="1"/>
+              <a:t>Results</a:t>
+            </a:r>
+            <a:br>
+              <a:rPr lang="de-DE" sz="4400" dirty="0"/>
+            </a:br>
+            <a:r>
+              <a:rPr lang="de-DE" sz="4400" dirty="0"/>
+              <a:t>VGG16</a:t>
             </a:r>
             <a:endParaRPr lang="en-US" dirty="0"/>
           </a:p>
@@ -3706,38 +3720,10 @@
       </p:sp>
       <p:sp>
         <p:nvSpPr>
-          <p:cNvPr id="4" name="Content Placeholder 3">
-            <a:extLst>
-              <a:ext uri="{FF2B5EF4-FFF2-40B4-BE49-F238E27FC236}">
-                <a16:creationId xmlns:a16="http://schemas.microsoft.com/office/drawing/2014/main" id="{D06F2C3D-905E-FF02-B8FF-C47927ECFA05}"/>
-              </a:ext>
-            </a:extLst>
-          </p:cNvPr>
-          <p:cNvSpPr>
-            <a:spLocks noGrp="1"/>
-          </p:cNvSpPr>
-          <p:nvPr>
-            <p:ph idx="1"/>
-          </p:nvPr>
-        </p:nvSpPr>
-        <p:spPr/>
-        <p:txBody>
-          <a:bodyPr/>
-          <a:lstStyle/>
-          <a:p>
-            <a:pPr marL="0" indent="0">
-              <a:buNone/>
-            </a:pPr>
-            <a:endParaRPr lang="de-DE" dirty="0"/>
-          </a:p>
-        </p:txBody>
-      </p:sp>
-      <p:sp>
-        <p:nvSpPr>
-          <p:cNvPr id="3" name="Rectangle: Rounded Corners 2">
-            <a:extLst>
-              <a:ext uri="{FF2B5EF4-FFF2-40B4-BE49-F238E27FC236}">
-                <a16:creationId xmlns:a16="http://schemas.microsoft.com/office/drawing/2014/main" id="{7394E24B-7171-85C4-E5F4-1C5DDB94C7FD}"/>
+          <p:cNvPr id="4" name="Rectangle: Rounded Corners 3">
+            <a:extLst>
+              <a:ext uri="{FF2B5EF4-FFF2-40B4-BE49-F238E27FC236}">
+                <a16:creationId xmlns:a16="http://schemas.microsoft.com/office/drawing/2014/main" id="{57982DB5-8774-5072-146F-EE5390EC903B}"/>
               </a:ext>
             </a:extLst>
           </p:cNvPr>
@@ -3792,10 +3778,531 @@
           </a:p>
         </p:txBody>
       </p:sp>
+      <p:pic>
+        <p:nvPicPr>
+          <p:cNvPr id="8" name="Picture 7">
+            <a:extLst>
+              <a:ext uri="{FF2B5EF4-FFF2-40B4-BE49-F238E27FC236}">
+                <a16:creationId xmlns:a16="http://schemas.microsoft.com/office/drawing/2014/main" id="{1F9C6B90-3571-82B7-0C1B-9582E6D76F09}"/>
+              </a:ext>
+            </a:extLst>
+          </p:cNvPr>
+          <p:cNvPicPr>
+            <a:picLocks noChangeAspect="1"/>
+          </p:cNvPicPr>
+          <p:nvPr/>
+        </p:nvPicPr>
+        <p:blipFill rotWithShape="1">
+          <a:blip r:embed="rId2"/>
+          <a:srcRect l="12266" t="14165" r="11886" b="44529"/>
+          <a:stretch/>
+        </p:blipFill>
+        <p:spPr>
+          <a:xfrm>
+            <a:off x="2140230" y="2240081"/>
+            <a:ext cx="7911539" cy="2423556"/>
+          </a:xfrm>
+          <a:prstGeom prst="rect">
+            <a:avLst/>
+          </a:prstGeom>
+        </p:spPr>
+      </p:pic>
+      <p:graphicFrame>
+        <p:nvGraphicFramePr>
+          <p:cNvPr id="12" name="Table 11">
+            <a:extLst>
+              <a:ext uri="{FF2B5EF4-FFF2-40B4-BE49-F238E27FC236}">
+                <a16:creationId xmlns:a16="http://schemas.microsoft.com/office/drawing/2014/main" id="{38983A1C-904D-9B08-2CEB-C617B88DA84A}"/>
+              </a:ext>
+            </a:extLst>
+          </p:cNvPr>
+          <p:cNvGraphicFramePr>
+            <a:graphicFrameLocks noGrp="1"/>
+          </p:cNvGraphicFramePr>
+          <p:nvPr>
+            <p:extLst>
+              <p:ext uri="{D42A27DB-BD31-4B8C-83A1-F6EECF244321}">
+                <p14:modId xmlns:p14="http://schemas.microsoft.com/office/powerpoint/2010/main" val="2412510843"/>
+              </p:ext>
+            </p:extLst>
+          </p:nvPr>
+        </p:nvGraphicFramePr>
+        <p:xfrm>
+          <a:off x="3588639" y="5145563"/>
+          <a:ext cx="5014722" cy="1097280"/>
+        </p:xfrm>
+        <a:graphic>
+          <a:graphicData uri="http://schemas.openxmlformats.org/drawingml/2006/table">
+            <a:tbl>
+              <a:tblPr firstRow="1" bandRow="1">
+                <a:tableStyleId>{5940675A-B579-460E-94D1-54222C63F5DA}</a:tableStyleId>
+              </a:tblPr>
+              <a:tblGrid>
+                <a:gridCol w="1052322">
+                  <a:extLst>
+                    <a:ext uri="{9D8B030D-6E8A-4147-A177-3AD203B41FA5}">
+                      <a16:colId xmlns:a16="http://schemas.microsoft.com/office/drawing/2014/main" val="3991802889"/>
+                    </a:ext>
+                  </a:extLst>
+                </a:gridCol>
+                <a:gridCol w="1981200">
+                  <a:extLst>
+                    <a:ext uri="{9D8B030D-6E8A-4147-A177-3AD203B41FA5}">
+                      <a16:colId xmlns:a16="http://schemas.microsoft.com/office/drawing/2014/main" val="2446102717"/>
+                    </a:ext>
+                  </a:extLst>
+                </a:gridCol>
+                <a:gridCol w="1981200">
+                  <a:extLst>
+                    <a:ext uri="{9D8B030D-6E8A-4147-A177-3AD203B41FA5}">
+                      <a16:colId xmlns:a16="http://schemas.microsoft.com/office/drawing/2014/main" val="782892181"/>
+                    </a:ext>
+                  </a:extLst>
+                </a:gridCol>
+              </a:tblGrid>
+              <a:tr h="365760">
+                <a:tc>
+                  <a:txBody>
+                    <a:bodyPr/>
+                    <a:lstStyle/>
+                    <a:p>
+                      <a:endParaRPr lang="en-US" sz="1600" dirty="0"/>
+                    </a:p>
+                  </a:txBody>
+                  <a:tcPr>
+                    <a:lnL w="12700" cap="flat" cmpd="sng" algn="ctr">
+                      <a:solidFill>
+                        <a:schemeClr val="tx1"/>
+                      </a:solidFill>
+                      <a:prstDash val="solid"/>
+                      <a:round/>
+                      <a:headEnd type="none" w="med" len="med"/>
+                      <a:tailEnd type="none" w="med" len="med"/>
+                    </a:lnL>
+                    <a:lnR w="12700" cmpd="sng">
+                      <a:noFill/>
+                    </a:lnR>
+                    <a:lnT w="12700" cap="flat" cmpd="sng" algn="ctr">
+                      <a:solidFill>
+                        <a:schemeClr val="tx1"/>
+                      </a:solidFill>
+                      <a:prstDash val="solid"/>
+                      <a:round/>
+                      <a:headEnd type="none" w="med" len="med"/>
+                      <a:tailEnd type="none" w="med" len="med"/>
+                    </a:lnT>
+                    <a:lnB w="12700" cap="flat" cmpd="sng" algn="ctr">
+                      <a:solidFill>
+                        <a:schemeClr val="tx1"/>
+                      </a:solidFill>
+                      <a:prstDash val="solid"/>
+                      <a:round/>
+                      <a:headEnd type="none" w="med" len="med"/>
+                      <a:tailEnd type="none" w="med" len="med"/>
+                    </a:lnB>
+                    <a:lnTlToBr w="12700" cmpd="sng">
+                      <a:noFill/>
+                      <a:prstDash val="solid"/>
+                    </a:lnTlToBr>
+                    <a:lnBlToTr w="12700" cmpd="sng">
+                      <a:noFill/>
+                      <a:prstDash val="solid"/>
+                    </a:lnBlToTr>
+                  </a:tcPr>
+                </a:tc>
+                <a:tc>
+                  <a:txBody>
+                    <a:bodyPr/>
+                    <a:lstStyle/>
+                    <a:p>
+                      <a:r>
+                        <a:rPr lang="de-DE" sz="1600" dirty="0" err="1"/>
+                        <a:t>Accuracy</a:t>
+                      </a:r>
+                      <a:endParaRPr lang="en-US" sz="1600" dirty="0"/>
+                    </a:p>
+                  </a:txBody>
+                  <a:tcPr>
+                    <a:lnL w="12700" cmpd="sng">
+                      <a:noFill/>
+                    </a:lnL>
+                    <a:lnR w="12700" cmpd="sng">
+                      <a:noFill/>
+                    </a:lnR>
+                    <a:lnT w="12700" cap="flat" cmpd="sng" algn="ctr">
+                      <a:solidFill>
+                        <a:schemeClr val="tx1"/>
+                      </a:solidFill>
+                      <a:prstDash val="solid"/>
+                      <a:round/>
+                      <a:headEnd type="none" w="med" len="med"/>
+                      <a:tailEnd type="none" w="med" len="med"/>
+                    </a:lnT>
+                    <a:lnB w="12700" cap="flat" cmpd="sng" algn="ctr">
+                      <a:solidFill>
+                        <a:schemeClr val="tx1"/>
+                      </a:solidFill>
+                      <a:prstDash val="solid"/>
+                      <a:round/>
+                      <a:headEnd type="none" w="med" len="med"/>
+                      <a:tailEnd type="none" w="med" len="med"/>
+                    </a:lnB>
+                    <a:lnTlToBr w="12700" cmpd="sng">
+                      <a:noFill/>
+                      <a:prstDash val="solid"/>
+                    </a:lnTlToBr>
+                    <a:lnBlToTr w="12700" cmpd="sng">
+                      <a:noFill/>
+                      <a:prstDash val="solid"/>
+                    </a:lnBlToTr>
+                  </a:tcPr>
+                </a:tc>
+                <a:tc>
+                  <a:txBody>
+                    <a:bodyPr/>
+                    <a:lstStyle/>
+                    <a:p>
+                      <a:r>
+                        <a:rPr lang="de-DE" sz="1600" dirty="0"/>
+                        <a:t>AUC</a:t>
+                      </a:r>
+                      <a:endParaRPr lang="en-US" sz="1600" dirty="0"/>
+                    </a:p>
+                  </a:txBody>
+                  <a:tcPr>
+                    <a:lnL w="12700" cmpd="sng">
+                      <a:noFill/>
+                    </a:lnL>
+                    <a:lnR w="12700" cap="flat" cmpd="sng" algn="ctr">
+                      <a:solidFill>
+                        <a:schemeClr val="tx1"/>
+                      </a:solidFill>
+                      <a:prstDash val="solid"/>
+                      <a:round/>
+                      <a:headEnd type="none" w="med" len="med"/>
+                      <a:tailEnd type="none" w="med" len="med"/>
+                    </a:lnR>
+                    <a:lnT w="12700" cap="flat" cmpd="sng" algn="ctr">
+                      <a:solidFill>
+                        <a:schemeClr val="tx1"/>
+                      </a:solidFill>
+                      <a:prstDash val="solid"/>
+                      <a:round/>
+                      <a:headEnd type="none" w="med" len="med"/>
+                      <a:tailEnd type="none" w="med" len="med"/>
+                    </a:lnT>
+                    <a:lnB w="12700" cap="flat" cmpd="sng" algn="ctr">
+                      <a:solidFill>
+                        <a:schemeClr val="tx1"/>
+                      </a:solidFill>
+                      <a:prstDash val="solid"/>
+                      <a:round/>
+                      <a:headEnd type="none" w="med" len="med"/>
+                      <a:tailEnd type="none" w="med" len="med"/>
+                    </a:lnB>
+                    <a:lnTlToBr w="12700" cmpd="sng">
+                      <a:noFill/>
+                      <a:prstDash val="solid"/>
+                    </a:lnTlToBr>
+                    <a:lnBlToTr w="12700" cmpd="sng">
+                      <a:noFill/>
+                      <a:prstDash val="solid"/>
+                    </a:lnBlToTr>
+                  </a:tcPr>
+                </a:tc>
+                <a:extLst>
+                  <a:ext uri="{0D108BD9-81ED-4DB2-BD59-A6C34878D82A}">
+                    <a16:rowId xmlns:a16="http://schemas.microsoft.com/office/drawing/2014/main" val="3131266873"/>
+                  </a:ext>
+                </a:extLst>
+              </a:tr>
+              <a:tr h="365760">
+                <a:tc>
+                  <a:txBody>
+                    <a:bodyPr/>
+                    <a:lstStyle/>
+                    <a:p>
+                      <a:r>
+                        <a:rPr lang="de-DE" sz="1600" dirty="0"/>
+                        <a:t>Training</a:t>
+                      </a:r>
+                      <a:endParaRPr lang="en-US" sz="1600" dirty="0"/>
+                    </a:p>
+                  </a:txBody>
+                  <a:tcPr>
+                    <a:lnL w="12700" cap="flat" cmpd="sng" algn="ctr">
+                      <a:solidFill>
+                        <a:schemeClr val="tx1"/>
+                      </a:solidFill>
+                      <a:prstDash val="solid"/>
+                      <a:round/>
+                      <a:headEnd type="none" w="med" len="med"/>
+                      <a:tailEnd type="none" w="med" len="med"/>
+                    </a:lnL>
+                    <a:lnR w="12700" cmpd="sng">
+                      <a:noFill/>
+                    </a:lnR>
+                    <a:lnT w="12700" cap="flat" cmpd="sng" algn="ctr">
+                      <a:solidFill>
+                        <a:schemeClr val="tx1"/>
+                      </a:solidFill>
+                      <a:prstDash val="solid"/>
+                      <a:round/>
+                      <a:headEnd type="none" w="med" len="med"/>
+                      <a:tailEnd type="none" w="med" len="med"/>
+                    </a:lnT>
+                    <a:lnB w="12700" cmpd="sng">
+                      <a:noFill/>
+                    </a:lnB>
+                    <a:lnTlToBr w="12700" cmpd="sng">
+                      <a:noFill/>
+                      <a:prstDash val="solid"/>
+                    </a:lnTlToBr>
+                    <a:lnBlToTr w="12700" cmpd="sng">
+                      <a:noFill/>
+                      <a:prstDash val="solid"/>
+                    </a:lnBlToTr>
+                  </a:tcPr>
+                </a:tc>
+                <a:tc>
+                  <a:txBody>
+                    <a:bodyPr/>
+                    <a:lstStyle/>
+                    <a:p>
+                      <a:r>
+                        <a:rPr lang="en-US" sz="1600" dirty="0"/>
+                        <a:t> 0.913</a:t>
+                      </a:r>
+                    </a:p>
+                  </a:txBody>
+                  <a:tcPr>
+                    <a:lnL w="12700" cmpd="sng">
+                      <a:noFill/>
+                    </a:lnL>
+                    <a:lnR w="12700" cmpd="sng">
+                      <a:noFill/>
+                    </a:lnR>
+                    <a:lnT w="12700" cap="flat" cmpd="sng" algn="ctr">
+                      <a:solidFill>
+                        <a:schemeClr val="tx1"/>
+                      </a:solidFill>
+                      <a:prstDash val="solid"/>
+                      <a:round/>
+                      <a:headEnd type="none" w="med" len="med"/>
+                      <a:tailEnd type="none" w="med" len="med"/>
+                    </a:lnT>
+                    <a:lnB w="12700" cmpd="sng">
+                      <a:noFill/>
+                    </a:lnB>
+                    <a:lnTlToBr w="12700" cmpd="sng">
+                      <a:noFill/>
+                      <a:prstDash val="solid"/>
+                    </a:lnTlToBr>
+                    <a:lnBlToTr w="12700" cmpd="sng">
+                      <a:noFill/>
+                      <a:prstDash val="solid"/>
+                    </a:lnBlToTr>
+                  </a:tcPr>
+                </a:tc>
+                <a:tc>
+                  <a:txBody>
+                    <a:bodyPr/>
+                    <a:lstStyle/>
+                    <a:p>
+                      <a:r>
+                        <a:rPr lang="en-US" sz="1600" dirty="0"/>
+                        <a:t>0.967</a:t>
+                      </a:r>
+                    </a:p>
+                  </a:txBody>
+                  <a:tcPr>
+                    <a:lnL w="12700" cmpd="sng">
+                      <a:noFill/>
+                    </a:lnL>
+                    <a:lnR w="12700" cap="flat" cmpd="sng" algn="ctr">
+                      <a:solidFill>
+                        <a:schemeClr val="tx1"/>
+                      </a:solidFill>
+                      <a:prstDash val="solid"/>
+                      <a:round/>
+                      <a:headEnd type="none" w="med" len="med"/>
+                      <a:tailEnd type="none" w="med" len="med"/>
+                    </a:lnR>
+                    <a:lnT w="12700" cap="flat" cmpd="sng" algn="ctr">
+                      <a:solidFill>
+                        <a:schemeClr val="tx1"/>
+                      </a:solidFill>
+                      <a:prstDash val="solid"/>
+                      <a:round/>
+                      <a:headEnd type="none" w="med" len="med"/>
+                      <a:tailEnd type="none" w="med" len="med"/>
+                    </a:lnT>
+                    <a:lnB w="12700" cmpd="sng">
+                      <a:noFill/>
+                    </a:lnB>
+                    <a:lnTlToBr w="12700" cmpd="sng">
+                      <a:noFill/>
+                      <a:prstDash val="solid"/>
+                    </a:lnTlToBr>
+                    <a:lnBlToTr w="12700" cmpd="sng">
+                      <a:noFill/>
+                      <a:prstDash val="solid"/>
+                    </a:lnBlToTr>
+                  </a:tcPr>
+                </a:tc>
+                <a:extLst>
+                  <a:ext uri="{0D108BD9-81ED-4DB2-BD59-A6C34878D82A}">
+                    <a16:rowId xmlns:a16="http://schemas.microsoft.com/office/drawing/2014/main" val="2668896983"/>
+                  </a:ext>
+                </a:extLst>
+              </a:tr>
+              <a:tr h="365760">
+                <a:tc>
+                  <a:txBody>
+                    <a:bodyPr/>
+                    <a:lstStyle/>
+                    <a:p>
+                      <a:r>
+                        <a:rPr lang="de-DE" sz="1600" dirty="0"/>
+                        <a:t>Validation</a:t>
+                      </a:r>
+                    </a:p>
+                  </a:txBody>
+                  <a:tcPr>
+                    <a:lnL w="12700" cap="flat" cmpd="sng" algn="ctr">
+                      <a:solidFill>
+                        <a:schemeClr val="tx1"/>
+                      </a:solidFill>
+                      <a:prstDash val="solid"/>
+                      <a:round/>
+                      <a:headEnd type="none" w="med" len="med"/>
+                      <a:tailEnd type="none" w="med" len="med"/>
+                    </a:lnL>
+                    <a:lnR w="12700" cmpd="sng">
+                      <a:noFill/>
+                    </a:lnR>
+                    <a:lnT w="12700" cmpd="sng">
+                      <a:noFill/>
+                    </a:lnT>
+                    <a:lnB w="12700" cap="flat" cmpd="sng" algn="ctr">
+                      <a:solidFill>
+                        <a:schemeClr val="tx1"/>
+                      </a:solidFill>
+                      <a:prstDash val="solid"/>
+                      <a:round/>
+                      <a:headEnd type="none" w="med" len="med"/>
+                      <a:tailEnd type="none" w="med" len="med"/>
+                    </a:lnB>
+                    <a:lnTlToBr w="12700" cmpd="sng">
+                      <a:noFill/>
+                      <a:prstDash val="solid"/>
+                    </a:lnTlToBr>
+                    <a:lnBlToTr w="12700" cmpd="sng">
+                      <a:noFill/>
+                      <a:prstDash val="solid"/>
+                    </a:lnBlToTr>
+                  </a:tcPr>
+                </a:tc>
+                <a:tc>
+                  <a:txBody>
+                    <a:bodyPr/>
+                    <a:lstStyle/>
+                    <a:p>
+                      <a:r>
+                        <a:rPr lang="en-US" sz="1600" dirty="0"/>
+                        <a:t>0.727</a:t>
+                      </a:r>
+                    </a:p>
+                  </a:txBody>
+                  <a:tcPr>
+                    <a:lnL w="12700" cmpd="sng">
+                      <a:noFill/>
+                    </a:lnL>
+                    <a:lnR w="12700" cmpd="sng">
+                      <a:noFill/>
+                    </a:lnR>
+                    <a:lnT w="12700" cmpd="sng">
+                      <a:noFill/>
+                    </a:lnT>
+                    <a:lnB w="12700" cap="flat" cmpd="sng" algn="ctr">
+                      <a:solidFill>
+                        <a:schemeClr val="tx1"/>
+                      </a:solidFill>
+                      <a:prstDash val="solid"/>
+                      <a:round/>
+                      <a:headEnd type="none" w="med" len="med"/>
+                      <a:tailEnd type="none" w="med" len="med"/>
+                    </a:lnB>
+                    <a:lnTlToBr w="12700" cmpd="sng">
+                      <a:noFill/>
+                      <a:prstDash val="solid"/>
+                    </a:lnTlToBr>
+                    <a:lnBlToTr w="12700" cmpd="sng">
+                      <a:noFill/>
+                      <a:prstDash val="solid"/>
+                    </a:lnBlToTr>
+                  </a:tcPr>
+                </a:tc>
+                <a:tc>
+                  <a:txBody>
+                    <a:bodyPr/>
+                    <a:lstStyle/>
+                    <a:p>
+                      <a:r>
+                        <a:rPr lang="en-US" sz="1600" dirty="0"/>
+                        <a:t>0.802</a:t>
+                      </a:r>
+                    </a:p>
+                  </a:txBody>
+                  <a:tcPr>
+                    <a:lnL w="12700" cmpd="sng">
+                      <a:noFill/>
+                    </a:lnL>
+                    <a:lnR w="12700" cap="flat" cmpd="sng" algn="ctr">
+                      <a:solidFill>
+                        <a:schemeClr val="tx1"/>
+                      </a:solidFill>
+                      <a:prstDash val="solid"/>
+                      <a:round/>
+                      <a:headEnd type="none" w="med" len="med"/>
+                      <a:tailEnd type="none" w="med" len="med"/>
+                    </a:lnR>
+                    <a:lnT w="12700" cmpd="sng">
+                      <a:noFill/>
+                    </a:lnT>
+                    <a:lnB w="12700" cap="flat" cmpd="sng" algn="ctr">
+                      <a:solidFill>
+                        <a:schemeClr val="tx1"/>
+                      </a:solidFill>
+                      <a:prstDash val="solid"/>
+                      <a:round/>
+                      <a:headEnd type="none" w="med" len="med"/>
+                      <a:tailEnd type="none" w="med" len="med"/>
+                    </a:lnB>
+                    <a:lnTlToBr w="12700" cmpd="sng">
+                      <a:noFill/>
+                      <a:prstDash val="solid"/>
+                    </a:lnTlToBr>
+                    <a:lnBlToTr w="12700" cmpd="sng">
+                      <a:noFill/>
+                      <a:prstDash val="solid"/>
+                    </a:lnBlToTr>
+                  </a:tcPr>
+                </a:tc>
+                <a:extLst>
+                  <a:ext uri="{0D108BD9-81ED-4DB2-BD59-A6C34878D82A}">
+                    <a16:rowId xmlns:a16="http://schemas.microsoft.com/office/drawing/2014/main" val="1694278645"/>
+                  </a:ext>
+                </a:extLst>
+              </a:tr>
+            </a:tbl>
+          </a:graphicData>
+        </a:graphic>
+      </p:graphicFrame>
     </p:spTree>
     <p:extLst>
       <p:ext uri="{BB962C8B-B14F-4D97-AF65-F5344CB8AC3E}">
-        <p14:creationId xmlns:p14="http://schemas.microsoft.com/office/powerpoint/2010/main" val="4202459207"/>
+        <p14:creationId xmlns:p14="http://schemas.microsoft.com/office/powerpoint/2010/main" val="3041979971"/>
       </p:ext>
     </p:extLst>
   </p:cSld>
@@ -3827,7 +4334,7 @@
           <p:cNvPr id="2" name="Title 1">
             <a:extLst>
               <a:ext uri="{FF2B5EF4-FFF2-40B4-BE49-F238E27FC236}">
-                <a16:creationId xmlns:a16="http://schemas.microsoft.com/office/drawing/2014/main" id="{70EB6823-05B0-AB53-9FC9-C29E79FF6E9C}"/>
+                <a16:creationId xmlns:a16="http://schemas.microsoft.com/office/drawing/2014/main" id="{A9ADCD5D-0E13-DD2C-78B1-F7C01ED44EC4}"/>
               </a:ext>
             </a:extLst>
           </p:cNvPr>
@@ -3844,8 +4351,15 @@
           <a:lstStyle/>
           <a:p>
             <a:r>
-              <a:rPr lang="de-DE" dirty="0"/>
-              <a:t>Sources</a:t>
+              <a:rPr lang="de-DE" sz="4400" dirty="0" err="1"/>
+              <a:t>Results</a:t>
+            </a:r>
+            <a:br>
+              <a:rPr lang="de-DE" sz="4400" dirty="0"/>
+            </a:br>
+            <a:r>
+              <a:rPr lang="de-DE" sz="4400" dirty="0"/>
+              <a:t>VGG16</a:t>
             </a:r>
             <a:endParaRPr lang="en-US" dirty="0"/>
           </a:p>
@@ -3853,40 +4367,10 @@
       </p:sp>
       <p:sp>
         <p:nvSpPr>
-          <p:cNvPr id="3" name="Content Placeholder 2">
-            <a:extLst>
-              <a:ext uri="{FF2B5EF4-FFF2-40B4-BE49-F238E27FC236}">
-                <a16:creationId xmlns:a16="http://schemas.microsoft.com/office/drawing/2014/main" id="{79DF1DD1-221A-FA77-A04E-F2226FD95B82}"/>
-              </a:ext>
-            </a:extLst>
-          </p:cNvPr>
-          <p:cNvSpPr>
-            <a:spLocks noGrp="1"/>
-          </p:cNvSpPr>
-          <p:nvPr>
-            <p:ph idx="1"/>
-          </p:nvPr>
-        </p:nvSpPr>
-        <p:spPr/>
-        <p:txBody>
-          <a:bodyPr>
-            <a:normAutofit/>
-          </a:bodyPr>
-          <a:lstStyle/>
-          <a:p>
-            <a:pPr marL="0" indent="0">
-              <a:buNone/>
-            </a:pPr>
-            <a:endParaRPr lang="en-US" sz="2000" dirty="0"/>
-          </a:p>
-        </p:txBody>
-      </p:sp>
-      <p:sp>
-        <p:nvSpPr>
           <p:cNvPr id="4" name="Rectangle: Rounded Corners 3">
             <a:extLst>
               <a:ext uri="{FF2B5EF4-FFF2-40B4-BE49-F238E27FC236}">
-                <a16:creationId xmlns:a16="http://schemas.microsoft.com/office/drawing/2014/main" id="{9A620A47-3344-F9A3-E8AE-3525C30E2326}"/>
+                <a16:creationId xmlns:a16="http://schemas.microsoft.com/office/drawing/2014/main" id="{57982DB5-8774-5072-146F-EE5390EC903B}"/>
               </a:ext>
             </a:extLst>
           </p:cNvPr>
@@ -3941,10 +4425,670 @@
           </a:p>
         </p:txBody>
       </p:sp>
+      <p:graphicFrame>
+        <p:nvGraphicFramePr>
+          <p:cNvPr id="12" name="Table 11">
+            <a:extLst>
+              <a:ext uri="{FF2B5EF4-FFF2-40B4-BE49-F238E27FC236}">
+                <a16:creationId xmlns:a16="http://schemas.microsoft.com/office/drawing/2014/main" id="{38983A1C-904D-9B08-2CEB-C617B88DA84A}"/>
+              </a:ext>
+            </a:extLst>
+          </p:cNvPr>
+          <p:cNvGraphicFramePr>
+            <a:graphicFrameLocks noGrp="1"/>
+          </p:cNvGraphicFramePr>
+          <p:nvPr>
+            <p:extLst>
+              <p:ext uri="{D42A27DB-BD31-4B8C-83A1-F6EECF244321}">
+                <p14:modId xmlns:p14="http://schemas.microsoft.com/office/powerpoint/2010/main" val="3770692283"/>
+              </p:ext>
+            </p:extLst>
+          </p:nvPr>
+        </p:nvGraphicFramePr>
+        <p:xfrm>
+          <a:off x="3588639" y="5087145"/>
+          <a:ext cx="5014722" cy="1463040"/>
+        </p:xfrm>
+        <a:graphic>
+          <a:graphicData uri="http://schemas.openxmlformats.org/drawingml/2006/table">
+            <a:tbl>
+              <a:tblPr firstRow="1" bandRow="1">
+                <a:tableStyleId>{5940675A-B579-460E-94D1-54222C63F5DA}</a:tableStyleId>
+              </a:tblPr>
+              <a:tblGrid>
+                <a:gridCol w="1052322">
+                  <a:extLst>
+                    <a:ext uri="{9D8B030D-6E8A-4147-A177-3AD203B41FA5}">
+                      <a16:colId xmlns:a16="http://schemas.microsoft.com/office/drawing/2014/main" val="3991802889"/>
+                    </a:ext>
+                  </a:extLst>
+                </a:gridCol>
+                <a:gridCol w="1981200">
+                  <a:extLst>
+                    <a:ext uri="{9D8B030D-6E8A-4147-A177-3AD203B41FA5}">
+                      <a16:colId xmlns:a16="http://schemas.microsoft.com/office/drawing/2014/main" val="2446102717"/>
+                    </a:ext>
+                  </a:extLst>
+                </a:gridCol>
+                <a:gridCol w="1981200">
+                  <a:extLst>
+                    <a:ext uri="{9D8B030D-6E8A-4147-A177-3AD203B41FA5}">
+                      <a16:colId xmlns:a16="http://schemas.microsoft.com/office/drawing/2014/main" val="782892181"/>
+                    </a:ext>
+                  </a:extLst>
+                </a:gridCol>
+              </a:tblGrid>
+              <a:tr h="365760">
+                <a:tc>
+                  <a:txBody>
+                    <a:bodyPr/>
+                    <a:lstStyle/>
+                    <a:p>
+                      <a:endParaRPr lang="en-US" sz="1600" dirty="0"/>
+                    </a:p>
+                  </a:txBody>
+                  <a:tcPr>
+                    <a:lnL w="12700" cap="flat" cmpd="sng" algn="ctr">
+                      <a:solidFill>
+                        <a:schemeClr val="tx1"/>
+                      </a:solidFill>
+                      <a:prstDash val="solid"/>
+                      <a:round/>
+                      <a:headEnd type="none" w="med" len="med"/>
+                      <a:tailEnd type="none" w="med" len="med"/>
+                    </a:lnL>
+                    <a:lnR w="12700" cmpd="sng">
+                      <a:noFill/>
+                    </a:lnR>
+                    <a:lnT w="12700" cap="flat" cmpd="sng" algn="ctr">
+                      <a:solidFill>
+                        <a:schemeClr val="tx1"/>
+                      </a:solidFill>
+                      <a:prstDash val="solid"/>
+                      <a:round/>
+                      <a:headEnd type="none" w="med" len="med"/>
+                      <a:tailEnd type="none" w="med" len="med"/>
+                    </a:lnT>
+                    <a:lnB w="12700" cap="flat" cmpd="sng" algn="ctr">
+                      <a:solidFill>
+                        <a:schemeClr val="tx1"/>
+                      </a:solidFill>
+                      <a:prstDash val="solid"/>
+                      <a:round/>
+                      <a:headEnd type="none" w="med" len="med"/>
+                      <a:tailEnd type="none" w="med" len="med"/>
+                    </a:lnB>
+                    <a:lnTlToBr w="12700" cmpd="sng">
+                      <a:noFill/>
+                      <a:prstDash val="solid"/>
+                    </a:lnTlToBr>
+                    <a:lnBlToTr w="12700" cmpd="sng">
+                      <a:noFill/>
+                      <a:prstDash val="solid"/>
+                    </a:lnBlToTr>
+                  </a:tcPr>
+                </a:tc>
+                <a:tc>
+                  <a:txBody>
+                    <a:bodyPr/>
+                    <a:lstStyle/>
+                    <a:p>
+                      <a:r>
+                        <a:rPr lang="de-DE" sz="1600" dirty="0" err="1"/>
+                        <a:t>Accuracy</a:t>
+                      </a:r>
+                      <a:endParaRPr lang="en-US" sz="1600" dirty="0"/>
+                    </a:p>
+                  </a:txBody>
+                  <a:tcPr>
+                    <a:lnL w="12700" cmpd="sng">
+                      <a:noFill/>
+                    </a:lnL>
+                    <a:lnR w="12700" cmpd="sng">
+                      <a:noFill/>
+                    </a:lnR>
+                    <a:lnT w="12700" cap="flat" cmpd="sng" algn="ctr">
+                      <a:solidFill>
+                        <a:schemeClr val="tx1"/>
+                      </a:solidFill>
+                      <a:prstDash val="solid"/>
+                      <a:round/>
+                      <a:headEnd type="none" w="med" len="med"/>
+                      <a:tailEnd type="none" w="med" len="med"/>
+                    </a:lnT>
+                    <a:lnB w="12700" cap="flat" cmpd="sng" algn="ctr">
+                      <a:solidFill>
+                        <a:schemeClr val="tx1"/>
+                      </a:solidFill>
+                      <a:prstDash val="solid"/>
+                      <a:round/>
+                      <a:headEnd type="none" w="med" len="med"/>
+                      <a:tailEnd type="none" w="med" len="med"/>
+                    </a:lnB>
+                    <a:lnTlToBr w="12700" cmpd="sng">
+                      <a:noFill/>
+                      <a:prstDash val="solid"/>
+                    </a:lnTlToBr>
+                    <a:lnBlToTr w="12700" cmpd="sng">
+                      <a:noFill/>
+                      <a:prstDash val="solid"/>
+                    </a:lnBlToTr>
+                  </a:tcPr>
+                </a:tc>
+                <a:tc>
+                  <a:txBody>
+                    <a:bodyPr/>
+                    <a:lstStyle/>
+                    <a:p>
+                      <a:r>
+                        <a:rPr lang="de-DE" sz="1600" dirty="0"/>
+                        <a:t>AUC</a:t>
+                      </a:r>
+                      <a:endParaRPr lang="en-US" sz="1600" dirty="0"/>
+                    </a:p>
+                  </a:txBody>
+                  <a:tcPr>
+                    <a:lnL w="12700" cmpd="sng">
+                      <a:noFill/>
+                    </a:lnL>
+                    <a:lnR w="12700" cap="flat" cmpd="sng" algn="ctr">
+                      <a:solidFill>
+                        <a:schemeClr val="tx1"/>
+                      </a:solidFill>
+                      <a:prstDash val="solid"/>
+                      <a:round/>
+                      <a:headEnd type="none" w="med" len="med"/>
+                      <a:tailEnd type="none" w="med" len="med"/>
+                    </a:lnR>
+                    <a:lnT w="12700" cap="flat" cmpd="sng" algn="ctr">
+                      <a:solidFill>
+                        <a:schemeClr val="tx1"/>
+                      </a:solidFill>
+                      <a:prstDash val="solid"/>
+                      <a:round/>
+                      <a:headEnd type="none" w="med" len="med"/>
+                      <a:tailEnd type="none" w="med" len="med"/>
+                    </a:lnT>
+                    <a:lnB w="12700" cap="flat" cmpd="sng" algn="ctr">
+                      <a:solidFill>
+                        <a:schemeClr val="tx1"/>
+                      </a:solidFill>
+                      <a:prstDash val="solid"/>
+                      <a:round/>
+                      <a:headEnd type="none" w="med" len="med"/>
+                      <a:tailEnd type="none" w="med" len="med"/>
+                    </a:lnB>
+                    <a:lnTlToBr w="12700" cmpd="sng">
+                      <a:noFill/>
+                      <a:prstDash val="solid"/>
+                    </a:lnTlToBr>
+                    <a:lnBlToTr w="12700" cmpd="sng">
+                      <a:noFill/>
+                      <a:prstDash val="solid"/>
+                    </a:lnBlToTr>
+                  </a:tcPr>
+                </a:tc>
+                <a:extLst>
+                  <a:ext uri="{0D108BD9-81ED-4DB2-BD59-A6C34878D82A}">
+                    <a16:rowId xmlns:a16="http://schemas.microsoft.com/office/drawing/2014/main" val="3131266873"/>
+                  </a:ext>
+                </a:extLst>
+              </a:tr>
+              <a:tr h="365760">
+                <a:tc>
+                  <a:txBody>
+                    <a:bodyPr/>
+                    <a:lstStyle/>
+                    <a:p>
+                      <a:r>
+                        <a:rPr lang="de-DE" sz="1600" dirty="0"/>
+                        <a:t>Training</a:t>
+                      </a:r>
+                      <a:endParaRPr lang="en-US" sz="1600" dirty="0"/>
+                    </a:p>
+                  </a:txBody>
+                  <a:tcPr>
+                    <a:lnL w="12700" cap="flat" cmpd="sng" algn="ctr">
+                      <a:solidFill>
+                        <a:schemeClr val="tx1"/>
+                      </a:solidFill>
+                      <a:prstDash val="solid"/>
+                      <a:round/>
+                      <a:headEnd type="none" w="med" len="med"/>
+                      <a:tailEnd type="none" w="med" len="med"/>
+                    </a:lnL>
+                    <a:lnR w="12700" cmpd="sng">
+                      <a:noFill/>
+                    </a:lnR>
+                    <a:lnT w="12700" cap="flat" cmpd="sng" algn="ctr">
+                      <a:solidFill>
+                        <a:schemeClr val="tx1"/>
+                      </a:solidFill>
+                      <a:prstDash val="solid"/>
+                      <a:round/>
+                      <a:headEnd type="none" w="med" len="med"/>
+                      <a:tailEnd type="none" w="med" len="med"/>
+                    </a:lnT>
+                    <a:lnB w="12700" cmpd="sng">
+                      <a:noFill/>
+                    </a:lnB>
+                    <a:lnTlToBr w="12700" cmpd="sng">
+                      <a:noFill/>
+                      <a:prstDash val="solid"/>
+                    </a:lnTlToBr>
+                    <a:lnBlToTr w="12700" cmpd="sng">
+                      <a:noFill/>
+                      <a:prstDash val="solid"/>
+                    </a:lnBlToTr>
+                  </a:tcPr>
+                </a:tc>
+                <a:tc>
+                  <a:txBody>
+                    <a:bodyPr/>
+                    <a:lstStyle/>
+                    <a:p>
+                      <a:r>
+                        <a:rPr lang="en-US" sz="1600" dirty="0"/>
+                        <a:t> 0.913</a:t>
+                      </a:r>
+                    </a:p>
+                  </a:txBody>
+                  <a:tcPr>
+                    <a:lnL w="12700" cmpd="sng">
+                      <a:noFill/>
+                    </a:lnL>
+                    <a:lnR w="12700" cmpd="sng">
+                      <a:noFill/>
+                    </a:lnR>
+                    <a:lnT w="12700" cap="flat" cmpd="sng" algn="ctr">
+                      <a:solidFill>
+                        <a:schemeClr val="tx1"/>
+                      </a:solidFill>
+                      <a:prstDash val="solid"/>
+                      <a:round/>
+                      <a:headEnd type="none" w="med" len="med"/>
+                      <a:tailEnd type="none" w="med" len="med"/>
+                    </a:lnT>
+                    <a:lnB w="12700" cmpd="sng">
+                      <a:noFill/>
+                    </a:lnB>
+                    <a:lnTlToBr w="12700" cmpd="sng">
+                      <a:noFill/>
+                      <a:prstDash val="solid"/>
+                    </a:lnTlToBr>
+                    <a:lnBlToTr w="12700" cmpd="sng">
+                      <a:noFill/>
+                      <a:prstDash val="solid"/>
+                    </a:lnBlToTr>
+                  </a:tcPr>
+                </a:tc>
+                <a:tc>
+                  <a:txBody>
+                    <a:bodyPr/>
+                    <a:lstStyle/>
+                    <a:p>
+                      <a:r>
+                        <a:rPr lang="en-US" sz="1600" dirty="0"/>
+                        <a:t>0.967</a:t>
+                      </a:r>
+                    </a:p>
+                  </a:txBody>
+                  <a:tcPr>
+                    <a:lnL w="12700" cmpd="sng">
+                      <a:noFill/>
+                    </a:lnL>
+                    <a:lnR w="12700" cap="flat" cmpd="sng" algn="ctr">
+                      <a:solidFill>
+                        <a:schemeClr val="tx1"/>
+                      </a:solidFill>
+                      <a:prstDash val="solid"/>
+                      <a:round/>
+                      <a:headEnd type="none" w="med" len="med"/>
+                      <a:tailEnd type="none" w="med" len="med"/>
+                    </a:lnR>
+                    <a:lnT w="12700" cap="flat" cmpd="sng" algn="ctr">
+                      <a:solidFill>
+                        <a:schemeClr val="tx1"/>
+                      </a:solidFill>
+                      <a:prstDash val="solid"/>
+                      <a:round/>
+                      <a:headEnd type="none" w="med" len="med"/>
+                      <a:tailEnd type="none" w="med" len="med"/>
+                    </a:lnT>
+                    <a:lnB w="12700" cmpd="sng">
+                      <a:noFill/>
+                    </a:lnB>
+                    <a:lnTlToBr w="12700" cmpd="sng">
+                      <a:noFill/>
+                      <a:prstDash val="solid"/>
+                    </a:lnTlToBr>
+                    <a:lnBlToTr w="12700" cmpd="sng">
+                      <a:noFill/>
+                      <a:prstDash val="solid"/>
+                    </a:lnBlToTr>
+                  </a:tcPr>
+                </a:tc>
+                <a:extLst>
+                  <a:ext uri="{0D108BD9-81ED-4DB2-BD59-A6C34878D82A}">
+                    <a16:rowId xmlns:a16="http://schemas.microsoft.com/office/drawing/2014/main" val="2668896983"/>
+                  </a:ext>
+                </a:extLst>
+              </a:tr>
+              <a:tr h="365760">
+                <a:tc>
+                  <a:txBody>
+                    <a:bodyPr/>
+                    <a:lstStyle/>
+                    <a:p>
+                      <a:r>
+                        <a:rPr lang="de-DE" sz="1600" dirty="0"/>
+                        <a:t>Validation</a:t>
+                      </a:r>
+                    </a:p>
+                  </a:txBody>
+                  <a:tcPr>
+                    <a:lnL w="12700" cap="flat" cmpd="sng" algn="ctr">
+                      <a:solidFill>
+                        <a:schemeClr val="tx1"/>
+                      </a:solidFill>
+                      <a:prstDash val="solid"/>
+                      <a:round/>
+                      <a:headEnd type="none" w="med" len="med"/>
+                      <a:tailEnd type="none" w="med" len="med"/>
+                    </a:lnL>
+                    <a:lnR w="12700" cmpd="sng">
+                      <a:noFill/>
+                    </a:lnR>
+                    <a:lnT w="12700" cmpd="sng">
+                      <a:noFill/>
+                    </a:lnT>
+                    <a:lnB w="12700" cmpd="sng">
+                      <a:noFill/>
+                    </a:lnB>
+                    <a:lnTlToBr w="12700" cmpd="sng">
+                      <a:noFill/>
+                      <a:prstDash val="solid"/>
+                    </a:lnTlToBr>
+                    <a:lnBlToTr w="12700" cmpd="sng">
+                      <a:noFill/>
+                      <a:prstDash val="solid"/>
+                    </a:lnBlToTr>
+                  </a:tcPr>
+                </a:tc>
+                <a:tc>
+                  <a:txBody>
+                    <a:bodyPr/>
+                    <a:lstStyle/>
+                    <a:p>
+                      <a:r>
+                        <a:rPr lang="en-US" sz="1600" dirty="0"/>
+                        <a:t>0.727</a:t>
+                      </a:r>
+                    </a:p>
+                  </a:txBody>
+                  <a:tcPr>
+                    <a:lnL w="12700" cmpd="sng">
+                      <a:noFill/>
+                    </a:lnL>
+                    <a:lnR w="12700" cmpd="sng">
+                      <a:noFill/>
+                    </a:lnR>
+                    <a:lnT w="12700" cmpd="sng">
+                      <a:noFill/>
+                    </a:lnT>
+                    <a:lnB w="12700" cmpd="sng">
+                      <a:noFill/>
+                    </a:lnB>
+                    <a:lnTlToBr w="12700" cmpd="sng">
+                      <a:noFill/>
+                      <a:prstDash val="solid"/>
+                    </a:lnTlToBr>
+                    <a:lnBlToTr w="12700" cmpd="sng">
+                      <a:noFill/>
+                      <a:prstDash val="solid"/>
+                    </a:lnBlToTr>
+                  </a:tcPr>
+                </a:tc>
+                <a:tc>
+                  <a:txBody>
+                    <a:bodyPr/>
+                    <a:lstStyle/>
+                    <a:p>
+                      <a:r>
+                        <a:rPr lang="en-US" sz="1600" dirty="0"/>
+                        <a:t>0.802</a:t>
+                      </a:r>
+                    </a:p>
+                  </a:txBody>
+                  <a:tcPr>
+                    <a:lnL w="12700" cmpd="sng">
+                      <a:noFill/>
+                    </a:lnL>
+                    <a:lnR w="12700" cap="flat" cmpd="sng" algn="ctr">
+                      <a:solidFill>
+                        <a:schemeClr val="tx1"/>
+                      </a:solidFill>
+                      <a:prstDash val="solid"/>
+                      <a:round/>
+                      <a:headEnd type="none" w="med" len="med"/>
+                      <a:tailEnd type="none" w="med" len="med"/>
+                    </a:lnR>
+                    <a:lnT w="12700" cmpd="sng">
+                      <a:noFill/>
+                    </a:lnT>
+                    <a:lnB w="12700" cmpd="sng">
+                      <a:noFill/>
+                    </a:lnB>
+                    <a:lnTlToBr w="12700" cmpd="sng">
+                      <a:noFill/>
+                      <a:prstDash val="solid"/>
+                    </a:lnTlToBr>
+                    <a:lnBlToTr w="12700" cmpd="sng">
+                      <a:noFill/>
+                      <a:prstDash val="solid"/>
+                    </a:lnBlToTr>
+                  </a:tcPr>
+                </a:tc>
+                <a:extLst>
+                  <a:ext uri="{0D108BD9-81ED-4DB2-BD59-A6C34878D82A}">
+                    <a16:rowId xmlns:a16="http://schemas.microsoft.com/office/drawing/2014/main" val="1694278645"/>
+                  </a:ext>
+                </a:extLst>
+              </a:tr>
+              <a:tr h="365760">
+                <a:tc>
+                  <a:txBody>
+                    <a:bodyPr/>
+                    <a:lstStyle/>
+                    <a:p>
+                      <a:r>
+                        <a:rPr lang="de-DE" sz="1600" dirty="0"/>
+                        <a:t>Test</a:t>
+                      </a:r>
+                    </a:p>
+                  </a:txBody>
+                  <a:tcPr>
+                    <a:lnL w="12700" cap="flat" cmpd="sng" algn="ctr">
+                      <a:solidFill>
+                        <a:schemeClr val="tx1"/>
+                      </a:solidFill>
+                      <a:prstDash val="solid"/>
+                      <a:round/>
+                      <a:headEnd type="none" w="med" len="med"/>
+                      <a:tailEnd type="none" w="med" len="med"/>
+                    </a:lnL>
+                    <a:lnR w="12700" cmpd="sng">
+                      <a:noFill/>
+                    </a:lnR>
+                    <a:lnT w="12700" cmpd="sng">
+                      <a:noFill/>
+                    </a:lnT>
+                    <a:lnB w="12700" cap="flat" cmpd="sng" algn="ctr">
+                      <a:solidFill>
+                        <a:schemeClr val="tx1"/>
+                      </a:solidFill>
+                      <a:prstDash val="solid"/>
+                      <a:round/>
+                      <a:headEnd type="none" w="med" len="med"/>
+                      <a:tailEnd type="none" w="med" len="med"/>
+                    </a:lnB>
+                    <a:lnTlToBr w="12700" cmpd="sng">
+                      <a:noFill/>
+                      <a:prstDash val="solid"/>
+                    </a:lnTlToBr>
+                    <a:lnBlToTr w="12700" cmpd="sng">
+                      <a:noFill/>
+                      <a:prstDash val="solid"/>
+                    </a:lnBlToTr>
+                  </a:tcPr>
+                </a:tc>
+                <a:tc>
+                  <a:txBody>
+                    <a:bodyPr/>
+                    <a:lstStyle/>
+                    <a:p>
+                      <a:r>
+                        <a:rPr lang="en-US" sz="1600" kern="1200" dirty="0">
+                          <a:solidFill>
+                            <a:schemeClr val="tx1"/>
+                          </a:solidFill>
+                          <a:effectLst/>
+                          <a:latin typeface="+mn-lt"/>
+                          <a:ea typeface="+mn-ea"/>
+                          <a:cs typeface="+mn-cs"/>
+                        </a:rPr>
+                        <a:t>0.686</a:t>
+                      </a:r>
+                      <a:endParaRPr lang="en-US" sz="1600" dirty="0"/>
+                    </a:p>
+                  </a:txBody>
+                  <a:tcPr>
+                    <a:lnL w="12700" cmpd="sng">
+                      <a:noFill/>
+                    </a:lnL>
+                    <a:lnR w="12700" cmpd="sng">
+                      <a:noFill/>
+                    </a:lnR>
+                    <a:lnT w="12700" cmpd="sng">
+                      <a:noFill/>
+                    </a:lnT>
+                    <a:lnB w="12700" cap="flat" cmpd="sng" algn="ctr">
+                      <a:solidFill>
+                        <a:schemeClr val="tx1"/>
+                      </a:solidFill>
+                      <a:prstDash val="solid"/>
+                      <a:round/>
+                      <a:headEnd type="none" w="med" len="med"/>
+                      <a:tailEnd type="none" w="med" len="med"/>
+                    </a:lnB>
+                    <a:lnTlToBr w="12700" cmpd="sng">
+                      <a:noFill/>
+                      <a:prstDash val="solid"/>
+                    </a:lnTlToBr>
+                    <a:lnBlToTr w="12700" cmpd="sng">
+                      <a:noFill/>
+                      <a:prstDash val="solid"/>
+                    </a:lnBlToTr>
+                  </a:tcPr>
+                </a:tc>
+                <a:tc>
+                  <a:txBody>
+                    <a:bodyPr/>
+                    <a:lstStyle/>
+                    <a:p>
+                      <a:r>
+                        <a:rPr lang="en-US" sz="1600" kern="1200" dirty="0">
+                          <a:solidFill>
+                            <a:schemeClr val="tx1"/>
+                          </a:solidFill>
+                          <a:effectLst/>
+                          <a:latin typeface="+mn-lt"/>
+                          <a:ea typeface="+mn-ea"/>
+                          <a:cs typeface="+mn-cs"/>
+                        </a:rPr>
+                        <a:t>0.737</a:t>
+                      </a:r>
+                      <a:endParaRPr lang="en-US" sz="1600" dirty="0"/>
+                    </a:p>
+                  </a:txBody>
+                  <a:tcPr>
+                    <a:lnL w="12700" cmpd="sng">
+                      <a:noFill/>
+                    </a:lnL>
+                    <a:lnR w="12700" cap="flat" cmpd="sng" algn="ctr">
+                      <a:solidFill>
+                        <a:schemeClr val="tx1"/>
+                      </a:solidFill>
+                      <a:prstDash val="solid"/>
+                      <a:round/>
+                      <a:headEnd type="none" w="med" len="med"/>
+                      <a:tailEnd type="none" w="med" len="med"/>
+                    </a:lnR>
+                    <a:lnT w="12700" cmpd="sng">
+                      <a:noFill/>
+                    </a:lnT>
+                    <a:lnB w="12700" cap="flat" cmpd="sng" algn="ctr">
+                      <a:solidFill>
+                        <a:schemeClr val="tx1"/>
+                      </a:solidFill>
+                      <a:prstDash val="solid"/>
+                      <a:round/>
+                      <a:headEnd type="none" w="med" len="med"/>
+                      <a:tailEnd type="none" w="med" len="med"/>
+                    </a:lnB>
+                    <a:lnTlToBr w="12700" cmpd="sng">
+                      <a:noFill/>
+                      <a:prstDash val="solid"/>
+                    </a:lnTlToBr>
+                    <a:lnBlToTr w="12700" cmpd="sng">
+                      <a:noFill/>
+                      <a:prstDash val="solid"/>
+                    </a:lnBlToTr>
+                  </a:tcPr>
+                </a:tc>
+                <a:extLst>
+                  <a:ext uri="{0D108BD9-81ED-4DB2-BD59-A6C34878D82A}">
+                    <a16:rowId xmlns:a16="http://schemas.microsoft.com/office/drawing/2014/main" val="1350378312"/>
+                  </a:ext>
+                </a:extLst>
+              </a:tr>
+            </a:tbl>
+          </a:graphicData>
+        </a:graphic>
+      </p:graphicFrame>
+      <p:pic>
+        <p:nvPicPr>
+          <p:cNvPr id="3" name="Picture 2">
+            <a:extLst>
+              <a:ext uri="{FF2B5EF4-FFF2-40B4-BE49-F238E27FC236}">
+                <a16:creationId xmlns:a16="http://schemas.microsoft.com/office/drawing/2014/main" id="{19D30021-B641-D8A8-F6E9-4274AF1B4470}"/>
+              </a:ext>
+            </a:extLst>
+          </p:cNvPr>
+          <p:cNvPicPr>
+            <a:picLocks noChangeAspect="1"/>
+          </p:cNvPicPr>
+          <p:nvPr/>
+        </p:nvPicPr>
+        <p:blipFill rotWithShape="1">
+          <a:blip r:embed="rId2"/>
+          <a:srcRect l="25781" t="16805" r="25703" b="18889"/>
+          <a:stretch/>
+        </p:blipFill>
+        <p:spPr>
+          <a:xfrm>
+            <a:off x="4119562" y="1978810"/>
+            <a:ext cx="3952875" cy="2947152"/>
+          </a:xfrm>
+          <a:prstGeom prst="rect">
+            <a:avLst/>
+          </a:prstGeom>
+        </p:spPr>
+      </p:pic>
     </p:spTree>
     <p:extLst>
       <p:ext uri="{BB962C8B-B14F-4D97-AF65-F5344CB8AC3E}">
-        <p14:creationId xmlns:p14="http://schemas.microsoft.com/office/powerpoint/2010/main" val="1225790466"/>
+        <p14:creationId xmlns:p14="http://schemas.microsoft.com/office/powerpoint/2010/main" val="3768055642"/>
       </p:ext>
     </p:extLst>
   </p:cSld>
@@ -3954,7 +5098,7 @@
 </p:sld>
 </file>
 
-<file path=ppt/slides/slide2.xml><?xml version="1.0" encoding="utf-8"?>
+<file path=ppt/slides/slide13.xml><?xml version="1.0" encoding="utf-8"?>
 <p:sld xmlns:a="http://schemas.openxmlformats.org/drawingml/2006/main" xmlns:r="http://schemas.openxmlformats.org/officeDocument/2006/relationships" xmlns:p="http://schemas.openxmlformats.org/presentationml/2006/main">
   <p:cSld>
     <p:spTree>
@@ -3976,7 +5120,7 @@
           <p:cNvPr id="2" name="Title 1">
             <a:extLst>
               <a:ext uri="{FF2B5EF4-FFF2-40B4-BE49-F238E27FC236}">
-                <a16:creationId xmlns:a16="http://schemas.microsoft.com/office/drawing/2014/main" id="{53BBAD25-1F9B-788B-2603-6402BBCF694C}"/>
+                <a16:creationId xmlns:a16="http://schemas.microsoft.com/office/drawing/2014/main" id="{A668E3F9-CC6A-1150-8163-C0F223726244}"/>
               </a:ext>
             </a:extLst>
           </p:cNvPr>
@@ -3994,7 +5138,11 @@
           <a:p>
             <a:r>
               <a:rPr lang="de-DE" dirty="0" err="1"/>
-              <a:t>Overview</a:t>
+              <a:t>Limitations</a:t>
+            </a:r>
+            <a:r>
+              <a:rPr lang="de-DE" dirty="0"/>
+              <a:t> / Outlook</a:t>
             </a:r>
             <a:endParaRPr lang="en-US" dirty="0"/>
           </a:p>
@@ -4002,10 +5150,10 @@
       </p:sp>
       <p:sp>
         <p:nvSpPr>
-          <p:cNvPr id="6" name="Content Placeholder 5">
-            <a:extLst>
-              <a:ext uri="{FF2B5EF4-FFF2-40B4-BE49-F238E27FC236}">
-                <a16:creationId xmlns:a16="http://schemas.microsoft.com/office/drawing/2014/main" id="{5E120946-ABB7-63E8-2A48-60399C36549B}"/>
+          <p:cNvPr id="4" name="Content Placeholder 3">
+            <a:extLst>
+              <a:ext uri="{FF2B5EF4-FFF2-40B4-BE49-F238E27FC236}">
+                <a16:creationId xmlns:a16="http://schemas.microsoft.com/office/drawing/2014/main" id="{D06F2C3D-905E-FF02-B8FF-C47927ECFA05}"/>
               </a:ext>
             </a:extLst>
           </p:cNvPr>
@@ -4026,65 +5174,103 @@
           <a:p>
             <a:r>
               <a:rPr lang="de-DE" sz="3200" dirty="0"/>
-              <a:t>Dataset (Jessie) + Intro</a:t>
-            </a:r>
-          </a:p>
-          <a:p>
+              <a:t>limited </a:t>
+            </a:r>
+            <a:r>
+              <a:rPr lang="de-DE" sz="3200" dirty="0" err="1"/>
+              <a:t>amount</a:t>
+            </a:r>
             <a:r>
               <a:rPr lang="de-DE" sz="3200" dirty="0"/>
-              <a:t>Models: VGG16 (Maike) &amp; ResNet50 (Jessie)</a:t>
-            </a:r>
-          </a:p>
-          <a:p>
+              <a:t> </a:t>
+            </a:r>
+            <a:r>
+              <a:rPr lang="de-DE" sz="3200" dirty="0" err="1"/>
+              <a:t>of</a:t>
+            </a:r>
             <a:r>
               <a:rPr lang="de-DE" sz="3200" dirty="0"/>
-              <a:t>Image </a:t>
+              <a:t> </a:t>
             </a:r>
             <a:r>
               <a:rPr lang="de-DE" sz="3200" dirty="0" err="1"/>
-              <a:t>Preprocessing</a:t>
+              <a:t>data</a:t>
             </a:r>
             <a:r>
               <a:rPr lang="de-DE" sz="3200" dirty="0"/>
-              <a:t> (Julia) &amp; Image Augmentation (Jana)</a:t>
+              <a:t> </a:t>
             </a:r>
           </a:p>
           <a:p>
             <a:r>
               <a:rPr lang="de-DE" sz="3200" dirty="0"/>
-              <a:t>Validation (Jana)</a:t>
-            </a:r>
-          </a:p>
-          <a:p>
+              <a:t>time and </a:t>
+            </a:r>
             <a:r>
               <a:rPr lang="de-DE" sz="3200" dirty="0" err="1"/>
-              <a:t>Results</a:t>
+              <a:t>memory</a:t>
             </a:r>
             <a:r>
               <a:rPr lang="de-DE" sz="3200" dirty="0"/>
-              <a:t> (Maike  &amp; Julia)</a:t>
-            </a:r>
-          </a:p>
-          <a:p>
+              <a:t> </a:t>
+            </a:r>
+            <a:r>
+              <a:rPr lang="de-DE" sz="3200" dirty="0" err="1"/>
+              <a:t>constraints</a:t>
+            </a:r>
+            <a:endParaRPr lang="de-DE" sz="3200" dirty="0"/>
+          </a:p>
+          <a:p>
+            <a:r>
+              <a:rPr lang="de-DE" sz="3200" dirty="0" err="1"/>
+              <a:t>using</a:t>
+            </a:r>
             <a:r>
               <a:rPr lang="de-DE" sz="3200" dirty="0"/>
-              <a:t>Outlook (Maike)</a:t>
-            </a:r>
-          </a:p>
-          <a:p>
-            <a:pPr marL="0" indent="0">
-              <a:buNone/>
-            </a:pPr>
-            <a:endParaRPr lang="en-US" dirty="0"/>
-          </a:p>
-        </p:txBody>
-      </p:sp>
-      <p:sp>
-        <p:nvSpPr>
-          <p:cNvPr id="7" name="Rectangle: Rounded Corners 6">
-            <a:extLst>
-              <a:ext uri="{FF2B5EF4-FFF2-40B4-BE49-F238E27FC236}">
-                <a16:creationId xmlns:a16="http://schemas.microsoft.com/office/drawing/2014/main" id="{2FE5DFF2-05DF-B200-F0EC-7FB424EE8FFA}"/>
+              <a:t> different </a:t>
+            </a:r>
+            <a:r>
+              <a:rPr lang="de-DE" sz="3200" dirty="0" err="1"/>
+              <a:t>models</a:t>
+            </a:r>
+            <a:endParaRPr lang="de-DE" sz="3200" dirty="0"/>
+          </a:p>
+          <a:p>
+            <a:r>
+              <a:rPr lang="de-DE" sz="3200" dirty="0"/>
+              <a:t>Other </a:t>
+            </a:r>
+            <a:r>
+              <a:rPr lang="de-DE" sz="3200" dirty="0" err="1"/>
+              <a:t>classification</a:t>
+            </a:r>
+            <a:r>
+              <a:rPr lang="de-DE" sz="3200" dirty="0"/>
+              <a:t> </a:t>
+            </a:r>
+            <a:r>
+              <a:rPr lang="de-DE" sz="3200" dirty="0" err="1"/>
+              <a:t>tecniques</a:t>
+            </a:r>
+            <a:endParaRPr lang="de-DE" sz="3200" dirty="0"/>
+          </a:p>
+          <a:p>
+            <a:endParaRPr lang="de-DE" sz="3200" dirty="0"/>
+          </a:p>
+          <a:p>
+            <a:endParaRPr lang="de-DE" sz="3200" dirty="0"/>
+          </a:p>
+          <a:p>
+            <a:endParaRPr lang="de-DE" dirty="0"/>
+          </a:p>
+        </p:txBody>
+      </p:sp>
+      <p:sp>
+        <p:nvSpPr>
+          <p:cNvPr id="3" name="Rectangle: Rounded Corners 2">
+            <a:extLst>
+              <a:ext uri="{FF2B5EF4-FFF2-40B4-BE49-F238E27FC236}">
+                <a16:creationId xmlns:a16="http://schemas.microsoft.com/office/drawing/2014/main" id="{7394E24B-7171-85C4-E5F4-1C5DDB94C7FD}"/>
               </a:ext>
             </a:extLst>
           </p:cNvPr>
@@ -4142,7 +5328,7 @@
     </p:spTree>
     <p:extLst>
       <p:ext uri="{BB962C8B-B14F-4D97-AF65-F5344CB8AC3E}">
-        <p14:creationId xmlns:p14="http://schemas.microsoft.com/office/powerpoint/2010/main" val="3385324519"/>
+        <p14:creationId xmlns:p14="http://schemas.microsoft.com/office/powerpoint/2010/main" val="4202459207"/>
       </p:ext>
     </p:extLst>
   </p:cSld>
@@ -4152,7 +5338,7 @@
 </p:sld>
 </file>
 
-<file path=ppt/slides/slide3.xml><?xml version="1.0" encoding="utf-8"?>
+<file path=ppt/slides/slide14.xml><?xml version="1.0" encoding="utf-8"?>
 <p:sld xmlns:a="http://schemas.openxmlformats.org/drawingml/2006/main" xmlns:r="http://schemas.openxmlformats.org/officeDocument/2006/relationships" xmlns:p="http://schemas.openxmlformats.org/presentationml/2006/main">
   <p:cSld>
     <p:spTree>
@@ -4174,7 +5360,7 @@
           <p:cNvPr id="2" name="Title 1">
             <a:extLst>
               <a:ext uri="{FF2B5EF4-FFF2-40B4-BE49-F238E27FC236}">
-                <a16:creationId xmlns:a16="http://schemas.microsoft.com/office/drawing/2014/main" id="{53BBAD25-1F9B-788B-2603-6402BBCF694C}"/>
+                <a16:creationId xmlns:a16="http://schemas.microsoft.com/office/drawing/2014/main" id="{A668E3F9-CC6A-1150-8163-C0F223726244}"/>
               </a:ext>
             </a:extLst>
           </p:cNvPr>
@@ -4192,7 +5378,7 @@
           <a:p>
             <a:r>
               <a:rPr lang="de-DE" dirty="0"/>
-              <a:t>Dataset</a:t>
+              <a:t>Outlook</a:t>
             </a:r>
             <a:endParaRPr lang="en-US" dirty="0"/>
           </a:p>
@@ -4200,10 +5386,10 @@
       </p:sp>
       <p:sp>
         <p:nvSpPr>
-          <p:cNvPr id="6" name="Content Placeholder 5">
-            <a:extLst>
-              <a:ext uri="{FF2B5EF4-FFF2-40B4-BE49-F238E27FC236}">
-                <a16:creationId xmlns:a16="http://schemas.microsoft.com/office/drawing/2014/main" id="{5E120946-ABB7-63E8-2A48-60399C36549B}"/>
+          <p:cNvPr id="4" name="Content Placeholder 3">
+            <a:extLst>
+              <a:ext uri="{FF2B5EF4-FFF2-40B4-BE49-F238E27FC236}">
+                <a16:creationId xmlns:a16="http://schemas.microsoft.com/office/drawing/2014/main" id="{D06F2C3D-905E-FF02-B8FF-C47927ECFA05}"/>
               </a:ext>
             </a:extLst>
           </p:cNvPr>
@@ -4219,10 +5405,10 @@
           <a:bodyPr/>
           <a:lstStyle/>
           <a:p>
-            <a:pPr marL="0" indent="0">
-              <a:buNone/>
-            </a:pPr>
-            <a:endParaRPr lang="en-US" dirty="0"/>
+            <a:endParaRPr lang="de-DE" dirty="0"/>
+          </a:p>
+          <a:p>
+            <a:endParaRPr lang="de-DE" dirty="0"/>
           </a:p>
         </p:txBody>
       </p:sp>
@@ -4231,7 +5417,7 @@
           <p:cNvPr id="3" name="Rectangle: Rounded Corners 2">
             <a:extLst>
               <a:ext uri="{FF2B5EF4-FFF2-40B4-BE49-F238E27FC236}">
-                <a16:creationId xmlns:a16="http://schemas.microsoft.com/office/drawing/2014/main" id="{24BF746F-7BD9-BAE2-F10C-1DD552AB0D48}"/>
+                <a16:creationId xmlns:a16="http://schemas.microsoft.com/office/drawing/2014/main" id="{7394E24B-7171-85C4-E5F4-1C5DDB94C7FD}"/>
               </a:ext>
             </a:extLst>
           </p:cNvPr>
@@ -4286,10 +5472,209 @@
           </a:p>
         </p:txBody>
       </p:sp>
+      <p:sp>
+        <p:nvSpPr>
+          <p:cNvPr id="5" name="Content Placeholder 3">
+            <a:extLst>
+              <a:ext uri="{FF2B5EF4-FFF2-40B4-BE49-F238E27FC236}">
+                <a16:creationId xmlns:a16="http://schemas.microsoft.com/office/drawing/2014/main" id="{0899AF5D-C732-259B-EE73-2F9C792ABD2B}"/>
+              </a:ext>
+            </a:extLst>
+          </p:cNvPr>
+          <p:cNvSpPr txBox="1">
+            <a:spLocks/>
+          </p:cNvSpPr>
+          <p:nvPr/>
+        </p:nvSpPr>
+        <p:spPr>
+          <a:xfrm>
+            <a:off x="990600" y="1978025"/>
+            <a:ext cx="10515600" cy="4351338"/>
+          </a:xfrm>
+          <a:prstGeom prst="rect">
+            <a:avLst/>
+          </a:prstGeom>
+        </p:spPr>
+        <p:txBody>
+          <a:bodyPr vert="horz" lIns="91440" tIns="45720" rIns="91440" bIns="45720" rtlCol="0">
+            <a:normAutofit/>
+          </a:bodyPr>
+          <a:lstStyle>
+            <a:lvl1pPr marL="228600" indent="-228600" algn="l" defTabSz="914400" rtl="0" eaLnBrk="1" latinLnBrk="0" hangingPunct="1">
+              <a:lnSpc>
+                <a:spcPct val="90000"/>
+              </a:lnSpc>
+              <a:spcBef>
+                <a:spcPts val="1000"/>
+              </a:spcBef>
+              <a:buFont typeface="Arial" panose="020B0604020202020204" pitchFamily="34" charset="0"/>
+              <a:buChar char="•"/>
+              <a:defRPr sz="2800" kern="1200">
+                <a:solidFill>
+                  <a:schemeClr val="tx1"/>
+                </a:solidFill>
+                <a:latin typeface="+mn-lt"/>
+                <a:ea typeface="+mn-ea"/>
+                <a:cs typeface="+mn-cs"/>
+              </a:defRPr>
+            </a:lvl1pPr>
+            <a:lvl2pPr marL="685800" indent="-228600" algn="l" defTabSz="914400" rtl="0" eaLnBrk="1" latinLnBrk="0" hangingPunct="1">
+              <a:lnSpc>
+                <a:spcPct val="90000"/>
+              </a:lnSpc>
+              <a:spcBef>
+                <a:spcPts val="500"/>
+              </a:spcBef>
+              <a:buFont typeface="Arial" panose="020B0604020202020204" pitchFamily="34" charset="0"/>
+              <a:buChar char="•"/>
+              <a:defRPr sz="2400" kern="1200">
+                <a:solidFill>
+                  <a:schemeClr val="tx1"/>
+                </a:solidFill>
+                <a:latin typeface="+mn-lt"/>
+                <a:ea typeface="+mn-ea"/>
+                <a:cs typeface="+mn-cs"/>
+              </a:defRPr>
+            </a:lvl2pPr>
+            <a:lvl3pPr marL="1143000" indent="-228600" algn="l" defTabSz="914400" rtl="0" eaLnBrk="1" latinLnBrk="0" hangingPunct="1">
+              <a:lnSpc>
+                <a:spcPct val="90000"/>
+              </a:lnSpc>
+              <a:spcBef>
+                <a:spcPts val="500"/>
+              </a:spcBef>
+              <a:buFont typeface="Arial" panose="020B0604020202020204" pitchFamily="34" charset="0"/>
+              <a:buChar char="•"/>
+              <a:defRPr sz="2000" kern="1200">
+                <a:solidFill>
+                  <a:schemeClr val="tx1"/>
+                </a:solidFill>
+                <a:latin typeface="+mn-lt"/>
+                <a:ea typeface="+mn-ea"/>
+                <a:cs typeface="+mn-cs"/>
+              </a:defRPr>
+            </a:lvl3pPr>
+            <a:lvl4pPr marL="1600200" indent="-228600" algn="l" defTabSz="914400" rtl="0" eaLnBrk="1" latinLnBrk="0" hangingPunct="1">
+              <a:lnSpc>
+                <a:spcPct val="90000"/>
+              </a:lnSpc>
+              <a:spcBef>
+                <a:spcPts val="500"/>
+              </a:spcBef>
+              <a:buFont typeface="Arial" panose="020B0604020202020204" pitchFamily="34" charset="0"/>
+              <a:buChar char="•"/>
+              <a:defRPr sz="1800" kern="1200">
+                <a:solidFill>
+                  <a:schemeClr val="tx1"/>
+                </a:solidFill>
+                <a:latin typeface="+mn-lt"/>
+                <a:ea typeface="+mn-ea"/>
+                <a:cs typeface="+mn-cs"/>
+              </a:defRPr>
+            </a:lvl4pPr>
+            <a:lvl5pPr marL="2057400" indent="-228600" algn="l" defTabSz="914400" rtl="0" eaLnBrk="1" latinLnBrk="0" hangingPunct="1">
+              <a:lnSpc>
+                <a:spcPct val="90000"/>
+              </a:lnSpc>
+              <a:spcBef>
+                <a:spcPts val="500"/>
+              </a:spcBef>
+              <a:buFont typeface="Arial" panose="020B0604020202020204" pitchFamily="34" charset="0"/>
+              <a:buChar char="•"/>
+              <a:defRPr sz="1800" kern="1200">
+                <a:solidFill>
+                  <a:schemeClr val="tx1"/>
+                </a:solidFill>
+                <a:latin typeface="+mn-lt"/>
+                <a:ea typeface="+mn-ea"/>
+                <a:cs typeface="+mn-cs"/>
+              </a:defRPr>
+            </a:lvl5pPr>
+            <a:lvl6pPr marL="2514600" indent="-228600" algn="l" defTabSz="914400" rtl="0" eaLnBrk="1" latinLnBrk="0" hangingPunct="1">
+              <a:lnSpc>
+                <a:spcPct val="90000"/>
+              </a:lnSpc>
+              <a:spcBef>
+                <a:spcPts val="500"/>
+              </a:spcBef>
+              <a:buFont typeface="Arial" panose="020B0604020202020204" pitchFamily="34" charset="0"/>
+              <a:buChar char="•"/>
+              <a:defRPr sz="1800" kern="1200">
+                <a:solidFill>
+                  <a:schemeClr val="tx1"/>
+                </a:solidFill>
+                <a:latin typeface="+mn-lt"/>
+                <a:ea typeface="+mn-ea"/>
+                <a:cs typeface="+mn-cs"/>
+              </a:defRPr>
+            </a:lvl6pPr>
+            <a:lvl7pPr marL="2971800" indent="-228600" algn="l" defTabSz="914400" rtl="0" eaLnBrk="1" latinLnBrk="0" hangingPunct="1">
+              <a:lnSpc>
+                <a:spcPct val="90000"/>
+              </a:lnSpc>
+              <a:spcBef>
+                <a:spcPts val="500"/>
+              </a:spcBef>
+              <a:buFont typeface="Arial" panose="020B0604020202020204" pitchFamily="34" charset="0"/>
+              <a:buChar char="•"/>
+              <a:defRPr sz="1800" kern="1200">
+                <a:solidFill>
+                  <a:schemeClr val="tx1"/>
+                </a:solidFill>
+                <a:latin typeface="+mn-lt"/>
+                <a:ea typeface="+mn-ea"/>
+                <a:cs typeface="+mn-cs"/>
+              </a:defRPr>
+            </a:lvl7pPr>
+            <a:lvl8pPr marL="3429000" indent="-228600" algn="l" defTabSz="914400" rtl="0" eaLnBrk="1" latinLnBrk="0" hangingPunct="1">
+              <a:lnSpc>
+                <a:spcPct val="90000"/>
+              </a:lnSpc>
+              <a:spcBef>
+                <a:spcPts val="500"/>
+              </a:spcBef>
+              <a:buFont typeface="Arial" panose="020B0604020202020204" pitchFamily="34" charset="0"/>
+              <a:buChar char="•"/>
+              <a:defRPr sz="1800" kern="1200">
+                <a:solidFill>
+                  <a:schemeClr val="tx1"/>
+                </a:solidFill>
+                <a:latin typeface="+mn-lt"/>
+                <a:ea typeface="+mn-ea"/>
+                <a:cs typeface="+mn-cs"/>
+              </a:defRPr>
+            </a:lvl8pPr>
+            <a:lvl9pPr marL="3886200" indent="-228600" algn="l" defTabSz="914400" rtl="0" eaLnBrk="1" latinLnBrk="0" hangingPunct="1">
+              <a:lnSpc>
+                <a:spcPct val="90000"/>
+              </a:lnSpc>
+              <a:spcBef>
+                <a:spcPts val="500"/>
+              </a:spcBef>
+              <a:buFont typeface="Arial" panose="020B0604020202020204" pitchFamily="34" charset="0"/>
+              <a:buChar char="•"/>
+              <a:defRPr sz="1800" kern="1200">
+                <a:solidFill>
+                  <a:schemeClr val="tx1"/>
+                </a:solidFill>
+                <a:latin typeface="+mn-lt"/>
+                <a:ea typeface="+mn-ea"/>
+                <a:cs typeface="+mn-cs"/>
+              </a:defRPr>
+            </a:lvl9pPr>
+          </a:lstStyle>
+          <a:p>
+            <a:endParaRPr lang="de-DE" sz="3200" dirty="0"/>
+          </a:p>
+          <a:p>
+            <a:endParaRPr lang="de-DE" dirty="0"/>
+          </a:p>
+        </p:txBody>
+      </p:sp>
     </p:spTree>
     <p:extLst>
       <p:ext uri="{BB962C8B-B14F-4D97-AF65-F5344CB8AC3E}">
-        <p14:creationId xmlns:p14="http://schemas.microsoft.com/office/powerpoint/2010/main" val="3670903543"/>
+        <p14:creationId xmlns:p14="http://schemas.microsoft.com/office/powerpoint/2010/main" val="3477926677"/>
       </p:ext>
     </p:extLst>
   </p:cSld>
@@ -4299,7 +5684,7 @@
 </p:sld>
 </file>
 
-<file path=ppt/slides/slide4.xml><?xml version="1.0" encoding="utf-8"?>
+<file path=ppt/slides/slide15.xml><?xml version="1.0" encoding="utf-8"?>
 <p:sld xmlns:a="http://schemas.openxmlformats.org/drawingml/2006/main" xmlns:r="http://schemas.openxmlformats.org/officeDocument/2006/relationships" xmlns:p="http://schemas.openxmlformats.org/presentationml/2006/main">
   <p:cSld>
     <p:spTree>
@@ -4321,7 +5706,7 @@
           <p:cNvPr id="2" name="Title 1">
             <a:extLst>
               <a:ext uri="{FF2B5EF4-FFF2-40B4-BE49-F238E27FC236}">
-                <a16:creationId xmlns:a16="http://schemas.microsoft.com/office/drawing/2014/main" id="{53BBAD25-1F9B-788B-2603-6402BBCF694C}"/>
+                <a16:creationId xmlns:a16="http://schemas.microsoft.com/office/drawing/2014/main" id="{70EB6823-05B0-AB53-9FC9-C29E79FF6E9C}"/>
               </a:ext>
             </a:extLst>
           </p:cNvPr>
@@ -4339,14 +5724,7 @@
           <a:p>
             <a:r>
               <a:rPr lang="de-DE" dirty="0"/>
-              <a:t>Models</a:t>
-            </a:r>
-            <a:br>
-              <a:rPr lang="de-DE" dirty="0"/>
-            </a:br>
-            <a:r>
-              <a:rPr lang="de-DE" dirty="0"/>
-              <a:t>ResNet50</a:t>
+              <a:t>Sources</a:t>
             </a:r>
             <a:endParaRPr lang="en-US" dirty="0"/>
           </a:p>
@@ -4354,10 +5732,10 @@
       </p:sp>
       <p:sp>
         <p:nvSpPr>
-          <p:cNvPr id="6" name="Content Placeholder 5">
-            <a:extLst>
-              <a:ext uri="{FF2B5EF4-FFF2-40B4-BE49-F238E27FC236}">
-                <a16:creationId xmlns:a16="http://schemas.microsoft.com/office/drawing/2014/main" id="{5E120946-ABB7-63E8-2A48-60399C36549B}"/>
+          <p:cNvPr id="3" name="Content Placeholder 2">
+            <a:extLst>
+              <a:ext uri="{FF2B5EF4-FFF2-40B4-BE49-F238E27FC236}">
+                <a16:creationId xmlns:a16="http://schemas.microsoft.com/office/drawing/2014/main" id="{79DF1DD1-221A-FA77-A04E-F2226FD95B82}"/>
               </a:ext>
             </a:extLst>
           </p:cNvPr>
@@ -4370,22 +5748,24 @@
         </p:nvSpPr>
         <p:spPr/>
         <p:txBody>
-          <a:bodyPr/>
+          <a:bodyPr>
+            <a:normAutofit/>
+          </a:bodyPr>
           <a:lstStyle/>
           <a:p>
             <a:pPr marL="0" indent="0">
               <a:buNone/>
             </a:pPr>
-            <a:endParaRPr lang="en-US" dirty="0"/>
-          </a:p>
-        </p:txBody>
-      </p:sp>
-      <p:sp>
-        <p:nvSpPr>
-          <p:cNvPr id="3" name="Rectangle: Rounded Corners 2">
-            <a:extLst>
-              <a:ext uri="{FF2B5EF4-FFF2-40B4-BE49-F238E27FC236}">
-                <a16:creationId xmlns:a16="http://schemas.microsoft.com/office/drawing/2014/main" id="{4AF6311D-D296-C3D0-7C8D-08EB7AFDC29B}"/>
+            <a:endParaRPr lang="en-US" sz="2000" dirty="0"/>
+          </a:p>
+        </p:txBody>
+      </p:sp>
+      <p:sp>
+        <p:nvSpPr>
+          <p:cNvPr id="4" name="Rectangle: Rounded Corners 3">
+            <a:extLst>
+              <a:ext uri="{FF2B5EF4-FFF2-40B4-BE49-F238E27FC236}">
+                <a16:creationId xmlns:a16="http://schemas.microsoft.com/office/drawing/2014/main" id="{9A620A47-3344-F9A3-E8AE-3525C30E2326}"/>
               </a:ext>
             </a:extLst>
           </p:cNvPr>
@@ -4443,7 +5823,7 @@
     </p:spTree>
     <p:extLst>
       <p:ext uri="{BB962C8B-B14F-4D97-AF65-F5344CB8AC3E}">
-        <p14:creationId xmlns:p14="http://schemas.microsoft.com/office/powerpoint/2010/main" val="2159325909"/>
+        <p14:creationId xmlns:p14="http://schemas.microsoft.com/office/powerpoint/2010/main" val="1225790466"/>
       </p:ext>
     </p:extLst>
   </p:cSld>
@@ -4453,7 +5833,7 @@
 </p:sld>
 </file>
 
-<file path=ppt/slides/slide5.xml><?xml version="1.0" encoding="utf-8"?>
+<file path=ppt/slides/slide2.xml><?xml version="1.0" encoding="utf-8"?>
 <p:sld xmlns:a="http://schemas.openxmlformats.org/drawingml/2006/main" xmlns:r="http://schemas.openxmlformats.org/officeDocument/2006/relationships" xmlns:p="http://schemas.openxmlformats.org/presentationml/2006/main">
   <p:cSld>
     <p:spTree>
@@ -4492,15 +5872,8 @@
           <a:lstStyle/>
           <a:p>
             <a:r>
-              <a:rPr lang="de-DE" dirty="0"/>
-              <a:t>Models</a:t>
-            </a:r>
-            <a:br>
-              <a:rPr lang="de-DE" dirty="0"/>
-            </a:br>
-            <a:r>
-              <a:rPr lang="de-DE" dirty="0"/>
-              <a:t>VGG16</a:t>
+              <a:rPr lang="de-DE" dirty="0" err="1"/>
+              <a:t>Overview</a:t>
             </a:r>
             <a:endParaRPr lang="en-US" dirty="0"/>
           </a:p>
@@ -4527,6 +5900,57 @@
           <a:bodyPr/>
           <a:lstStyle/>
           <a:p>
+            <a:endParaRPr lang="de-DE" sz="3200" dirty="0"/>
+          </a:p>
+          <a:p>
+            <a:r>
+              <a:rPr lang="de-DE" sz="3200" dirty="0"/>
+              <a:t>Dataset (Jessie) + Intro</a:t>
+            </a:r>
+          </a:p>
+          <a:p>
+            <a:r>
+              <a:rPr lang="de-DE" sz="3200" dirty="0"/>
+              <a:t>Models: VGG16 (Maike) &amp; ResNet50 (Jessie)</a:t>
+            </a:r>
+          </a:p>
+          <a:p>
+            <a:r>
+              <a:rPr lang="de-DE" sz="3200" dirty="0"/>
+              <a:t>Image </a:t>
+            </a:r>
+            <a:r>
+              <a:rPr lang="de-DE" sz="3200" dirty="0" err="1"/>
+              <a:t>Preprocessing</a:t>
+            </a:r>
+            <a:r>
+              <a:rPr lang="de-DE" sz="3200" dirty="0"/>
+              <a:t> (Julia) &amp; Image Augmentation (Jana)</a:t>
+            </a:r>
+          </a:p>
+          <a:p>
+            <a:r>
+              <a:rPr lang="de-DE" sz="3200" dirty="0"/>
+              <a:t>Validation (Jana)</a:t>
+            </a:r>
+          </a:p>
+          <a:p>
+            <a:r>
+              <a:rPr lang="de-DE" sz="3200" dirty="0" err="1"/>
+              <a:t>Results</a:t>
+            </a:r>
+            <a:r>
+              <a:rPr lang="de-DE" sz="3200" dirty="0"/>
+              <a:t> (Maike  &amp; Julia)</a:t>
+            </a:r>
+          </a:p>
+          <a:p>
+            <a:r>
+              <a:rPr lang="de-DE" sz="3200" dirty="0"/>
+              <a:t>Outlook (Maike)</a:t>
+            </a:r>
+          </a:p>
+          <a:p>
             <a:pPr marL="0" indent="0">
               <a:buNone/>
             </a:pPr>
@@ -4536,10 +5960,10 @@
       </p:sp>
       <p:sp>
         <p:nvSpPr>
-          <p:cNvPr id="3" name="Rectangle: Rounded Corners 2">
-            <a:extLst>
-              <a:ext uri="{FF2B5EF4-FFF2-40B4-BE49-F238E27FC236}">
-                <a16:creationId xmlns:a16="http://schemas.microsoft.com/office/drawing/2014/main" id="{FCA5B806-6BAC-4581-DCFF-2D10B4C9247C}"/>
+          <p:cNvPr id="7" name="Rectangle: Rounded Corners 6">
+            <a:extLst>
+              <a:ext uri="{FF2B5EF4-FFF2-40B4-BE49-F238E27FC236}">
+                <a16:creationId xmlns:a16="http://schemas.microsoft.com/office/drawing/2014/main" id="{2FE5DFF2-05DF-B200-F0EC-7FB424EE8FFA}"/>
               </a:ext>
             </a:extLst>
           </p:cNvPr>
@@ -4591,6 +6015,2804 @@
           <a:p>
             <a:pPr algn="ctr"/>
             <a:endParaRPr lang="en-US"/>
+          </a:p>
+        </p:txBody>
+      </p:sp>
+    </p:spTree>
+    <p:extLst>
+      <p:ext uri="{BB962C8B-B14F-4D97-AF65-F5344CB8AC3E}">
+        <p14:creationId xmlns:p14="http://schemas.microsoft.com/office/powerpoint/2010/main" val="3385324519"/>
+      </p:ext>
+    </p:extLst>
+  </p:cSld>
+  <p:clrMapOvr>
+    <a:masterClrMapping/>
+  </p:clrMapOvr>
+</p:sld>
+</file>
+
+<file path=ppt/slides/slide3.xml><?xml version="1.0" encoding="utf-8"?>
+<p:sld xmlns:a="http://schemas.openxmlformats.org/drawingml/2006/main" xmlns:r="http://schemas.openxmlformats.org/officeDocument/2006/relationships" xmlns:p="http://schemas.openxmlformats.org/presentationml/2006/main">
+  <p:cSld>
+    <p:spTree>
+      <p:nvGrpSpPr>
+        <p:cNvPr id="1" name=""/>
+        <p:cNvGrpSpPr/>
+        <p:nvPr/>
+      </p:nvGrpSpPr>
+      <p:grpSpPr>
+        <a:xfrm>
+          <a:off x="0" y="0"/>
+          <a:ext cx="0" cy="0"/>
+          <a:chOff x="0" y="0"/>
+          <a:chExt cx="0" cy="0"/>
+        </a:xfrm>
+      </p:grpSpPr>
+      <p:sp>
+        <p:nvSpPr>
+          <p:cNvPr id="2" name="Title 1">
+            <a:extLst>
+              <a:ext uri="{FF2B5EF4-FFF2-40B4-BE49-F238E27FC236}">
+                <a16:creationId xmlns:a16="http://schemas.microsoft.com/office/drawing/2014/main" id="{53BBAD25-1F9B-788B-2603-6402BBCF694C}"/>
+              </a:ext>
+            </a:extLst>
+          </p:cNvPr>
+          <p:cNvSpPr>
+            <a:spLocks noGrp="1"/>
+          </p:cNvSpPr>
+          <p:nvPr>
+            <p:ph type="title"/>
+          </p:nvPr>
+        </p:nvSpPr>
+        <p:spPr/>
+        <p:txBody>
+          <a:bodyPr/>
+          <a:lstStyle/>
+          <a:p>
+            <a:r>
+              <a:rPr lang="de-DE" dirty="0"/>
+              <a:t>Dataset</a:t>
+            </a:r>
+            <a:endParaRPr lang="en-US" dirty="0"/>
+          </a:p>
+        </p:txBody>
+      </p:sp>
+      <p:sp>
+        <p:nvSpPr>
+          <p:cNvPr id="6" name="Content Placeholder 5">
+            <a:extLst>
+              <a:ext uri="{FF2B5EF4-FFF2-40B4-BE49-F238E27FC236}">
+                <a16:creationId xmlns:a16="http://schemas.microsoft.com/office/drawing/2014/main" id="{5E120946-ABB7-63E8-2A48-60399C36549B}"/>
+              </a:ext>
+            </a:extLst>
+          </p:cNvPr>
+          <p:cNvSpPr>
+            <a:spLocks noGrp="1"/>
+          </p:cNvSpPr>
+          <p:nvPr>
+            <p:ph idx="1"/>
+          </p:nvPr>
+        </p:nvSpPr>
+        <p:spPr/>
+        <p:txBody>
+          <a:bodyPr/>
+          <a:lstStyle/>
+          <a:p>
+            <a:pPr marL="0" indent="0">
+              <a:buNone/>
+            </a:pPr>
+            <a:endParaRPr lang="en-US" dirty="0"/>
+          </a:p>
+        </p:txBody>
+      </p:sp>
+      <p:sp>
+        <p:nvSpPr>
+          <p:cNvPr id="3" name="Rectangle: Rounded Corners 2">
+            <a:extLst>
+              <a:ext uri="{FF2B5EF4-FFF2-40B4-BE49-F238E27FC236}">
+                <a16:creationId xmlns:a16="http://schemas.microsoft.com/office/drawing/2014/main" id="{24BF746F-7BD9-BAE2-F10C-1DD552AB0D48}"/>
+              </a:ext>
+            </a:extLst>
+          </p:cNvPr>
+          <p:cNvSpPr/>
+          <p:nvPr/>
+        </p:nvSpPr>
+        <p:spPr>
+          <a:xfrm>
+            <a:off x="0" y="1712437"/>
+            <a:ext cx="8845420" cy="45719"/>
+          </a:xfrm>
+          <a:prstGeom prst="roundRect">
+            <a:avLst/>
+          </a:prstGeom>
+          <a:solidFill>
+            <a:schemeClr val="accent5">
+              <a:lumMod val="40000"/>
+              <a:lumOff val="60000"/>
+            </a:schemeClr>
+          </a:solidFill>
+          <a:ln>
+            <a:solidFill>
+              <a:schemeClr val="accent5">
+                <a:lumMod val="40000"/>
+                <a:lumOff val="60000"/>
+              </a:schemeClr>
+            </a:solidFill>
+          </a:ln>
+        </p:spPr>
+        <p:style>
+          <a:lnRef idx="2">
+            <a:schemeClr val="accent1">
+              <a:shade val="15000"/>
+            </a:schemeClr>
+          </a:lnRef>
+          <a:fillRef idx="1">
+            <a:schemeClr val="accent1"/>
+          </a:fillRef>
+          <a:effectRef idx="0">
+            <a:schemeClr val="accent1"/>
+          </a:effectRef>
+          <a:fontRef idx="minor">
+            <a:schemeClr val="lt1"/>
+          </a:fontRef>
+        </p:style>
+        <p:txBody>
+          <a:bodyPr rtlCol="0" anchor="ctr"/>
+          <a:lstStyle/>
+          <a:p>
+            <a:pPr algn="ctr"/>
+            <a:endParaRPr lang="en-US"/>
+          </a:p>
+        </p:txBody>
+      </p:sp>
+    </p:spTree>
+    <p:extLst>
+      <p:ext uri="{BB962C8B-B14F-4D97-AF65-F5344CB8AC3E}">
+        <p14:creationId xmlns:p14="http://schemas.microsoft.com/office/powerpoint/2010/main" val="3670903543"/>
+      </p:ext>
+    </p:extLst>
+  </p:cSld>
+  <p:clrMapOvr>
+    <a:masterClrMapping/>
+  </p:clrMapOvr>
+</p:sld>
+</file>
+
+<file path=ppt/slides/slide4.xml><?xml version="1.0" encoding="utf-8"?>
+<p:sld xmlns:a="http://schemas.openxmlformats.org/drawingml/2006/main" xmlns:r="http://schemas.openxmlformats.org/officeDocument/2006/relationships" xmlns:p="http://schemas.openxmlformats.org/presentationml/2006/main">
+  <p:cSld>
+    <p:spTree>
+      <p:nvGrpSpPr>
+        <p:cNvPr id="1" name=""/>
+        <p:cNvGrpSpPr/>
+        <p:nvPr/>
+      </p:nvGrpSpPr>
+      <p:grpSpPr>
+        <a:xfrm>
+          <a:off x="0" y="0"/>
+          <a:ext cx="0" cy="0"/>
+          <a:chOff x="0" y="0"/>
+          <a:chExt cx="0" cy="0"/>
+        </a:xfrm>
+      </p:grpSpPr>
+      <p:sp>
+        <p:nvSpPr>
+          <p:cNvPr id="2" name="Title 1">
+            <a:extLst>
+              <a:ext uri="{FF2B5EF4-FFF2-40B4-BE49-F238E27FC236}">
+                <a16:creationId xmlns:a16="http://schemas.microsoft.com/office/drawing/2014/main" id="{53BBAD25-1F9B-788B-2603-6402BBCF694C}"/>
+              </a:ext>
+            </a:extLst>
+          </p:cNvPr>
+          <p:cNvSpPr>
+            <a:spLocks noGrp="1"/>
+          </p:cNvSpPr>
+          <p:nvPr>
+            <p:ph type="title"/>
+          </p:nvPr>
+        </p:nvSpPr>
+        <p:spPr/>
+        <p:txBody>
+          <a:bodyPr/>
+          <a:lstStyle/>
+          <a:p>
+            <a:r>
+              <a:rPr lang="de-DE" dirty="0"/>
+              <a:t>Models</a:t>
+            </a:r>
+            <a:br>
+              <a:rPr lang="de-DE" dirty="0"/>
+            </a:br>
+            <a:r>
+              <a:rPr lang="de-DE" dirty="0"/>
+              <a:t>ResNet50</a:t>
+            </a:r>
+            <a:endParaRPr lang="en-US" dirty="0"/>
+          </a:p>
+        </p:txBody>
+      </p:sp>
+      <p:sp>
+        <p:nvSpPr>
+          <p:cNvPr id="6" name="Content Placeholder 5">
+            <a:extLst>
+              <a:ext uri="{FF2B5EF4-FFF2-40B4-BE49-F238E27FC236}">
+                <a16:creationId xmlns:a16="http://schemas.microsoft.com/office/drawing/2014/main" id="{5E120946-ABB7-63E8-2A48-60399C36549B}"/>
+              </a:ext>
+            </a:extLst>
+          </p:cNvPr>
+          <p:cNvSpPr>
+            <a:spLocks noGrp="1"/>
+          </p:cNvSpPr>
+          <p:nvPr>
+            <p:ph idx="1"/>
+          </p:nvPr>
+        </p:nvSpPr>
+        <p:spPr/>
+        <p:txBody>
+          <a:bodyPr/>
+          <a:lstStyle/>
+          <a:p>
+            <a:pPr marL="0" indent="0">
+              <a:buNone/>
+            </a:pPr>
+            <a:endParaRPr lang="en-US" dirty="0"/>
+          </a:p>
+        </p:txBody>
+      </p:sp>
+      <p:sp>
+        <p:nvSpPr>
+          <p:cNvPr id="3" name="Rectangle: Rounded Corners 2">
+            <a:extLst>
+              <a:ext uri="{FF2B5EF4-FFF2-40B4-BE49-F238E27FC236}">
+                <a16:creationId xmlns:a16="http://schemas.microsoft.com/office/drawing/2014/main" id="{4AF6311D-D296-C3D0-7C8D-08EB7AFDC29B}"/>
+              </a:ext>
+            </a:extLst>
+          </p:cNvPr>
+          <p:cNvSpPr/>
+          <p:nvPr/>
+        </p:nvSpPr>
+        <p:spPr>
+          <a:xfrm>
+            <a:off x="0" y="1712437"/>
+            <a:ext cx="8845420" cy="45719"/>
+          </a:xfrm>
+          <a:prstGeom prst="roundRect">
+            <a:avLst/>
+          </a:prstGeom>
+          <a:solidFill>
+            <a:schemeClr val="accent5">
+              <a:lumMod val="40000"/>
+              <a:lumOff val="60000"/>
+            </a:schemeClr>
+          </a:solidFill>
+          <a:ln>
+            <a:solidFill>
+              <a:schemeClr val="accent5">
+                <a:lumMod val="40000"/>
+                <a:lumOff val="60000"/>
+              </a:schemeClr>
+            </a:solidFill>
+          </a:ln>
+        </p:spPr>
+        <p:style>
+          <a:lnRef idx="2">
+            <a:schemeClr val="accent1">
+              <a:shade val="15000"/>
+            </a:schemeClr>
+          </a:lnRef>
+          <a:fillRef idx="1">
+            <a:schemeClr val="accent1"/>
+          </a:fillRef>
+          <a:effectRef idx="0">
+            <a:schemeClr val="accent1"/>
+          </a:effectRef>
+          <a:fontRef idx="minor">
+            <a:schemeClr val="lt1"/>
+          </a:fontRef>
+        </p:style>
+        <p:txBody>
+          <a:bodyPr rtlCol="0" anchor="ctr"/>
+          <a:lstStyle/>
+          <a:p>
+            <a:pPr algn="ctr"/>
+            <a:endParaRPr lang="en-US"/>
+          </a:p>
+        </p:txBody>
+      </p:sp>
+    </p:spTree>
+    <p:extLst>
+      <p:ext uri="{BB962C8B-B14F-4D97-AF65-F5344CB8AC3E}">
+        <p14:creationId xmlns:p14="http://schemas.microsoft.com/office/powerpoint/2010/main" val="2159325909"/>
+      </p:ext>
+    </p:extLst>
+  </p:cSld>
+  <p:clrMapOvr>
+    <a:masterClrMapping/>
+  </p:clrMapOvr>
+</p:sld>
+</file>
+
+<file path=ppt/slides/slide5.xml><?xml version="1.0" encoding="utf-8"?>
+<p:sld xmlns:a="http://schemas.openxmlformats.org/drawingml/2006/main" xmlns:r="http://schemas.openxmlformats.org/officeDocument/2006/relationships" xmlns:p="http://schemas.openxmlformats.org/presentationml/2006/main">
+  <p:cSld>
+    <p:spTree>
+      <p:nvGrpSpPr>
+        <p:cNvPr id="1" name=""/>
+        <p:cNvGrpSpPr/>
+        <p:nvPr/>
+      </p:nvGrpSpPr>
+      <p:grpSpPr>
+        <a:xfrm>
+          <a:off x="0" y="0"/>
+          <a:ext cx="0" cy="0"/>
+          <a:chOff x="0" y="0"/>
+          <a:chExt cx="0" cy="0"/>
+        </a:xfrm>
+      </p:grpSpPr>
+      <p:sp>
+        <p:nvSpPr>
+          <p:cNvPr id="2" name="Title 1">
+            <a:extLst>
+              <a:ext uri="{FF2B5EF4-FFF2-40B4-BE49-F238E27FC236}">
+                <a16:creationId xmlns:a16="http://schemas.microsoft.com/office/drawing/2014/main" id="{53BBAD25-1F9B-788B-2603-6402BBCF694C}"/>
+              </a:ext>
+            </a:extLst>
+          </p:cNvPr>
+          <p:cNvSpPr>
+            <a:spLocks noGrp="1"/>
+          </p:cNvSpPr>
+          <p:nvPr>
+            <p:ph type="title"/>
+          </p:nvPr>
+        </p:nvSpPr>
+        <p:spPr/>
+        <p:txBody>
+          <a:bodyPr/>
+          <a:lstStyle/>
+          <a:p>
+            <a:r>
+              <a:rPr lang="de-DE" dirty="0"/>
+              <a:t>Models</a:t>
+            </a:r>
+            <a:br>
+              <a:rPr lang="de-DE" dirty="0"/>
+            </a:br>
+            <a:r>
+              <a:rPr lang="de-DE" dirty="0"/>
+              <a:t>VGG16</a:t>
+            </a:r>
+            <a:endParaRPr lang="en-US" dirty="0"/>
+          </a:p>
+        </p:txBody>
+      </p:sp>
+      <p:sp>
+        <p:nvSpPr>
+          <p:cNvPr id="3" name="Rectangle: Rounded Corners 2">
+            <a:extLst>
+              <a:ext uri="{FF2B5EF4-FFF2-40B4-BE49-F238E27FC236}">
+                <a16:creationId xmlns:a16="http://schemas.microsoft.com/office/drawing/2014/main" id="{FCA5B806-6BAC-4581-DCFF-2D10B4C9247C}"/>
+              </a:ext>
+            </a:extLst>
+          </p:cNvPr>
+          <p:cNvSpPr/>
+          <p:nvPr/>
+        </p:nvSpPr>
+        <p:spPr>
+          <a:xfrm>
+            <a:off x="0" y="1712437"/>
+            <a:ext cx="8845420" cy="45719"/>
+          </a:xfrm>
+          <a:prstGeom prst="roundRect">
+            <a:avLst/>
+          </a:prstGeom>
+          <a:solidFill>
+            <a:schemeClr val="accent5">
+              <a:lumMod val="40000"/>
+              <a:lumOff val="60000"/>
+            </a:schemeClr>
+          </a:solidFill>
+          <a:ln>
+            <a:solidFill>
+              <a:schemeClr val="accent5">
+                <a:lumMod val="40000"/>
+                <a:lumOff val="60000"/>
+              </a:schemeClr>
+            </a:solidFill>
+          </a:ln>
+        </p:spPr>
+        <p:style>
+          <a:lnRef idx="2">
+            <a:schemeClr val="accent1">
+              <a:shade val="15000"/>
+            </a:schemeClr>
+          </a:lnRef>
+          <a:fillRef idx="1">
+            <a:schemeClr val="accent1"/>
+          </a:fillRef>
+          <a:effectRef idx="0">
+            <a:schemeClr val="accent1"/>
+          </a:effectRef>
+          <a:fontRef idx="minor">
+            <a:schemeClr val="lt1"/>
+          </a:fontRef>
+        </p:style>
+        <p:txBody>
+          <a:bodyPr rtlCol="0" anchor="ctr"/>
+          <a:lstStyle/>
+          <a:p>
+            <a:pPr algn="ctr"/>
+            <a:endParaRPr lang="en-US"/>
+          </a:p>
+        </p:txBody>
+      </p:sp>
+      <p:sp>
+        <p:nvSpPr>
+          <p:cNvPr id="4" name="Rectangle: Rounded Corners 3">
+            <a:extLst>
+              <a:ext uri="{FF2B5EF4-FFF2-40B4-BE49-F238E27FC236}">
+                <a16:creationId xmlns:a16="http://schemas.microsoft.com/office/drawing/2014/main" id="{D25B6FF2-10DE-C23B-341F-198213AD5CA7}"/>
+              </a:ext>
+            </a:extLst>
+          </p:cNvPr>
+          <p:cNvSpPr/>
+          <p:nvPr/>
+        </p:nvSpPr>
+        <p:spPr>
+          <a:xfrm>
+            <a:off x="287528" y="2528467"/>
+            <a:ext cx="303807" cy="2165173"/>
+          </a:xfrm>
+          <a:prstGeom prst="roundRect">
+            <a:avLst/>
+          </a:prstGeom>
+          <a:solidFill>
+            <a:schemeClr val="accent5">
+              <a:lumMod val="40000"/>
+              <a:lumOff val="60000"/>
+            </a:schemeClr>
+          </a:solidFill>
+          <a:ln>
+            <a:solidFill>
+              <a:schemeClr val="accent5">
+                <a:lumMod val="40000"/>
+                <a:lumOff val="60000"/>
+              </a:schemeClr>
+            </a:solidFill>
+          </a:ln>
+        </p:spPr>
+        <p:style>
+          <a:lnRef idx="2">
+            <a:schemeClr val="accent1">
+              <a:shade val="15000"/>
+            </a:schemeClr>
+          </a:lnRef>
+          <a:fillRef idx="1">
+            <a:schemeClr val="accent1"/>
+          </a:fillRef>
+          <a:effectRef idx="0">
+            <a:schemeClr val="accent1"/>
+          </a:effectRef>
+          <a:fontRef idx="minor">
+            <a:schemeClr val="lt1"/>
+          </a:fontRef>
+        </p:style>
+        <p:txBody>
+          <a:bodyPr rtlCol="0" anchor="ctr"/>
+          <a:lstStyle/>
+          <a:p>
+            <a:pPr algn="ctr"/>
+            <a:endParaRPr lang="en-US" dirty="0"/>
+          </a:p>
+        </p:txBody>
+      </p:sp>
+      <p:sp>
+        <p:nvSpPr>
+          <p:cNvPr id="5" name="TextBox 4">
+            <a:extLst>
+              <a:ext uri="{FF2B5EF4-FFF2-40B4-BE49-F238E27FC236}">
+                <a16:creationId xmlns:a16="http://schemas.microsoft.com/office/drawing/2014/main" id="{F10996AE-F5F1-0521-CC9A-9E3A7D37AED7}"/>
+              </a:ext>
+            </a:extLst>
+          </p:cNvPr>
+          <p:cNvSpPr txBox="1"/>
+          <p:nvPr/>
+        </p:nvSpPr>
+        <p:spPr>
+          <a:xfrm rot="16200000">
+            <a:off x="-172976" y="3450123"/>
+            <a:ext cx="1222453" cy="369332"/>
+          </a:xfrm>
+          <a:prstGeom prst="rect">
+            <a:avLst/>
+          </a:prstGeom>
+          <a:noFill/>
+        </p:spPr>
+        <p:txBody>
+          <a:bodyPr wrap="square" rtlCol="0">
+            <a:spAutoFit/>
+          </a:bodyPr>
+          <a:lstStyle/>
+          <a:p>
+            <a:r>
+              <a:rPr lang="de-DE" dirty="0" err="1"/>
+              <a:t>InputLayer</a:t>
+            </a:r>
+            <a:endParaRPr lang="en-US" dirty="0"/>
+          </a:p>
+        </p:txBody>
+      </p:sp>
+      <p:sp>
+        <p:nvSpPr>
+          <p:cNvPr id="15" name="Rectangle: Rounded Corners 14">
+            <a:extLst>
+              <a:ext uri="{FF2B5EF4-FFF2-40B4-BE49-F238E27FC236}">
+                <a16:creationId xmlns:a16="http://schemas.microsoft.com/office/drawing/2014/main" id="{FD2A5447-2BDD-9324-5899-8782BE07ABE5}"/>
+              </a:ext>
+            </a:extLst>
+          </p:cNvPr>
+          <p:cNvSpPr/>
+          <p:nvPr/>
+        </p:nvSpPr>
+        <p:spPr>
+          <a:xfrm>
+            <a:off x="914729" y="2528466"/>
+            <a:ext cx="303807" cy="2165173"/>
+          </a:xfrm>
+          <a:prstGeom prst="roundRect">
+            <a:avLst/>
+          </a:prstGeom>
+          <a:solidFill>
+            <a:schemeClr val="accent5">
+              <a:lumMod val="40000"/>
+              <a:lumOff val="60000"/>
+            </a:schemeClr>
+          </a:solidFill>
+          <a:ln>
+            <a:solidFill>
+              <a:schemeClr val="accent5">
+                <a:lumMod val="40000"/>
+                <a:lumOff val="60000"/>
+              </a:schemeClr>
+            </a:solidFill>
+          </a:ln>
+        </p:spPr>
+        <p:style>
+          <a:lnRef idx="2">
+            <a:schemeClr val="accent1">
+              <a:shade val="15000"/>
+            </a:schemeClr>
+          </a:lnRef>
+          <a:fillRef idx="1">
+            <a:schemeClr val="accent1"/>
+          </a:fillRef>
+          <a:effectRef idx="0">
+            <a:schemeClr val="accent1"/>
+          </a:effectRef>
+          <a:fontRef idx="minor">
+            <a:schemeClr val="lt1"/>
+          </a:fontRef>
+        </p:style>
+        <p:txBody>
+          <a:bodyPr rtlCol="0" anchor="ctr"/>
+          <a:lstStyle/>
+          <a:p>
+            <a:pPr algn="ctr"/>
+            <a:endParaRPr lang="en-US" dirty="0"/>
+          </a:p>
+        </p:txBody>
+      </p:sp>
+      <p:sp>
+        <p:nvSpPr>
+          <p:cNvPr id="16" name="TextBox 15">
+            <a:extLst>
+              <a:ext uri="{FF2B5EF4-FFF2-40B4-BE49-F238E27FC236}">
+                <a16:creationId xmlns:a16="http://schemas.microsoft.com/office/drawing/2014/main" id="{44FA04C7-54CD-C04E-9931-B3CC72BE984D}"/>
+              </a:ext>
+            </a:extLst>
+          </p:cNvPr>
+          <p:cNvSpPr txBox="1"/>
+          <p:nvPr/>
+        </p:nvSpPr>
+        <p:spPr>
+          <a:xfrm rot="16200000">
+            <a:off x="620979" y="3450121"/>
+            <a:ext cx="939941" cy="369332"/>
+          </a:xfrm>
+          <a:prstGeom prst="rect">
+            <a:avLst/>
+          </a:prstGeom>
+          <a:noFill/>
+        </p:spPr>
+        <p:txBody>
+          <a:bodyPr wrap="square" rtlCol="0">
+            <a:spAutoFit/>
+          </a:bodyPr>
+          <a:lstStyle/>
+          <a:p>
+            <a:r>
+              <a:rPr lang="de-DE" dirty="0"/>
+              <a:t>Conv2D</a:t>
+            </a:r>
+            <a:endParaRPr lang="en-US" dirty="0"/>
+          </a:p>
+        </p:txBody>
+      </p:sp>
+      <p:sp>
+        <p:nvSpPr>
+          <p:cNvPr id="17" name="Rectangle: Rounded Corners 16">
+            <a:extLst>
+              <a:ext uri="{FF2B5EF4-FFF2-40B4-BE49-F238E27FC236}">
+                <a16:creationId xmlns:a16="http://schemas.microsoft.com/office/drawing/2014/main" id="{25F2F239-48F9-240B-A778-36B7324FC6BC}"/>
+              </a:ext>
+            </a:extLst>
+          </p:cNvPr>
+          <p:cNvSpPr/>
+          <p:nvPr/>
+        </p:nvSpPr>
+        <p:spPr>
+          <a:xfrm>
+            <a:off x="1332721" y="2528466"/>
+            <a:ext cx="303807" cy="2165173"/>
+          </a:xfrm>
+          <a:prstGeom prst="roundRect">
+            <a:avLst/>
+          </a:prstGeom>
+          <a:solidFill>
+            <a:schemeClr val="accent5">
+              <a:lumMod val="40000"/>
+              <a:lumOff val="60000"/>
+            </a:schemeClr>
+          </a:solidFill>
+          <a:ln>
+            <a:solidFill>
+              <a:schemeClr val="accent5">
+                <a:lumMod val="40000"/>
+                <a:lumOff val="60000"/>
+              </a:schemeClr>
+            </a:solidFill>
+          </a:ln>
+        </p:spPr>
+        <p:style>
+          <a:lnRef idx="2">
+            <a:schemeClr val="accent1">
+              <a:shade val="15000"/>
+            </a:schemeClr>
+          </a:lnRef>
+          <a:fillRef idx="1">
+            <a:schemeClr val="accent1"/>
+          </a:fillRef>
+          <a:effectRef idx="0">
+            <a:schemeClr val="accent1"/>
+          </a:effectRef>
+          <a:fontRef idx="minor">
+            <a:schemeClr val="lt1"/>
+          </a:fontRef>
+        </p:style>
+        <p:txBody>
+          <a:bodyPr rtlCol="0" anchor="ctr"/>
+          <a:lstStyle/>
+          <a:p>
+            <a:pPr algn="ctr"/>
+            <a:endParaRPr lang="en-US" dirty="0"/>
+          </a:p>
+        </p:txBody>
+      </p:sp>
+      <p:sp>
+        <p:nvSpPr>
+          <p:cNvPr id="18" name="TextBox 17">
+            <a:extLst>
+              <a:ext uri="{FF2B5EF4-FFF2-40B4-BE49-F238E27FC236}">
+                <a16:creationId xmlns:a16="http://schemas.microsoft.com/office/drawing/2014/main" id="{11CD7ABC-4B8A-5226-A2ED-A26A400D1192}"/>
+              </a:ext>
+            </a:extLst>
+          </p:cNvPr>
+          <p:cNvSpPr txBox="1"/>
+          <p:nvPr/>
+        </p:nvSpPr>
+        <p:spPr>
+          <a:xfrm rot="16200000">
+            <a:off x="1041064" y="3460416"/>
+            <a:ext cx="939941" cy="369332"/>
+          </a:xfrm>
+          <a:prstGeom prst="rect">
+            <a:avLst/>
+          </a:prstGeom>
+          <a:noFill/>
+        </p:spPr>
+        <p:txBody>
+          <a:bodyPr wrap="square" rtlCol="0">
+            <a:spAutoFit/>
+          </a:bodyPr>
+          <a:lstStyle/>
+          <a:p>
+            <a:r>
+              <a:rPr lang="de-DE" dirty="0"/>
+              <a:t>Conv2D</a:t>
+            </a:r>
+            <a:endParaRPr lang="en-US" dirty="0"/>
+          </a:p>
+        </p:txBody>
+      </p:sp>
+      <p:sp>
+        <p:nvSpPr>
+          <p:cNvPr id="21" name="Rectangle: Rounded Corners 20">
+            <a:extLst>
+              <a:ext uri="{FF2B5EF4-FFF2-40B4-BE49-F238E27FC236}">
+                <a16:creationId xmlns:a16="http://schemas.microsoft.com/office/drawing/2014/main" id="{25E328DF-027C-A7C2-33E5-6B8A72FCAA6A}"/>
+              </a:ext>
+            </a:extLst>
+          </p:cNvPr>
+          <p:cNvSpPr/>
+          <p:nvPr/>
+        </p:nvSpPr>
+        <p:spPr>
+          <a:xfrm>
+            <a:off x="1756273" y="2528466"/>
+            <a:ext cx="303807" cy="2165173"/>
+          </a:xfrm>
+          <a:prstGeom prst="roundRect">
+            <a:avLst/>
+          </a:prstGeom>
+          <a:solidFill>
+            <a:schemeClr val="accent5">
+              <a:lumMod val="40000"/>
+              <a:lumOff val="60000"/>
+            </a:schemeClr>
+          </a:solidFill>
+          <a:ln>
+            <a:solidFill>
+              <a:schemeClr val="accent5">
+                <a:lumMod val="40000"/>
+                <a:lumOff val="60000"/>
+              </a:schemeClr>
+            </a:solidFill>
+          </a:ln>
+        </p:spPr>
+        <p:style>
+          <a:lnRef idx="2">
+            <a:schemeClr val="accent1">
+              <a:shade val="15000"/>
+            </a:schemeClr>
+          </a:lnRef>
+          <a:fillRef idx="1">
+            <a:schemeClr val="accent1"/>
+          </a:fillRef>
+          <a:effectRef idx="0">
+            <a:schemeClr val="accent1"/>
+          </a:effectRef>
+          <a:fontRef idx="minor">
+            <a:schemeClr val="lt1"/>
+          </a:fontRef>
+        </p:style>
+        <p:txBody>
+          <a:bodyPr rtlCol="0" anchor="ctr"/>
+          <a:lstStyle/>
+          <a:p>
+            <a:pPr algn="ctr"/>
+            <a:endParaRPr lang="en-US" dirty="0"/>
+          </a:p>
+        </p:txBody>
+      </p:sp>
+      <p:sp>
+        <p:nvSpPr>
+          <p:cNvPr id="22" name="TextBox 21">
+            <a:extLst>
+              <a:ext uri="{FF2B5EF4-FFF2-40B4-BE49-F238E27FC236}">
+                <a16:creationId xmlns:a16="http://schemas.microsoft.com/office/drawing/2014/main" id="{068E92AC-773F-9404-1796-E32DFF663130}"/>
+              </a:ext>
+            </a:extLst>
+          </p:cNvPr>
+          <p:cNvSpPr txBox="1"/>
+          <p:nvPr/>
+        </p:nvSpPr>
+        <p:spPr>
+          <a:xfrm rot="16200000">
+            <a:off x="1123090" y="3460415"/>
+            <a:ext cx="1591355" cy="369332"/>
+          </a:xfrm>
+          <a:prstGeom prst="rect">
+            <a:avLst/>
+          </a:prstGeom>
+          <a:noFill/>
+        </p:spPr>
+        <p:txBody>
+          <a:bodyPr wrap="square" rtlCol="0">
+            <a:spAutoFit/>
+          </a:bodyPr>
+          <a:lstStyle/>
+          <a:p>
+            <a:r>
+              <a:rPr lang="de-DE" dirty="0"/>
+              <a:t>MaxPooling2D</a:t>
+            </a:r>
+            <a:endParaRPr lang="en-US" dirty="0"/>
+          </a:p>
+        </p:txBody>
+      </p:sp>
+      <p:sp>
+        <p:nvSpPr>
+          <p:cNvPr id="59" name="TextBox 58">
+            <a:extLst>
+              <a:ext uri="{FF2B5EF4-FFF2-40B4-BE49-F238E27FC236}">
+                <a16:creationId xmlns:a16="http://schemas.microsoft.com/office/drawing/2014/main" id="{35FEEB74-5BCC-AC0A-116F-16E014003EEF}"/>
+              </a:ext>
+            </a:extLst>
+          </p:cNvPr>
+          <p:cNvSpPr txBox="1"/>
+          <p:nvPr/>
+        </p:nvSpPr>
+        <p:spPr>
+          <a:xfrm>
+            <a:off x="1174386" y="4730513"/>
+            <a:ext cx="856325" cy="369332"/>
+          </a:xfrm>
+          <a:prstGeom prst="rect">
+            <a:avLst/>
+          </a:prstGeom>
+          <a:noFill/>
+        </p:spPr>
+        <p:txBody>
+          <a:bodyPr wrap="none" rtlCol="0">
+            <a:spAutoFit/>
+          </a:bodyPr>
+          <a:lstStyle/>
+          <a:p>
+            <a:r>
+              <a:rPr lang="de-DE" dirty="0"/>
+              <a:t>Block 1</a:t>
+            </a:r>
+            <a:endParaRPr lang="en-US" dirty="0"/>
+          </a:p>
+        </p:txBody>
+      </p:sp>
+      <p:sp>
+        <p:nvSpPr>
+          <p:cNvPr id="60" name="TextBox 59">
+            <a:extLst>
+              <a:ext uri="{FF2B5EF4-FFF2-40B4-BE49-F238E27FC236}">
+                <a16:creationId xmlns:a16="http://schemas.microsoft.com/office/drawing/2014/main" id="{E2427097-7743-27C8-EA80-1EDA5BCA36A2}"/>
+              </a:ext>
+            </a:extLst>
+          </p:cNvPr>
+          <p:cNvSpPr txBox="1"/>
+          <p:nvPr/>
+        </p:nvSpPr>
+        <p:spPr>
+          <a:xfrm>
+            <a:off x="2739508" y="4730513"/>
+            <a:ext cx="856325" cy="369332"/>
+          </a:xfrm>
+          <a:prstGeom prst="rect">
+            <a:avLst/>
+          </a:prstGeom>
+          <a:noFill/>
+        </p:spPr>
+        <p:txBody>
+          <a:bodyPr wrap="none" rtlCol="0">
+            <a:spAutoFit/>
+          </a:bodyPr>
+          <a:lstStyle/>
+          <a:p>
+            <a:r>
+              <a:rPr lang="de-DE" dirty="0"/>
+              <a:t>Block 2</a:t>
+            </a:r>
+            <a:endParaRPr lang="en-US" dirty="0"/>
+          </a:p>
+        </p:txBody>
+      </p:sp>
+      <p:sp>
+        <p:nvSpPr>
+          <p:cNvPr id="61" name="TextBox 60">
+            <a:extLst>
+              <a:ext uri="{FF2B5EF4-FFF2-40B4-BE49-F238E27FC236}">
+                <a16:creationId xmlns:a16="http://schemas.microsoft.com/office/drawing/2014/main" id="{FC053B88-78E2-DE66-FD55-4735A69B3982}"/>
+              </a:ext>
+            </a:extLst>
+          </p:cNvPr>
+          <p:cNvSpPr txBox="1"/>
+          <p:nvPr/>
+        </p:nvSpPr>
+        <p:spPr>
+          <a:xfrm>
+            <a:off x="4278560" y="4730513"/>
+            <a:ext cx="856325" cy="369332"/>
+          </a:xfrm>
+          <a:prstGeom prst="rect">
+            <a:avLst/>
+          </a:prstGeom>
+          <a:noFill/>
+        </p:spPr>
+        <p:txBody>
+          <a:bodyPr wrap="none" rtlCol="0">
+            <a:spAutoFit/>
+          </a:bodyPr>
+          <a:lstStyle/>
+          <a:p>
+            <a:r>
+              <a:rPr lang="de-DE" dirty="0"/>
+              <a:t>Block 3</a:t>
+            </a:r>
+            <a:endParaRPr lang="en-US" dirty="0"/>
+          </a:p>
+        </p:txBody>
+      </p:sp>
+      <p:sp>
+        <p:nvSpPr>
+          <p:cNvPr id="62" name="TextBox 61">
+            <a:extLst>
+              <a:ext uri="{FF2B5EF4-FFF2-40B4-BE49-F238E27FC236}">
+                <a16:creationId xmlns:a16="http://schemas.microsoft.com/office/drawing/2014/main" id="{E89A3C67-5683-58D2-1390-8745CA32AA8C}"/>
+              </a:ext>
+            </a:extLst>
+          </p:cNvPr>
+          <p:cNvSpPr txBox="1"/>
+          <p:nvPr/>
+        </p:nvSpPr>
+        <p:spPr>
+          <a:xfrm>
+            <a:off x="6223307" y="4730513"/>
+            <a:ext cx="856325" cy="369332"/>
+          </a:xfrm>
+          <a:prstGeom prst="rect">
+            <a:avLst/>
+          </a:prstGeom>
+          <a:noFill/>
+        </p:spPr>
+        <p:txBody>
+          <a:bodyPr wrap="none" rtlCol="0">
+            <a:spAutoFit/>
+          </a:bodyPr>
+          <a:lstStyle/>
+          <a:p>
+            <a:r>
+              <a:rPr lang="de-DE" dirty="0"/>
+              <a:t>Block 4</a:t>
+            </a:r>
+            <a:endParaRPr lang="en-US" dirty="0"/>
+          </a:p>
+        </p:txBody>
+      </p:sp>
+      <p:sp>
+        <p:nvSpPr>
+          <p:cNvPr id="63" name="TextBox 62">
+            <a:extLst>
+              <a:ext uri="{FF2B5EF4-FFF2-40B4-BE49-F238E27FC236}">
+                <a16:creationId xmlns:a16="http://schemas.microsoft.com/office/drawing/2014/main" id="{31BC5593-BD58-2BA5-E503-80C12C90031A}"/>
+              </a:ext>
+            </a:extLst>
+          </p:cNvPr>
+          <p:cNvSpPr txBox="1"/>
+          <p:nvPr/>
+        </p:nvSpPr>
+        <p:spPr>
+          <a:xfrm>
+            <a:off x="8138156" y="4730513"/>
+            <a:ext cx="856325" cy="369332"/>
+          </a:xfrm>
+          <a:prstGeom prst="rect">
+            <a:avLst/>
+          </a:prstGeom>
+          <a:noFill/>
+        </p:spPr>
+        <p:txBody>
+          <a:bodyPr wrap="none" rtlCol="0">
+            <a:spAutoFit/>
+          </a:bodyPr>
+          <a:lstStyle/>
+          <a:p>
+            <a:r>
+              <a:rPr lang="de-DE" dirty="0"/>
+              <a:t>Block 5</a:t>
+            </a:r>
+            <a:endParaRPr lang="en-US" dirty="0"/>
+          </a:p>
+        </p:txBody>
+      </p:sp>
+      <p:sp>
+        <p:nvSpPr>
+          <p:cNvPr id="64" name="Rectangle: Rounded Corners 63">
+            <a:extLst>
+              <a:ext uri="{FF2B5EF4-FFF2-40B4-BE49-F238E27FC236}">
+                <a16:creationId xmlns:a16="http://schemas.microsoft.com/office/drawing/2014/main" id="{5EE569D1-59C4-1D81-8CCC-AE78FF463F69}"/>
+              </a:ext>
+            </a:extLst>
+          </p:cNvPr>
+          <p:cNvSpPr/>
+          <p:nvPr/>
+        </p:nvSpPr>
+        <p:spPr>
+          <a:xfrm>
+            <a:off x="2386264" y="2528466"/>
+            <a:ext cx="303807" cy="2165173"/>
+          </a:xfrm>
+          <a:prstGeom prst="roundRect">
+            <a:avLst/>
+          </a:prstGeom>
+          <a:solidFill>
+            <a:schemeClr val="accent5">
+              <a:lumMod val="40000"/>
+              <a:lumOff val="60000"/>
+            </a:schemeClr>
+          </a:solidFill>
+          <a:ln>
+            <a:solidFill>
+              <a:schemeClr val="accent5">
+                <a:lumMod val="40000"/>
+                <a:lumOff val="60000"/>
+              </a:schemeClr>
+            </a:solidFill>
+          </a:ln>
+        </p:spPr>
+        <p:style>
+          <a:lnRef idx="2">
+            <a:schemeClr val="accent1">
+              <a:shade val="15000"/>
+            </a:schemeClr>
+          </a:lnRef>
+          <a:fillRef idx="1">
+            <a:schemeClr val="accent1"/>
+          </a:fillRef>
+          <a:effectRef idx="0">
+            <a:schemeClr val="accent1"/>
+          </a:effectRef>
+          <a:fontRef idx="minor">
+            <a:schemeClr val="lt1"/>
+          </a:fontRef>
+        </p:style>
+        <p:txBody>
+          <a:bodyPr rtlCol="0" anchor="ctr"/>
+          <a:lstStyle/>
+          <a:p>
+            <a:pPr algn="ctr"/>
+            <a:endParaRPr lang="en-US" dirty="0"/>
+          </a:p>
+        </p:txBody>
+      </p:sp>
+      <p:sp>
+        <p:nvSpPr>
+          <p:cNvPr id="65" name="TextBox 64">
+            <a:extLst>
+              <a:ext uri="{FF2B5EF4-FFF2-40B4-BE49-F238E27FC236}">
+                <a16:creationId xmlns:a16="http://schemas.microsoft.com/office/drawing/2014/main" id="{2BD463E7-720F-6149-83C8-064CF5CE71EE}"/>
+              </a:ext>
+            </a:extLst>
+          </p:cNvPr>
+          <p:cNvSpPr txBox="1"/>
+          <p:nvPr/>
+        </p:nvSpPr>
+        <p:spPr>
+          <a:xfrm rot="16200000">
+            <a:off x="2092514" y="3450121"/>
+            <a:ext cx="939941" cy="369332"/>
+          </a:xfrm>
+          <a:prstGeom prst="rect">
+            <a:avLst/>
+          </a:prstGeom>
+          <a:noFill/>
+        </p:spPr>
+        <p:txBody>
+          <a:bodyPr wrap="square" rtlCol="0">
+            <a:spAutoFit/>
+          </a:bodyPr>
+          <a:lstStyle/>
+          <a:p>
+            <a:r>
+              <a:rPr lang="de-DE" dirty="0"/>
+              <a:t>Conv2D</a:t>
+            </a:r>
+            <a:endParaRPr lang="en-US" dirty="0"/>
+          </a:p>
+        </p:txBody>
+      </p:sp>
+      <p:sp>
+        <p:nvSpPr>
+          <p:cNvPr id="66" name="Rectangle: Rounded Corners 65">
+            <a:extLst>
+              <a:ext uri="{FF2B5EF4-FFF2-40B4-BE49-F238E27FC236}">
+                <a16:creationId xmlns:a16="http://schemas.microsoft.com/office/drawing/2014/main" id="{054C33EF-974E-0208-EAB3-355CBA09F9BF}"/>
+              </a:ext>
+            </a:extLst>
+          </p:cNvPr>
+          <p:cNvSpPr/>
+          <p:nvPr/>
+        </p:nvSpPr>
+        <p:spPr>
+          <a:xfrm>
+            <a:off x="2804256" y="2528466"/>
+            <a:ext cx="303807" cy="2165173"/>
+          </a:xfrm>
+          <a:prstGeom prst="roundRect">
+            <a:avLst/>
+          </a:prstGeom>
+          <a:solidFill>
+            <a:schemeClr val="accent5">
+              <a:lumMod val="40000"/>
+              <a:lumOff val="60000"/>
+            </a:schemeClr>
+          </a:solidFill>
+          <a:ln>
+            <a:solidFill>
+              <a:schemeClr val="accent5">
+                <a:lumMod val="40000"/>
+                <a:lumOff val="60000"/>
+              </a:schemeClr>
+            </a:solidFill>
+          </a:ln>
+        </p:spPr>
+        <p:style>
+          <a:lnRef idx="2">
+            <a:schemeClr val="accent1">
+              <a:shade val="15000"/>
+            </a:schemeClr>
+          </a:lnRef>
+          <a:fillRef idx="1">
+            <a:schemeClr val="accent1"/>
+          </a:fillRef>
+          <a:effectRef idx="0">
+            <a:schemeClr val="accent1"/>
+          </a:effectRef>
+          <a:fontRef idx="minor">
+            <a:schemeClr val="lt1"/>
+          </a:fontRef>
+        </p:style>
+        <p:txBody>
+          <a:bodyPr rtlCol="0" anchor="ctr"/>
+          <a:lstStyle/>
+          <a:p>
+            <a:pPr algn="ctr"/>
+            <a:endParaRPr lang="en-US" dirty="0"/>
+          </a:p>
+        </p:txBody>
+      </p:sp>
+      <p:sp>
+        <p:nvSpPr>
+          <p:cNvPr id="67" name="TextBox 66">
+            <a:extLst>
+              <a:ext uri="{FF2B5EF4-FFF2-40B4-BE49-F238E27FC236}">
+                <a16:creationId xmlns:a16="http://schemas.microsoft.com/office/drawing/2014/main" id="{4FF515C5-00CF-246A-8071-9D798AE0A2BE}"/>
+              </a:ext>
+            </a:extLst>
+          </p:cNvPr>
+          <p:cNvSpPr txBox="1"/>
+          <p:nvPr/>
+        </p:nvSpPr>
+        <p:spPr>
+          <a:xfrm rot="16200000">
+            <a:off x="2512599" y="3460416"/>
+            <a:ext cx="939941" cy="369332"/>
+          </a:xfrm>
+          <a:prstGeom prst="rect">
+            <a:avLst/>
+          </a:prstGeom>
+          <a:noFill/>
+        </p:spPr>
+        <p:txBody>
+          <a:bodyPr wrap="square" rtlCol="0">
+            <a:spAutoFit/>
+          </a:bodyPr>
+          <a:lstStyle/>
+          <a:p>
+            <a:r>
+              <a:rPr lang="de-DE" dirty="0"/>
+              <a:t>Conv2D</a:t>
+            </a:r>
+            <a:endParaRPr lang="en-US" dirty="0"/>
+          </a:p>
+        </p:txBody>
+      </p:sp>
+      <p:sp>
+        <p:nvSpPr>
+          <p:cNvPr id="68" name="Rectangle: Rounded Corners 67">
+            <a:extLst>
+              <a:ext uri="{FF2B5EF4-FFF2-40B4-BE49-F238E27FC236}">
+                <a16:creationId xmlns:a16="http://schemas.microsoft.com/office/drawing/2014/main" id="{77FD2E6C-3B6E-2C39-8A65-2F2C95E18A3B}"/>
+              </a:ext>
+            </a:extLst>
+          </p:cNvPr>
+          <p:cNvSpPr/>
+          <p:nvPr/>
+        </p:nvSpPr>
+        <p:spPr>
+          <a:xfrm>
+            <a:off x="3227808" y="2528466"/>
+            <a:ext cx="303807" cy="2165173"/>
+          </a:xfrm>
+          <a:prstGeom prst="roundRect">
+            <a:avLst/>
+          </a:prstGeom>
+          <a:solidFill>
+            <a:schemeClr val="accent5">
+              <a:lumMod val="40000"/>
+              <a:lumOff val="60000"/>
+            </a:schemeClr>
+          </a:solidFill>
+          <a:ln>
+            <a:solidFill>
+              <a:schemeClr val="accent5">
+                <a:lumMod val="40000"/>
+                <a:lumOff val="60000"/>
+              </a:schemeClr>
+            </a:solidFill>
+          </a:ln>
+        </p:spPr>
+        <p:style>
+          <a:lnRef idx="2">
+            <a:schemeClr val="accent1">
+              <a:shade val="15000"/>
+            </a:schemeClr>
+          </a:lnRef>
+          <a:fillRef idx="1">
+            <a:schemeClr val="accent1"/>
+          </a:fillRef>
+          <a:effectRef idx="0">
+            <a:schemeClr val="accent1"/>
+          </a:effectRef>
+          <a:fontRef idx="minor">
+            <a:schemeClr val="lt1"/>
+          </a:fontRef>
+        </p:style>
+        <p:txBody>
+          <a:bodyPr rtlCol="0" anchor="ctr"/>
+          <a:lstStyle/>
+          <a:p>
+            <a:pPr algn="ctr"/>
+            <a:endParaRPr lang="en-US" dirty="0"/>
+          </a:p>
+        </p:txBody>
+      </p:sp>
+      <p:sp>
+        <p:nvSpPr>
+          <p:cNvPr id="69" name="TextBox 68">
+            <a:extLst>
+              <a:ext uri="{FF2B5EF4-FFF2-40B4-BE49-F238E27FC236}">
+                <a16:creationId xmlns:a16="http://schemas.microsoft.com/office/drawing/2014/main" id="{8F5E4CB8-8F1B-5022-BEAE-C1BEC81515AE}"/>
+              </a:ext>
+            </a:extLst>
+          </p:cNvPr>
+          <p:cNvSpPr txBox="1"/>
+          <p:nvPr/>
+        </p:nvSpPr>
+        <p:spPr>
+          <a:xfrm rot="16200000">
+            <a:off x="2594625" y="3460415"/>
+            <a:ext cx="1591355" cy="369332"/>
+          </a:xfrm>
+          <a:prstGeom prst="rect">
+            <a:avLst/>
+          </a:prstGeom>
+          <a:noFill/>
+        </p:spPr>
+        <p:txBody>
+          <a:bodyPr wrap="square" rtlCol="0">
+            <a:spAutoFit/>
+          </a:bodyPr>
+          <a:lstStyle/>
+          <a:p>
+            <a:r>
+              <a:rPr lang="de-DE" dirty="0"/>
+              <a:t>MaxPooling2D</a:t>
+            </a:r>
+            <a:endParaRPr lang="en-US" dirty="0"/>
+          </a:p>
+        </p:txBody>
+      </p:sp>
+      <p:sp>
+        <p:nvSpPr>
+          <p:cNvPr id="70" name="Rectangle: Rounded Corners 69">
+            <a:extLst>
+              <a:ext uri="{FF2B5EF4-FFF2-40B4-BE49-F238E27FC236}">
+                <a16:creationId xmlns:a16="http://schemas.microsoft.com/office/drawing/2014/main" id="{05849D8F-55C3-C75D-8F81-58D84C66D3AB}"/>
+              </a:ext>
+            </a:extLst>
+          </p:cNvPr>
+          <p:cNvSpPr/>
+          <p:nvPr/>
+        </p:nvSpPr>
+        <p:spPr>
+          <a:xfrm>
+            <a:off x="3905051" y="2534579"/>
+            <a:ext cx="303807" cy="2165173"/>
+          </a:xfrm>
+          <a:prstGeom prst="roundRect">
+            <a:avLst/>
+          </a:prstGeom>
+          <a:solidFill>
+            <a:schemeClr val="accent5">
+              <a:lumMod val="40000"/>
+              <a:lumOff val="60000"/>
+            </a:schemeClr>
+          </a:solidFill>
+          <a:ln>
+            <a:solidFill>
+              <a:schemeClr val="accent5">
+                <a:lumMod val="40000"/>
+                <a:lumOff val="60000"/>
+              </a:schemeClr>
+            </a:solidFill>
+          </a:ln>
+        </p:spPr>
+        <p:style>
+          <a:lnRef idx="2">
+            <a:schemeClr val="accent1">
+              <a:shade val="15000"/>
+            </a:schemeClr>
+          </a:lnRef>
+          <a:fillRef idx="1">
+            <a:schemeClr val="accent1"/>
+          </a:fillRef>
+          <a:effectRef idx="0">
+            <a:schemeClr val="accent1"/>
+          </a:effectRef>
+          <a:fontRef idx="minor">
+            <a:schemeClr val="lt1"/>
+          </a:fontRef>
+        </p:style>
+        <p:txBody>
+          <a:bodyPr rtlCol="0" anchor="ctr"/>
+          <a:lstStyle/>
+          <a:p>
+            <a:pPr algn="ctr"/>
+            <a:endParaRPr lang="en-US" dirty="0"/>
+          </a:p>
+        </p:txBody>
+      </p:sp>
+      <p:sp>
+        <p:nvSpPr>
+          <p:cNvPr id="71" name="TextBox 70">
+            <a:extLst>
+              <a:ext uri="{FF2B5EF4-FFF2-40B4-BE49-F238E27FC236}">
+                <a16:creationId xmlns:a16="http://schemas.microsoft.com/office/drawing/2014/main" id="{49CCA860-C97B-80DE-E03C-42BE0F3066B9}"/>
+              </a:ext>
+            </a:extLst>
+          </p:cNvPr>
+          <p:cNvSpPr txBox="1"/>
+          <p:nvPr/>
+        </p:nvSpPr>
+        <p:spPr>
+          <a:xfrm rot="16200000">
+            <a:off x="3611301" y="3456234"/>
+            <a:ext cx="939941" cy="369332"/>
+          </a:xfrm>
+          <a:prstGeom prst="rect">
+            <a:avLst/>
+          </a:prstGeom>
+          <a:noFill/>
+        </p:spPr>
+        <p:txBody>
+          <a:bodyPr wrap="square" rtlCol="0">
+            <a:spAutoFit/>
+          </a:bodyPr>
+          <a:lstStyle/>
+          <a:p>
+            <a:r>
+              <a:rPr lang="de-DE" dirty="0"/>
+              <a:t>Conv2D</a:t>
+            </a:r>
+            <a:endParaRPr lang="en-US" dirty="0"/>
+          </a:p>
+        </p:txBody>
+      </p:sp>
+      <p:sp>
+        <p:nvSpPr>
+          <p:cNvPr id="72" name="Rectangle: Rounded Corners 71">
+            <a:extLst>
+              <a:ext uri="{FF2B5EF4-FFF2-40B4-BE49-F238E27FC236}">
+                <a16:creationId xmlns:a16="http://schemas.microsoft.com/office/drawing/2014/main" id="{BE742A82-4F65-0BE9-90E1-BA64DA6DCD2D}"/>
+              </a:ext>
+            </a:extLst>
+          </p:cNvPr>
+          <p:cNvSpPr/>
+          <p:nvPr/>
+        </p:nvSpPr>
+        <p:spPr>
+          <a:xfrm>
+            <a:off x="4323043" y="2534579"/>
+            <a:ext cx="303807" cy="2165173"/>
+          </a:xfrm>
+          <a:prstGeom prst="roundRect">
+            <a:avLst/>
+          </a:prstGeom>
+          <a:solidFill>
+            <a:schemeClr val="accent5">
+              <a:lumMod val="40000"/>
+              <a:lumOff val="60000"/>
+            </a:schemeClr>
+          </a:solidFill>
+          <a:ln>
+            <a:solidFill>
+              <a:schemeClr val="accent5">
+                <a:lumMod val="40000"/>
+                <a:lumOff val="60000"/>
+              </a:schemeClr>
+            </a:solidFill>
+          </a:ln>
+        </p:spPr>
+        <p:style>
+          <a:lnRef idx="2">
+            <a:schemeClr val="accent1">
+              <a:shade val="15000"/>
+            </a:schemeClr>
+          </a:lnRef>
+          <a:fillRef idx="1">
+            <a:schemeClr val="accent1"/>
+          </a:fillRef>
+          <a:effectRef idx="0">
+            <a:schemeClr val="accent1"/>
+          </a:effectRef>
+          <a:fontRef idx="minor">
+            <a:schemeClr val="lt1"/>
+          </a:fontRef>
+        </p:style>
+        <p:txBody>
+          <a:bodyPr rtlCol="0" anchor="ctr"/>
+          <a:lstStyle/>
+          <a:p>
+            <a:pPr algn="ctr"/>
+            <a:endParaRPr lang="en-US" dirty="0"/>
+          </a:p>
+        </p:txBody>
+      </p:sp>
+      <p:sp>
+        <p:nvSpPr>
+          <p:cNvPr id="73" name="TextBox 72">
+            <a:extLst>
+              <a:ext uri="{FF2B5EF4-FFF2-40B4-BE49-F238E27FC236}">
+                <a16:creationId xmlns:a16="http://schemas.microsoft.com/office/drawing/2014/main" id="{90D4D66E-E948-41F4-0DCF-E94C734FBD4A}"/>
+              </a:ext>
+            </a:extLst>
+          </p:cNvPr>
+          <p:cNvSpPr txBox="1"/>
+          <p:nvPr/>
+        </p:nvSpPr>
+        <p:spPr>
+          <a:xfrm rot="16200000">
+            <a:off x="4031386" y="3466529"/>
+            <a:ext cx="939941" cy="369332"/>
+          </a:xfrm>
+          <a:prstGeom prst="rect">
+            <a:avLst/>
+          </a:prstGeom>
+          <a:noFill/>
+        </p:spPr>
+        <p:txBody>
+          <a:bodyPr wrap="square" rtlCol="0">
+            <a:spAutoFit/>
+          </a:bodyPr>
+          <a:lstStyle/>
+          <a:p>
+            <a:r>
+              <a:rPr lang="de-DE" dirty="0"/>
+              <a:t>Conv2D</a:t>
+            </a:r>
+            <a:endParaRPr lang="en-US" dirty="0"/>
+          </a:p>
+        </p:txBody>
+      </p:sp>
+      <p:sp>
+        <p:nvSpPr>
+          <p:cNvPr id="74" name="Rectangle: Rounded Corners 73">
+            <a:extLst>
+              <a:ext uri="{FF2B5EF4-FFF2-40B4-BE49-F238E27FC236}">
+                <a16:creationId xmlns:a16="http://schemas.microsoft.com/office/drawing/2014/main" id="{9033FA0B-7F57-B340-64A8-5CEA104B19EB}"/>
+              </a:ext>
+            </a:extLst>
+          </p:cNvPr>
+          <p:cNvSpPr/>
+          <p:nvPr/>
+        </p:nvSpPr>
+        <p:spPr>
+          <a:xfrm>
+            <a:off x="5134885" y="2534579"/>
+            <a:ext cx="303807" cy="2165173"/>
+          </a:xfrm>
+          <a:prstGeom prst="roundRect">
+            <a:avLst/>
+          </a:prstGeom>
+          <a:solidFill>
+            <a:schemeClr val="accent5">
+              <a:lumMod val="40000"/>
+              <a:lumOff val="60000"/>
+            </a:schemeClr>
+          </a:solidFill>
+          <a:ln>
+            <a:solidFill>
+              <a:schemeClr val="accent5">
+                <a:lumMod val="40000"/>
+                <a:lumOff val="60000"/>
+              </a:schemeClr>
+            </a:solidFill>
+          </a:ln>
+        </p:spPr>
+        <p:style>
+          <a:lnRef idx="2">
+            <a:schemeClr val="accent1">
+              <a:shade val="15000"/>
+            </a:schemeClr>
+          </a:lnRef>
+          <a:fillRef idx="1">
+            <a:schemeClr val="accent1"/>
+          </a:fillRef>
+          <a:effectRef idx="0">
+            <a:schemeClr val="accent1"/>
+          </a:effectRef>
+          <a:fontRef idx="minor">
+            <a:schemeClr val="lt1"/>
+          </a:fontRef>
+        </p:style>
+        <p:txBody>
+          <a:bodyPr rtlCol="0" anchor="ctr"/>
+          <a:lstStyle/>
+          <a:p>
+            <a:pPr algn="ctr"/>
+            <a:endParaRPr lang="en-US" dirty="0"/>
+          </a:p>
+        </p:txBody>
+      </p:sp>
+      <p:sp>
+        <p:nvSpPr>
+          <p:cNvPr id="75" name="TextBox 74">
+            <a:extLst>
+              <a:ext uri="{FF2B5EF4-FFF2-40B4-BE49-F238E27FC236}">
+                <a16:creationId xmlns:a16="http://schemas.microsoft.com/office/drawing/2014/main" id="{76A1E420-DB7B-1860-E00D-F927F774B013}"/>
+              </a:ext>
+            </a:extLst>
+          </p:cNvPr>
+          <p:cNvSpPr txBox="1"/>
+          <p:nvPr/>
+        </p:nvSpPr>
+        <p:spPr>
+          <a:xfrm rot="16200000">
+            <a:off x="4501702" y="3466528"/>
+            <a:ext cx="1591355" cy="369332"/>
+          </a:xfrm>
+          <a:prstGeom prst="rect">
+            <a:avLst/>
+          </a:prstGeom>
+          <a:noFill/>
+        </p:spPr>
+        <p:txBody>
+          <a:bodyPr wrap="square" rtlCol="0">
+            <a:spAutoFit/>
+          </a:bodyPr>
+          <a:lstStyle/>
+          <a:p>
+            <a:r>
+              <a:rPr lang="de-DE" dirty="0"/>
+              <a:t>MaxPooling2D</a:t>
+            </a:r>
+            <a:endParaRPr lang="en-US" dirty="0"/>
+          </a:p>
+        </p:txBody>
+      </p:sp>
+      <p:sp>
+        <p:nvSpPr>
+          <p:cNvPr id="78" name="Rectangle: Rounded Corners 77">
+            <a:extLst>
+              <a:ext uri="{FF2B5EF4-FFF2-40B4-BE49-F238E27FC236}">
+                <a16:creationId xmlns:a16="http://schemas.microsoft.com/office/drawing/2014/main" id="{B7D56DE5-967A-F82D-E5D2-0470D8B146E6}"/>
+              </a:ext>
+            </a:extLst>
+          </p:cNvPr>
+          <p:cNvSpPr/>
+          <p:nvPr/>
+        </p:nvSpPr>
+        <p:spPr>
+          <a:xfrm>
+            <a:off x="4736775" y="2534579"/>
+            <a:ext cx="303807" cy="2165173"/>
+          </a:xfrm>
+          <a:prstGeom prst="roundRect">
+            <a:avLst/>
+          </a:prstGeom>
+          <a:solidFill>
+            <a:schemeClr val="accent5">
+              <a:lumMod val="40000"/>
+              <a:lumOff val="60000"/>
+            </a:schemeClr>
+          </a:solidFill>
+          <a:ln>
+            <a:solidFill>
+              <a:schemeClr val="accent5">
+                <a:lumMod val="40000"/>
+                <a:lumOff val="60000"/>
+              </a:schemeClr>
+            </a:solidFill>
+          </a:ln>
+        </p:spPr>
+        <p:style>
+          <a:lnRef idx="2">
+            <a:schemeClr val="accent1">
+              <a:shade val="15000"/>
+            </a:schemeClr>
+          </a:lnRef>
+          <a:fillRef idx="1">
+            <a:schemeClr val="accent1"/>
+          </a:fillRef>
+          <a:effectRef idx="0">
+            <a:schemeClr val="accent1"/>
+          </a:effectRef>
+          <a:fontRef idx="minor">
+            <a:schemeClr val="lt1"/>
+          </a:fontRef>
+        </p:style>
+        <p:txBody>
+          <a:bodyPr rtlCol="0" anchor="ctr"/>
+          <a:lstStyle/>
+          <a:p>
+            <a:pPr algn="ctr"/>
+            <a:endParaRPr lang="en-US" dirty="0"/>
+          </a:p>
+        </p:txBody>
+      </p:sp>
+      <p:sp>
+        <p:nvSpPr>
+          <p:cNvPr id="79" name="TextBox 78">
+            <a:extLst>
+              <a:ext uri="{FF2B5EF4-FFF2-40B4-BE49-F238E27FC236}">
+                <a16:creationId xmlns:a16="http://schemas.microsoft.com/office/drawing/2014/main" id="{BD18F656-226A-43DD-574A-2640ADD1BBC7}"/>
+              </a:ext>
+            </a:extLst>
+          </p:cNvPr>
+          <p:cNvSpPr txBox="1"/>
+          <p:nvPr/>
+        </p:nvSpPr>
+        <p:spPr>
+          <a:xfrm rot="16200000">
+            <a:off x="4443025" y="3456234"/>
+            <a:ext cx="939941" cy="369332"/>
+          </a:xfrm>
+          <a:prstGeom prst="rect">
+            <a:avLst/>
+          </a:prstGeom>
+          <a:noFill/>
+        </p:spPr>
+        <p:txBody>
+          <a:bodyPr wrap="square" rtlCol="0">
+            <a:spAutoFit/>
+          </a:bodyPr>
+          <a:lstStyle/>
+          <a:p>
+            <a:r>
+              <a:rPr lang="de-DE" dirty="0"/>
+              <a:t>Conv2D</a:t>
+            </a:r>
+            <a:endParaRPr lang="en-US" dirty="0"/>
+          </a:p>
+        </p:txBody>
+      </p:sp>
+      <p:sp>
+        <p:nvSpPr>
+          <p:cNvPr id="80" name="Rectangle: Rounded Corners 79">
+            <a:extLst>
+              <a:ext uri="{FF2B5EF4-FFF2-40B4-BE49-F238E27FC236}">
+                <a16:creationId xmlns:a16="http://schemas.microsoft.com/office/drawing/2014/main" id="{4A24C590-E899-3115-27C4-F4565ECD1AE2}"/>
+              </a:ext>
+            </a:extLst>
+          </p:cNvPr>
+          <p:cNvSpPr/>
+          <p:nvPr/>
+        </p:nvSpPr>
+        <p:spPr>
+          <a:xfrm>
+            <a:off x="5861023" y="2528466"/>
+            <a:ext cx="303807" cy="2165173"/>
+          </a:xfrm>
+          <a:prstGeom prst="roundRect">
+            <a:avLst/>
+          </a:prstGeom>
+          <a:solidFill>
+            <a:schemeClr val="accent5">
+              <a:lumMod val="40000"/>
+              <a:lumOff val="60000"/>
+            </a:schemeClr>
+          </a:solidFill>
+          <a:ln>
+            <a:solidFill>
+              <a:schemeClr val="accent5">
+                <a:lumMod val="40000"/>
+                <a:lumOff val="60000"/>
+              </a:schemeClr>
+            </a:solidFill>
+          </a:ln>
+        </p:spPr>
+        <p:style>
+          <a:lnRef idx="2">
+            <a:schemeClr val="accent1">
+              <a:shade val="15000"/>
+            </a:schemeClr>
+          </a:lnRef>
+          <a:fillRef idx="1">
+            <a:schemeClr val="accent1"/>
+          </a:fillRef>
+          <a:effectRef idx="0">
+            <a:schemeClr val="accent1"/>
+          </a:effectRef>
+          <a:fontRef idx="minor">
+            <a:schemeClr val="lt1"/>
+          </a:fontRef>
+        </p:style>
+        <p:txBody>
+          <a:bodyPr rtlCol="0" anchor="ctr"/>
+          <a:lstStyle/>
+          <a:p>
+            <a:pPr algn="ctr"/>
+            <a:endParaRPr lang="en-US" dirty="0"/>
+          </a:p>
+        </p:txBody>
+      </p:sp>
+      <p:sp>
+        <p:nvSpPr>
+          <p:cNvPr id="81" name="TextBox 80">
+            <a:extLst>
+              <a:ext uri="{FF2B5EF4-FFF2-40B4-BE49-F238E27FC236}">
+                <a16:creationId xmlns:a16="http://schemas.microsoft.com/office/drawing/2014/main" id="{AC4DCF5C-44A5-D9B2-C5B0-F425C416B241}"/>
+              </a:ext>
+            </a:extLst>
+          </p:cNvPr>
+          <p:cNvSpPr txBox="1"/>
+          <p:nvPr/>
+        </p:nvSpPr>
+        <p:spPr>
+          <a:xfrm rot="16200000">
+            <a:off x="5567273" y="3450121"/>
+            <a:ext cx="939941" cy="369332"/>
+          </a:xfrm>
+          <a:prstGeom prst="rect">
+            <a:avLst/>
+          </a:prstGeom>
+          <a:noFill/>
+        </p:spPr>
+        <p:txBody>
+          <a:bodyPr wrap="square" rtlCol="0">
+            <a:spAutoFit/>
+          </a:bodyPr>
+          <a:lstStyle/>
+          <a:p>
+            <a:r>
+              <a:rPr lang="de-DE" dirty="0"/>
+              <a:t>Conv2D</a:t>
+            </a:r>
+            <a:endParaRPr lang="en-US" dirty="0"/>
+          </a:p>
+        </p:txBody>
+      </p:sp>
+      <p:sp>
+        <p:nvSpPr>
+          <p:cNvPr id="82" name="Rectangle: Rounded Corners 81">
+            <a:extLst>
+              <a:ext uri="{FF2B5EF4-FFF2-40B4-BE49-F238E27FC236}">
+                <a16:creationId xmlns:a16="http://schemas.microsoft.com/office/drawing/2014/main" id="{108C4065-3664-30BC-DBEA-1A02EF6D1475}"/>
+              </a:ext>
+            </a:extLst>
+          </p:cNvPr>
+          <p:cNvSpPr/>
+          <p:nvPr/>
+        </p:nvSpPr>
+        <p:spPr>
+          <a:xfrm>
+            <a:off x="6279015" y="2528466"/>
+            <a:ext cx="303807" cy="2165173"/>
+          </a:xfrm>
+          <a:prstGeom prst="roundRect">
+            <a:avLst/>
+          </a:prstGeom>
+          <a:solidFill>
+            <a:schemeClr val="accent5">
+              <a:lumMod val="40000"/>
+              <a:lumOff val="60000"/>
+            </a:schemeClr>
+          </a:solidFill>
+          <a:ln>
+            <a:solidFill>
+              <a:schemeClr val="accent5">
+                <a:lumMod val="40000"/>
+                <a:lumOff val="60000"/>
+              </a:schemeClr>
+            </a:solidFill>
+          </a:ln>
+        </p:spPr>
+        <p:style>
+          <a:lnRef idx="2">
+            <a:schemeClr val="accent1">
+              <a:shade val="15000"/>
+            </a:schemeClr>
+          </a:lnRef>
+          <a:fillRef idx="1">
+            <a:schemeClr val="accent1"/>
+          </a:fillRef>
+          <a:effectRef idx="0">
+            <a:schemeClr val="accent1"/>
+          </a:effectRef>
+          <a:fontRef idx="minor">
+            <a:schemeClr val="lt1"/>
+          </a:fontRef>
+        </p:style>
+        <p:txBody>
+          <a:bodyPr rtlCol="0" anchor="ctr"/>
+          <a:lstStyle/>
+          <a:p>
+            <a:pPr algn="ctr"/>
+            <a:endParaRPr lang="en-US" dirty="0"/>
+          </a:p>
+        </p:txBody>
+      </p:sp>
+      <p:sp>
+        <p:nvSpPr>
+          <p:cNvPr id="83" name="TextBox 82">
+            <a:extLst>
+              <a:ext uri="{FF2B5EF4-FFF2-40B4-BE49-F238E27FC236}">
+                <a16:creationId xmlns:a16="http://schemas.microsoft.com/office/drawing/2014/main" id="{5FF1E507-F321-C8E4-C8F8-3E356EF3E319}"/>
+              </a:ext>
+            </a:extLst>
+          </p:cNvPr>
+          <p:cNvSpPr txBox="1"/>
+          <p:nvPr/>
+        </p:nvSpPr>
+        <p:spPr>
+          <a:xfrm rot="16200000">
+            <a:off x="5987358" y="3460416"/>
+            <a:ext cx="939941" cy="369332"/>
+          </a:xfrm>
+          <a:prstGeom prst="rect">
+            <a:avLst/>
+          </a:prstGeom>
+          <a:noFill/>
+        </p:spPr>
+        <p:txBody>
+          <a:bodyPr wrap="square" rtlCol="0">
+            <a:spAutoFit/>
+          </a:bodyPr>
+          <a:lstStyle/>
+          <a:p>
+            <a:r>
+              <a:rPr lang="de-DE" dirty="0"/>
+              <a:t>Conv2D</a:t>
+            </a:r>
+            <a:endParaRPr lang="en-US" dirty="0"/>
+          </a:p>
+        </p:txBody>
+      </p:sp>
+      <p:sp>
+        <p:nvSpPr>
+          <p:cNvPr id="84" name="Rectangle: Rounded Corners 83">
+            <a:extLst>
+              <a:ext uri="{FF2B5EF4-FFF2-40B4-BE49-F238E27FC236}">
+                <a16:creationId xmlns:a16="http://schemas.microsoft.com/office/drawing/2014/main" id="{0367EEC6-283A-07E2-EDCD-3CC113152B74}"/>
+              </a:ext>
+            </a:extLst>
+          </p:cNvPr>
+          <p:cNvSpPr/>
+          <p:nvPr/>
+        </p:nvSpPr>
+        <p:spPr>
+          <a:xfrm>
+            <a:off x="7090857" y="2528466"/>
+            <a:ext cx="303807" cy="2165173"/>
+          </a:xfrm>
+          <a:prstGeom prst="roundRect">
+            <a:avLst/>
+          </a:prstGeom>
+          <a:solidFill>
+            <a:schemeClr val="accent5">
+              <a:lumMod val="40000"/>
+              <a:lumOff val="60000"/>
+            </a:schemeClr>
+          </a:solidFill>
+          <a:ln>
+            <a:solidFill>
+              <a:schemeClr val="accent5">
+                <a:lumMod val="40000"/>
+                <a:lumOff val="60000"/>
+              </a:schemeClr>
+            </a:solidFill>
+          </a:ln>
+        </p:spPr>
+        <p:style>
+          <a:lnRef idx="2">
+            <a:schemeClr val="accent1">
+              <a:shade val="15000"/>
+            </a:schemeClr>
+          </a:lnRef>
+          <a:fillRef idx="1">
+            <a:schemeClr val="accent1"/>
+          </a:fillRef>
+          <a:effectRef idx="0">
+            <a:schemeClr val="accent1"/>
+          </a:effectRef>
+          <a:fontRef idx="minor">
+            <a:schemeClr val="lt1"/>
+          </a:fontRef>
+        </p:style>
+        <p:txBody>
+          <a:bodyPr rtlCol="0" anchor="ctr"/>
+          <a:lstStyle/>
+          <a:p>
+            <a:pPr algn="ctr"/>
+            <a:endParaRPr lang="en-US" dirty="0"/>
+          </a:p>
+        </p:txBody>
+      </p:sp>
+      <p:sp>
+        <p:nvSpPr>
+          <p:cNvPr id="85" name="TextBox 84">
+            <a:extLst>
+              <a:ext uri="{FF2B5EF4-FFF2-40B4-BE49-F238E27FC236}">
+                <a16:creationId xmlns:a16="http://schemas.microsoft.com/office/drawing/2014/main" id="{22CBAC11-B9AD-5FC4-0741-1FDB29929F29}"/>
+              </a:ext>
+            </a:extLst>
+          </p:cNvPr>
+          <p:cNvSpPr txBox="1"/>
+          <p:nvPr/>
+        </p:nvSpPr>
+        <p:spPr>
+          <a:xfrm rot="16200000">
+            <a:off x="6457674" y="3460415"/>
+            <a:ext cx="1591355" cy="369332"/>
+          </a:xfrm>
+          <a:prstGeom prst="rect">
+            <a:avLst/>
+          </a:prstGeom>
+          <a:noFill/>
+        </p:spPr>
+        <p:txBody>
+          <a:bodyPr wrap="square" rtlCol="0">
+            <a:spAutoFit/>
+          </a:bodyPr>
+          <a:lstStyle/>
+          <a:p>
+            <a:r>
+              <a:rPr lang="de-DE" dirty="0"/>
+              <a:t>MaxPooling2D</a:t>
+            </a:r>
+            <a:endParaRPr lang="en-US" dirty="0"/>
+          </a:p>
+        </p:txBody>
+      </p:sp>
+      <p:sp>
+        <p:nvSpPr>
+          <p:cNvPr id="86" name="Rectangle: Rounded Corners 85">
+            <a:extLst>
+              <a:ext uri="{FF2B5EF4-FFF2-40B4-BE49-F238E27FC236}">
+                <a16:creationId xmlns:a16="http://schemas.microsoft.com/office/drawing/2014/main" id="{87F63723-8499-C1FC-0BFB-2BCB3FF20105}"/>
+              </a:ext>
+            </a:extLst>
+          </p:cNvPr>
+          <p:cNvSpPr/>
+          <p:nvPr/>
+        </p:nvSpPr>
+        <p:spPr>
+          <a:xfrm>
+            <a:off x="6692747" y="2528466"/>
+            <a:ext cx="303807" cy="2165173"/>
+          </a:xfrm>
+          <a:prstGeom prst="roundRect">
+            <a:avLst/>
+          </a:prstGeom>
+          <a:solidFill>
+            <a:schemeClr val="accent5">
+              <a:lumMod val="40000"/>
+              <a:lumOff val="60000"/>
+            </a:schemeClr>
+          </a:solidFill>
+          <a:ln>
+            <a:solidFill>
+              <a:schemeClr val="accent5">
+                <a:lumMod val="40000"/>
+                <a:lumOff val="60000"/>
+              </a:schemeClr>
+            </a:solidFill>
+          </a:ln>
+        </p:spPr>
+        <p:style>
+          <a:lnRef idx="2">
+            <a:schemeClr val="accent1">
+              <a:shade val="15000"/>
+            </a:schemeClr>
+          </a:lnRef>
+          <a:fillRef idx="1">
+            <a:schemeClr val="accent1"/>
+          </a:fillRef>
+          <a:effectRef idx="0">
+            <a:schemeClr val="accent1"/>
+          </a:effectRef>
+          <a:fontRef idx="minor">
+            <a:schemeClr val="lt1"/>
+          </a:fontRef>
+        </p:style>
+        <p:txBody>
+          <a:bodyPr rtlCol="0" anchor="ctr"/>
+          <a:lstStyle/>
+          <a:p>
+            <a:pPr algn="ctr"/>
+            <a:endParaRPr lang="en-US" dirty="0"/>
+          </a:p>
+        </p:txBody>
+      </p:sp>
+      <p:sp>
+        <p:nvSpPr>
+          <p:cNvPr id="87" name="TextBox 86">
+            <a:extLst>
+              <a:ext uri="{FF2B5EF4-FFF2-40B4-BE49-F238E27FC236}">
+                <a16:creationId xmlns:a16="http://schemas.microsoft.com/office/drawing/2014/main" id="{90F959C2-33E1-0A6C-CC2B-D1A43D569FA9}"/>
+              </a:ext>
+            </a:extLst>
+          </p:cNvPr>
+          <p:cNvSpPr txBox="1"/>
+          <p:nvPr/>
+        </p:nvSpPr>
+        <p:spPr>
+          <a:xfrm rot="16200000">
+            <a:off x="6398997" y="3450121"/>
+            <a:ext cx="939941" cy="369332"/>
+          </a:xfrm>
+          <a:prstGeom prst="rect">
+            <a:avLst/>
+          </a:prstGeom>
+          <a:noFill/>
+        </p:spPr>
+        <p:txBody>
+          <a:bodyPr wrap="square" rtlCol="0">
+            <a:spAutoFit/>
+          </a:bodyPr>
+          <a:lstStyle/>
+          <a:p>
+            <a:r>
+              <a:rPr lang="de-DE" dirty="0"/>
+              <a:t>Conv2D</a:t>
+            </a:r>
+            <a:endParaRPr lang="en-US" dirty="0"/>
+          </a:p>
+        </p:txBody>
+      </p:sp>
+      <p:sp>
+        <p:nvSpPr>
+          <p:cNvPr id="88" name="Rectangle: Rounded Corners 87">
+            <a:extLst>
+              <a:ext uri="{FF2B5EF4-FFF2-40B4-BE49-F238E27FC236}">
+                <a16:creationId xmlns:a16="http://schemas.microsoft.com/office/drawing/2014/main" id="{4A4E91C8-A4D7-00D2-8A02-7AEFD4E9970F}"/>
+              </a:ext>
+            </a:extLst>
+          </p:cNvPr>
+          <p:cNvSpPr/>
+          <p:nvPr/>
+        </p:nvSpPr>
+        <p:spPr>
+          <a:xfrm>
+            <a:off x="7764647" y="2531767"/>
+            <a:ext cx="303807" cy="2165173"/>
+          </a:xfrm>
+          <a:prstGeom prst="roundRect">
+            <a:avLst/>
+          </a:prstGeom>
+          <a:solidFill>
+            <a:schemeClr val="accent5">
+              <a:lumMod val="40000"/>
+              <a:lumOff val="60000"/>
+            </a:schemeClr>
+          </a:solidFill>
+          <a:ln>
+            <a:solidFill>
+              <a:schemeClr val="accent5">
+                <a:lumMod val="40000"/>
+                <a:lumOff val="60000"/>
+              </a:schemeClr>
+            </a:solidFill>
+          </a:ln>
+        </p:spPr>
+        <p:style>
+          <a:lnRef idx="2">
+            <a:schemeClr val="accent1">
+              <a:shade val="15000"/>
+            </a:schemeClr>
+          </a:lnRef>
+          <a:fillRef idx="1">
+            <a:schemeClr val="accent1"/>
+          </a:fillRef>
+          <a:effectRef idx="0">
+            <a:schemeClr val="accent1"/>
+          </a:effectRef>
+          <a:fontRef idx="minor">
+            <a:schemeClr val="lt1"/>
+          </a:fontRef>
+        </p:style>
+        <p:txBody>
+          <a:bodyPr rtlCol="0" anchor="ctr"/>
+          <a:lstStyle/>
+          <a:p>
+            <a:pPr algn="ctr"/>
+            <a:endParaRPr lang="en-US" dirty="0"/>
+          </a:p>
+        </p:txBody>
+      </p:sp>
+      <p:sp>
+        <p:nvSpPr>
+          <p:cNvPr id="89" name="TextBox 88">
+            <a:extLst>
+              <a:ext uri="{FF2B5EF4-FFF2-40B4-BE49-F238E27FC236}">
+                <a16:creationId xmlns:a16="http://schemas.microsoft.com/office/drawing/2014/main" id="{1BF352EE-D45E-9416-BE4A-A4307D785A5F}"/>
+              </a:ext>
+            </a:extLst>
+          </p:cNvPr>
+          <p:cNvSpPr txBox="1"/>
+          <p:nvPr/>
+        </p:nvSpPr>
+        <p:spPr>
+          <a:xfrm rot="16200000">
+            <a:off x="7470897" y="3453422"/>
+            <a:ext cx="939941" cy="369332"/>
+          </a:xfrm>
+          <a:prstGeom prst="rect">
+            <a:avLst/>
+          </a:prstGeom>
+          <a:noFill/>
+        </p:spPr>
+        <p:txBody>
+          <a:bodyPr wrap="square" rtlCol="0">
+            <a:spAutoFit/>
+          </a:bodyPr>
+          <a:lstStyle/>
+          <a:p>
+            <a:r>
+              <a:rPr lang="de-DE" dirty="0"/>
+              <a:t>Conv2D</a:t>
+            </a:r>
+            <a:endParaRPr lang="en-US" dirty="0"/>
+          </a:p>
+        </p:txBody>
+      </p:sp>
+      <p:sp>
+        <p:nvSpPr>
+          <p:cNvPr id="90" name="Rectangle: Rounded Corners 89">
+            <a:extLst>
+              <a:ext uri="{FF2B5EF4-FFF2-40B4-BE49-F238E27FC236}">
+                <a16:creationId xmlns:a16="http://schemas.microsoft.com/office/drawing/2014/main" id="{8DE0B72E-9431-300C-A834-3FD51572CAA8}"/>
+              </a:ext>
+            </a:extLst>
+          </p:cNvPr>
+          <p:cNvSpPr/>
+          <p:nvPr/>
+        </p:nvSpPr>
+        <p:spPr>
+          <a:xfrm>
+            <a:off x="8182639" y="2531767"/>
+            <a:ext cx="303807" cy="2165173"/>
+          </a:xfrm>
+          <a:prstGeom prst="roundRect">
+            <a:avLst/>
+          </a:prstGeom>
+          <a:solidFill>
+            <a:schemeClr val="accent5">
+              <a:lumMod val="40000"/>
+              <a:lumOff val="60000"/>
+            </a:schemeClr>
+          </a:solidFill>
+          <a:ln>
+            <a:solidFill>
+              <a:schemeClr val="accent5">
+                <a:lumMod val="40000"/>
+                <a:lumOff val="60000"/>
+              </a:schemeClr>
+            </a:solidFill>
+          </a:ln>
+        </p:spPr>
+        <p:style>
+          <a:lnRef idx="2">
+            <a:schemeClr val="accent1">
+              <a:shade val="15000"/>
+            </a:schemeClr>
+          </a:lnRef>
+          <a:fillRef idx="1">
+            <a:schemeClr val="accent1"/>
+          </a:fillRef>
+          <a:effectRef idx="0">
+            <a:schemeClr val="accent1"/>
+          </a:effectRef>
+          <a:fontRef idx="minor">
+            <a:schemeClr val="lt1"/>
+          </a:fontRef>
+        </p:style>
+        <p:txBody>
+          <a:bodyPr rtlCol="0" anchor="ctr"/>
+          <a:lstStyle/>
+          <a:p>
+            <a:pPr algn="ctr"/>
+            <a:endParaRPr lang="en-US" dirty="0"/>
+          </a:p>
+        </p:txBody>
+      </p:sp>
+      <p:sp>
+        <p:nvSpPr>
+          <p:cNvPr id="91" name="TextBox 90">
+            <a:extLst>
+              <a:ext uri="{FF2B5EF4-FFF2-40B4-BE49-F238E27FC236}">
+                <a16:creationId xmlns:a16="http://schemas.microsoft.com/office/drawing/2014/main" id="{601D95B5-8548-8D79-CB5C-D98262C5EFCB}"/>
+              </a:ext>
+            </a:extLst>
+          </p:cNvPr>
+          <p:cNvSpPr txBox="1"/>
+          <p:nvPr/>
+        </p:nvSpPr>
+        <p:spPr>
+          <a:xfrm rot="16200000">
+            <a:off x="7890982" y="3463717"/>
+            <a:ext cx="939941" cy="369332"/>
+          </a:xfrm>
+          <a:prstGeom prst="rect">
+            <a:avLst/>
+          </a:prstGeom>
+          <a:noFill/>
+        </p:spPr>
+        <p:txBody>
+          <a:bodyPr wrap="square" rtlCol="0">
+            <a:spAutoFit/>
+          </a:bodyPr>
+          <a:lstStyle/>
+          <a:p>
+            <a:r>
+              <a:rPr lang="de-DE" dirty="0"/>
+              <a:t>Conv2D</a:t>
+            </a:r>
+            <a:endParaRPr lang="en-US" dirty="0"/>
+          </a:p>
+        </p:txBody>
+      </p:sp>
+      <p:sp>
+        <p:nvSpPr>
+          <p:cNvPr id="92" name="Rectangle: Rounded Corners 91">
+            <a:extLst>
+              <a:ext uri="{FF2B5EF4-FFF2-40B4-BE49-F238E27FC236}">
+                <a16:creationId xmlns:a16="http://schemas.microsoft.com/office/drawing/2014/main" id="{CBA5594A-496A-1993-BB32-D8B9FC5EE7B8}"/>
+              </a:ext>
+            </a:extLst>
+          </p:cNvPr>
+          <p:cNvSpPr/>
+          <p:nvPr/>
+        </p:nvSpPr>
+        <p:spPr>
+          <a:xfrm>
+            <a:off x="8994481" y="2531767"/>
+            <a:ext cx="303807" cy="2165173"/>
+          </a:xfrm>
+          <a:prstGeom prst="roundRect">
+            <a:avLst/>
+          </a:prstGeom>
+          <a:solidFill>
+            <a:schemeClr val="accent5">
+              <a:lumMod val="40000"/>
+              <a:lumOff val="60000"/>
+            </a:schemeClr>
+          </a:solidFill>
+          <a:ln>
+            <a:solidFill>
+              <a:schemeClr val="accent5">
+                <a:lumMod val="40000"/>
+                <a:lumOff val="60000"/>
+              </a:schemeClr>
+            </a:solidFill>
+          </a:ln>
+        </p:spPr>
+        <p:style>
+          <a:lnRef idx="2">
+            <a:schemeClr val="accent1">
+              <a:shade val="15000"/>
+            </a:schemeClr>
+          </a:lnRef>
+          <a:fillRef idx="1">
+            <a:schemeClr val="accent1"/>
+          </a:fillRef>
+          <a:effectRef idx="0">
+            <a:schemeClr val="accent1"/>
+          </a:effectRef>
+          <a:fontRef idx="minor">
+            <a:schemeClr val="lt1"/>
+          </a:fontRef>
+        </p:style>
+        <p:txBody>
+          <a:bodyPr rtlCol="0" anchor="ctr"/>
+          <a:lstStyle/>
+          <a:p>
+            <a:pPr algn="ctr"/>
+            <a:endParaRPr lang="en-US" dirty="0"/>
+          </a:p>
+        </p:txBody>
+      </p:sp>
+      <p:sp>
+        <p:nvSpPr>
+          <p:cNvPr id="93" name="TextBox 92">
+            <a:extLst>
+              <a:ext uri="{FF2B5EF4-FFF2-40B4-BE49-F238E27FC236}">
+                <a16:creationId xmlns:a16="http://schemas.microsoft.com/office/drawing/2014/main" id="{C72E5C53-E783-D26A-8437-1B8970E1A71E}"/>
+              </a:ext>
+            </a:extLst>
+          </p:cNvPr>
+          <p:cNvSpPr txBox="1"/>
+          <p:nvPr/>
+        </p:nvSpPr>
+        <p:spPr>
+          <a:xfrm rot="16200000">
+            <a:off x="8361298" y="3463716"/>
+            <a:ext cx="1591355" cy="369332"/>
+          </a:xfrm>
+          <a:prstGeom prst="rect">
+            <a:avLst/>
+          </a:prstGeom>
+          <a:noFill/>
+        </p:spPr>
+        <p:txBody>
+          <a:bodyPr wrap="square" rtlCol="0">
+            <a:spAutoFit/>
+          </a:bodyPr>
+          <a:lstStyle/>
+          <a:p>
+            <a:r>
+              <a:rPr lang="de-DE" dirty="0"/>
+              <a:t>MaxPooling2D</a:t>
+            </a:r>
+            <a:endParaRPr lang="en-US" dirty="0"/>
+          </a:p>
+        </p:txBody>
+      </p:sp>
+      <p:sp>
+        <p:nvSpPr>
+          <p:cNvPr id="94" name="Rectangle: Rounded Corners 93">
+            <a:extLst>
+              <a:ext uri="{FF2B5EF4-FFF2-40B4-BE49-F238E27FC236}">
+                <a16:creationId xmlns:a16="http://schemas.microsoft.com/office/drawing/2014/main" id="{A0CF0B49-1D13-7A1D-DFE9-B49BC1CB6878}"/>
+              </a:ext>
+            </a:extLst>
+          </p:cNvPr>
+          <p:cNvSpPr/>
+          <p:nvPr/>
+        </p:nvSpPr>
+        <p:spPr>
+          <a:xfrm>
+            <a:off x="8596371" y="2531767"/>
+            <a:ext cx="303807" cy="2165173"/>
+          </a:xfrm>
+          <a:prstGeom prst="roundRect">
+            <a:avLst/>
+          </a:prstGeom>
+          <a:solidFill>
+            <a:schemeClr val="accent5">
+              <a:lumMod val="40000"/>
+              <a:lumOff val="60000"/>
+            </a:schemeClr>
+          </a:solidFill>
+          <a:ln>
+            <a:solidFill>
+              <a:schemeClr val="accent5">
+                <a:lumMod val="40000"/>
+                <a:lumOff val="60000"/>
+              </a:schemeClr>
+            </a:solidFill>
+          </a:ln>
+        </p:spPr>
+        <p:style>
+          <a:lnRef idx="2">
+            <a:schemeClr val="accent1">
+              <a:shade val="15000"/>
+            </a:schemeClr>
+          </a:lnRef>
+          <a:fillRef idx="1">
+            <a:schemeClr val="accent1"/>
+          </a:fillRef>
+          <a:effectRef idx="0">
+            <a:schemeClr val="accent1"/>
+          </a:effectRef>
+          <a:fontRef idx="minor">
+            <a:schemeClr val="lt1"/>
+          </a:fontRef>
+        </p:style>
+        <p:txBody>
+          <a:bodyPr rtlCol="0" anchor="ctr"/>
+          <a:lstStyle/>
+          <a:p>
+            <a:pPr algn="ctr"/>
+            <a:endParaRPr lang="en-US" dirty="0"/>
+          </a:p>
+        </p:txBody>
+      </p:sp>
+      <p:sp>
+        <p:nvSpPr>
+          <p:cNvPr id="95" name="TextBox 94">
+            <a:extLst>
+              <a:ext uri="{FF2B5EF4-FFF2-40B4-BE49-F238E27FC236}">
+                <a16:creationId xmlns:a16="http://schemas.microsoft.com/office/drawing/2014/main" id="{C5B4BDA8-F106-0B91-D0CE-0A18AD9B6FF1}"/>
+              </a:ext>
+            </a:extLst>
+          </p:cNvPr>
+          <p:cNvSpPr txBox="1"/>
+          <p:nvPr/>
+        </p:nvSpPr>
+        <p:spPr>
+          <a:xfrm rot="16200000">
+            <a:off x="8302621" y="3453422"/>
+            <a:ext cx="939941" cy="369332"/>
+          </a:xfrm>
+          <a:prstGeom prst="rect">
+            <a:avLst/>
+          </a:prstGeom>
+          <a:noFill/>
+        </p:spPr>
+        <p:txBody>
+          <a:bodyPr wrap="square" rtlCol="0">
+            <a:spAutoFit/>
+          </a:bodyPr>
+          <a:lstStyle/>
+          <a:p>
+            <a:r>
+              <a:rPr lang="de-DE" dirty="0"/>
+              <a:t>Conv2D</a:t>
+            </a:r>
+            <a:endParaRPr lang="en-US" dirty="0"/>
+          </a:p>
+        </p:txBody>
+      </p:sp>
+      <p:sp>
+        <p:nvSpPr>
+          <p:cNvPr id="98" name="Rectangle: Rounded Corners 97">
+            <a:extLst>
+              <a:ext uri="{FF2B5EF4-FFF2-40B4-BE49-F238E27FC236}">
+                <a16:creationId xmlns:a16="http://schemas.microsoft.com/office/drawing/2014/main" id="{1ECA03E5-BA28-ECE0-7737-C670F619BDF6}"/>
+              </a:ext>
+            </a:extLst>
+          </p:cNvPr>
+          <p:cNvSpPr/>
+          <p:nvPr/>
+        </p:nvSpPr>
+        <p:spPr>
+          <a:xfrm>
+            <a:off x="9676716" y="2528466"/>
+            <a:ext cx="303807" cy="2165173"/>
+          </a:xfrm>
+          <a:prstGeom prst="roundRect">
+            <a:avLst/>
+          </a:prstGeom>
+          <a:solidFill>
+            <a:schemeClr val="accent5">
+              <a:lumMod val="40000"/>
+              <a:lumOff val="60000"/>
+            </a:schemeClr>
+          </a:solidFill>
+          <a:ln>
+            <a:solidFill>
+              <a:schemeClr val="accent5">
+                <a:lumMod val="40000"/>
+                <a:lumOff val="60000"/>
+              </a:schemeClr>
+            </a:solidFill>
+          </a:ln>
+        </p:spPr>
+        <p:style>
+          <a:lnRef idx="2">
+            <a:schemeClr val="accent1">
+              <a:shade val="15000"/>
+            </a:schemeClr>
+          </a:lnRef>
+          <a:fillRef idx="1">
+            <a:schemeClr val="accent1"/>
+          </a:fillRef>
+          <a:effectRef idx="0">
+            <a:schemeClr val="accent1"/>
+          </a:effectRef>
+          <a:fontRef idx="minor">
+            <a:schemeClr val="lt1"/>
+          </a:fontRef>
+        </p:style>
+        <p:txBody>
+          <a:bodyPr rtlCol="0" anchor="ctr"/>
+          <a:lstStyle/>
+          <a:p>
+            <a:pPr algn="ctr"/>
+            <a:endParaRPr lang="en-US" dirty="0"/>
+          </a:p>
+        </p:txBody>
+      </p:sp>
+      <p:sp>
+        <p:nvSpPr>
+          <p:cNvPr id="99" name="TextBox 98">
+            <a:extLst>
+              <a:ext uri="{FF2B5EF4-FFF2-40B4-BE49-F238E27FC236}">
+                <a16:creationId xmlns:a16="http://schemas.microsoft.com/office/drawing/2014/main" id="{C1E2F11D-3763-63D6-87A3-29DB5C1261B4}"/>
+              </a:ext>
+            </a:extLst>
+          </p:cNvPr>
+          <p:cNvSpPr txBox="1"/>
+          <p:nvPr/>
+        </p:nvSpPr>
+        <p:spPr>
+          <a:xfrm rot="16200000">
+            <a:off x="9382966" y="3450121"/>
+            <a:ext cx="939941" cy="369332"/>
+          </a:xfrm>
+          <a:prstGeom prst="rect">
+            <a:avLst/>
+          </a:prstGeom>
+          <a:noFill/>
+        </p:spPr>
+        <p:txBody>
+          <a:bodyPr wrap="square" rtlCol="0">
+            <a:spAutoFit/>
+          </a:bodyPr>
+          <a:lstStyle/>
+          <a:p>
+            <a:r>
+              <a:rPr lang="de-DE" dirty="0"/>
+              <a:t>Flatten</a:t>
+            </a:r>
+            <a:endParaRPr lang="en-US" dirty="0"/>
+          </a:p>
+        </p:txBody>
+      </p:sp>
+      <p:sp>
+        <p:nvSpPr>
+          <p:cNvPr id="100" name="Rectangle: Rounded Corners 99">
+            <a:extLst>
+              <a:ext uri="{FF2B5EF4-FFF2-40B4-BE49-F238E27FC236}">
+                <a16:creationId xmlns:a16="http://schemas.microsoft.com/office/drawing/2014/main" id="{D9470B30-75BE-621D-0E89-D6111D8AA104}"/>
+              </a:ext>
+            </a:extLst>
+          </p:cNvPr>
+          <p:cNvSpPr/>
+          <p:nvPr/>
+        </p:nvSpPr>
+        <p:spPr>
+          <a:xfrm>
+            <a:off x="10257807" y="2528466"/>
+            <a:ext cx="303807" cy="2165173"/>
+          </a:xfrm>
+          <a:prstGeom prst="roundRect">
+            <a:avLst/>
+          </a:prstGeom>
+          <a:solidFill>
+            <a:schemeClr val="accent5">
+              <a:lumMod val="40000"/>
+              <a:lumOff val="60000"/>
+            </a:schemeClr>
+          </a:solidFill>
+          <a:ln>
+            <a:solidFill>
+              <a:schemeClr val="accent5">
+                <a:lumMod val="40000"/>
+                <a:lumOff val="60000"/>
+              </a:schemeClr>
+            </a:solidFill>
+          </a:ln>
+        </p:spPr>
+        <p:style>
+          <a:lnRef idx="2">
+            <a:schemeClr val="accent1">
+              <a:shade val="15000"/>
+            </a:schemeClr>
+          </a:lnRef>
+          <a:fillRef idx="1">
+            <a:schemeClr val="accent1"/>
+          </a:fillRef>
+          <a:effectRef idx="0">
+            <a:schemeClr val="accent1"/>
+          </a:effectRef>
+          <a:fontRef idx="minor">
+            <a:schemeClr val="lt1"/>
+          </a:fontRef>
+        </p:style>
+        <p:txBody>
+          <a:bodyPr rtlCol="0" anchor="ctr"/>
+          <a:lstStyle/>
+          <a:p>
+            <a:pPr algn="ctr"/>
+            <a:endParaRPr lang="en-US" dirty="0"/>
+          </a:p>
+        </p:txBody>
+      </p:sp>
+      <p:sp>
+        <p:nvSpPr>
+          <p:cNvPr id="101" name="TextBox 100">
+            <a:extLst>
+              <a:ext uri="{FF2B5EF4-FFF2-40B4-BE49-F238E27FC236}">
+                <a16:creationId xmlns:a16="http://schemas.microsoft.com/office/drawing/2014/main" id="{1447B34C-6209-2310-84D5-DA0A32D70B17}"/>
+              </a:ext>
+            </a:extLst>
+          </p:cNvPr>
+          <p:cNvSpPr txBox="1"/>
+          <p:nvPr/>
+        </p:nvSpPr>
+        <p:spPr>
+          <a:xfrm rot="16200000">
+            <a:off x="9699433" y="3220111"/>
+            <a:ext cx="1420554" cy="369332"/>
+          </a:xfrm>
+          <a:prstGeom prst="rect">
+            <a:avLst/>
+          </a:prstGeom>
+          <a:noFill/>
+        </p:spPr>
+        <p:txBody>
+          <a:bodyPr wrap="square" rtlCol="0">
+            <a:spAutoFit/>
+          </a:bodyPr>
+          <a:lstStyle/>
+          <a:p>
+            <a:r>
+              <a:rPr lang="de-DE" dirty="0"/>
+              <a:t>Sigmoid</a:t>
+            </a:r>
+            <a:endParaRPr lang="en-US" dirty="0"/>
+          </a:p>
+        </p:txBody>
+      </p:sp>
+      <p:sp>
+        <p:nvSpPr>
+          <p:cNvPr id="102" name="Rectangle: Rounded Corners 101">
+            <a:extLst>
+              <a:ext uri="{FF2B5EF4-FFF2-40B4-BE49-F238E27FC236}">
+                <a16:creationId xmlns:a16="http://schemas.microsoft.com/office/drawing/2014/main" id="{D9F866E0-945F-8CC1-0020-E6352BB716E0}"/>
+              </a:ext>
+            </a:extLst>
+          </p:cNvPr>
+          <p:cNvSpPr/>
+          <p:nvPr/>
+        </p:nvSpPr>
+        <p:spPr>
+          <a:xfrm>
+            <a:off x="10865632" y="2515529"/>
+            <a:ext cx="1038840" cy="2178110"/>
+          </a:xfrm>
+          <a:prstGeom prst="roundRect">
+            <a:avLst/>
+          </a:prstGeom>
+          <a:solidFill>
+            <a:schemeClr val="accent5">
+              <a:lumMod val="40000"/>
+              <a:lumOff val="60000"/>
+            </a:schemeClr>
+          </a:solidFill>
+          <a:ln>
+            <a:solidFill>
+              <a:schemeClr val="accent5">
+                <a:lumMod val="40000"/>
+                <a:lumOff val="60000"/>
+              </a:schemeClr>
+            </a:solidFill>
+          </a:ln>
+        </p:spPr>
+        <p:style>
+          <a:lnRef idx="2">
+            <a:schemeClr val="accent1">
+              <a:shade val="15000"/>
+            </a:schemeClr>
+          </a:lnRef>
+          <a:fillRef idx="1">
+            <a:schemeClr val="accent1"/>
+          </a:fillRef>
+          <a:effectRef idx="0">
+            <a:schemeClr val="accent1"/>
+          </a:effectRef>
+          <a:fontRef idx="minor">
+            <a:schemeClr val="lt1"/>
+          </a:fontRef>
+        </p:style>
+        <p:txBody>
+          <a:bodyPr rtlCol="0" anchor="ctr"/>
+          <a:lstStyle/>
+          <a:p>
+            <a:pPr algn="ctr"/>
+            <a:endParaRPr lang="en-US" dirty="0"/>
+          </a:p>
+        </p:txBody>
+      </p:sp>
+      <p:cxnSp>
+        <p:nvCxnSpPr>
+          <p:cNvPr id="105" name="Straight Connector 104">
+            <a:extLst>
+              <a:ext uri="{FF2B5EF4-FFF2-40B4-BE49-F238E27FC236}">
+                <a16:creationId xmlns:a16="http://schemas.microsoft.com/office/drawing/2014/main" id="{5C1B36B6-DDBD-86AF-987A-BEA81871BE98}"/>
+              </a:ext>
+            </a:extLst>
+          </p:cNvPr>
+          <p:cNvCxnSpPr>
+            <a:cxnSpLocks/>
+          </p:cNvCxnSpPr>
+          <p:nvPr/>
+        </p:nvCxnSpPr>
+        <p:spPr>
+          <a:xfrm>
+            <a:off x="10985994" y="3353799"/>
+            <a:ext cx="798116" cy="561975"/>
+          </a:xfrm>
+          <a:prstGeom prst="line">
+            <a:avLst/>
+          </a:prstGeom>
+          <a:ln w="28575">
+            <a:solidFill>
+              <a:schemeClr val="tx1"/>
+            </a:solidFill>
+          </a:ln>
+        </p:spPr>
+        <p:style>
+          <a:lnRef idx="1">
+            <a:schemeClr val="accent1"/>
+          </a:lnRef>
+          <a:fillRef idx="0">
+            <a:schemeClr val="accent1"/>
+          </a:fillRef>
+          <a:effectRef idx="0">
+            <a:schemeClr val="accent1"/>
+          </a:effectRef>
+          <a:fontRef idx="minor">
+            <a:schemeClr val="tx1"/>
+          </a:fontRef>
+        </p:style>
+      </p:cxnSp>
+      <p:sp>
+        <p:nvSpPr>
+          <p:cNvPr id="108" name="TextBox 107">
+            <a:extLst>
+              <a:ext uri="{FF2B5EF4-FFF2-40B4-BE49-F238E27FC236}">
+                <a16:creationId xmlns:a16="http://schemas.microsoft.com/office/drawing/2014/main" id="{5C56168C-053E-DECE-CD0A-99F42D79350D}"/>
+              </a:ext>
+            </a:extLst>
+          </p:cNvPr>
+          <p:cNvSpPr txBox="1"/>
+          <p:nvPr/>
+        </p:nvSpPr>
+        <p:spPr>
+          <a:xfrm>
+            <a:off x="10814141" y="4037464"/>
+            <a:ext cx="1177119" cy="369332"/>
+          </a:xfrm>
+          <a:prstGeom prst="rect">
+            <a:avLst/>
+          </a:prstGeom>
+          <a:noFill/>
+        </p:spPr>
+        <p:txBody>
+          <a:bodyPr wrap="square" rtlCol="0">
+            <a:spAutoFit/>
+          </a:bodyPr>
+          <a:lstStyle/>
+          <a:p>
+            <a:r>
+              <a:rPr lang="de-DE" dirty="0" err="1"/>
+              <a:t>malignant</a:t>
+            </a:r>
+            <a:endParaRPr lang="en-US" dirty="0"/>
+          </a:p>
+        </p:txBody>
+      </p:sp>
+      <p:sp>
+        <p:nvSpPr>
+          <p:cNvPr id="109" name="TextBox 108">
+            <a:extLst>
+              <a:ext uri="{FF2B5EF4-FFF2-40B4-BE49-F238E27FC236}">
+                <a16:creationId xmlns:a16="http://schemas.microsoft.com/office/drawing/2014/main" id="{A13A889E-7A27-7452-7702-18824D9310E1}"/>
+              </a:ext>
+            </a:extLst>
+          </p:cNvPr>
+          <p:cNvSpPr txBox="1"/>
+          <p:nvPr/>
+        </p:nvSpPr>
+        <p:spPr>
+          <a:xfrm>
+            <a:off x="10961701" y="2799540"/>
+            <a:ext cx="1177119" cy="369332"/>
+          </a:xfrm>
+          <a:prstGeom prst="rect">
+            <a:avLst/>
+          </a:prstGeom>
+          <a:noFill/>
+        </p:spPr>
+        <p:txBody>
+          <a:bodyPr wrap="square" rtlCol="0">
+            <a:spAutoFit/>
+          </a:bodyPr>
+          <a:lstStyle/>
+          <a:p>
+            <a:r>
+              <a:rPr lang="de-DE" dirty="0" err="1"/>
+              <a:t>benign</a:t>
+            </a:r>
+            <a:endParaRPr lang="en-US" dirty="0"/>
           </a:p>
         </p:txBody>
       </p:sp>

--- a/GroupProject_finalPresentation.pptx
+++ b/GroupProject_finalPresentation.pptx
@@ -18,8 +18,7 @@
     <p:sldId id="272" r:id="rId12"/>
     <p:sldId id="273" r:id="rId13"/>
     <p:sldId id="260" r:id="rId14"/>
-    <p:sldId id="270" r:id="rId15"/>
-    <p:sldId id="259" r:id="rId16"/>
+    <p:sldId id="259" r:id="rId15"/>
   </p:sldIdLst>
   <p:sldSz cx="12192000" cy="6858000"/>
   <p:notesSz cx="6858000" cy="9144000"/>
@@ -5222,6 +5221,44 @@
           </a:p>
           <a:p>
             <a:r>
+              <a:rPr lang="de-DE" sz="3200" dirty="0"/>
+              <a:t>multi-</a:t>
+            </a:r>
+            <a:r>
+              <a:rPr lang="de-DE" sz="3200" dirty="0" err="1"/>
+              <a:t>classification</a:t>
+            </a:r>
+            <a:r>
+              <a:rPr lang="de-DE" sz="3200" dirty="0"/>
+              <a:t> (</a:t>
+            </a:r>
+            <a:r>
+              <a:rPr lang="de-DE" sz="3200" dirty="0" err="1"/>
+              <a:t>mass</a:t>
+            </a:r>
+            <a:r>
+              <a:rPr lang="de-DE" sz="3200" dirty="0"/>
+              <a:t> and </a:t>
+            </a:r>
+            <a:r>
+              <a:rPr lang="de-DE" sz="3200" dirty="0" err="1"/>
+              <a:t>calcification</a:t>
+            </a:r>
+            <a:r>
+              <a:rPr lang="de-DE" sz="3200" dirty="0"/>
+              <a:t> </a:t>
+            </a:r>
+            <a:r>
+              <a:rPr lang="de-DE" sz="3200" dirty="0" err="1"/>
+              <a:t>subtypes</a:t>
+            </a:r>
+            <a:r>
+              <a:rPr lang="de-DE" sz="3200" dirty="0"/>
+              <a:t>)</a:t>
+            </a:r>
+          </a:p>
+          <a:p>
+            <a:r>
               <a:rPr lang="de-DE" sz="3200" dirty="0" err="1"/>
               <a:t>using</a:t>
             </a:r>
@@ -5237,8 +5274,12 @@
           </a:p>
           <a:p>
             <a:r>
+              <a:rPr lang="de-DE" sz="3200" dirty="0" err="1"/>
+              <a:t>other</a:t>
+            </a:r>
+            <a:r>
               <a:rPr lang="de-DE" sz="3200" dirty="0"/>
-              <a:t>Other </a:t>
+              <a:t> </a:t>
             </a:r>
             <a:r>
               <a:rPr lang="de-DE" sz="3200" dirty="0" err="1"/>
@@ -5250,8 +5291,14 @@
             </a:r>
             <a:r>
               <a:rPr lang="de-DE" sz="3200" dirty="0" err="1"/>
-              <a:t>tecniques</a:t>
-            </a:r>
+              <a:t>techniques</a:t>
+            </a:r>
+            <a:endParaRPr lang="de-DE" sz="3200" dirty="0"/>
+          </a:p>
+          <a:p>
+            <a:pPr marL="0" indent="0">
+              <a:buNone/>
+            </a:pPr>
             <a:endParaRPr lang="de-DE" sz="3200" dirty="0"/>
           </a:p>
           <a:p>
@@ -5360,7 +5407,7 @@
           <p:cNvPr id="2" name="Title 1">
             <a:extLst>
               <a:ext uri="{FF2B5EF4-FFF2-40B4-BE49-F238E27FC236}">
-                <a16:creationId xmlns:a16="http://schemas.microsoft.com/office/drawing/2014/main" id="{A668E3F9-CC6A-1150-8163-C0F223726244}"/>
+                <a16:creationId xmlns:a16="http://schemas.microsoft.com/office/drawing/2014/main" id="{70EB6823-05B0-AB53-9FC9-C29E79FF6E9C}"/>
               </a:ext>
             </a:extLst>
           </p:cNvPr>
@@ -5378,7 +5425,7 @@
           <a:p>
             <a:r>
               <a:rPr lang="de-DE" dirty="0"/>
-              <a:t>Outlook</a:t>
+              <a:t>Sources</a:t>
             </a:r>
             <a:endParaRPr lang="en-US" dirty="0"/>
           </a:p>
@@ -5386,10 +5433,10 @@
       </p:sp>
       <p:sp>
         <p:nvSpPr>
-          <p:cNvPr id="4" name="Content Placeholder 3">
-            <a:extLst>
-              <a:ext uri="{FF2B5EF4-FFF2-40B4-BE49-F238E27FC236}">
-                <a16:creationId xmlns:a16="http://schemas.microsoft.com/office/drawing/2014/main" id="{D06F2C3D-905E-FF02-B8FF-C47927ECFA05}"/>
+          <p:cNvPr id="3" name="Content Placeholder 2">
+            <a:extLst>
+              <a:ext uri="{FF2B5EF4-FFF2-40B4-BE49-F238E27FC236}">
+                <a16:creationId xmlns:a16="http://schemas.microsoft.com/office/drawing/2014/main" id="{79DF1DD1-221A-FA77-A04E-F2226FD95B82}"/>
               </a:ext>
             </a:extLst>
           </p:cNvPr>
@@ -5402,22 +5449,24 @@
         </p:nvSpPr>
         <p:spPr/>
         <p:txBody>
-          <a:bodyPr/>
-          <a:lstStyle/>
-          <a:p>
-            <a:endParaRPr lang="de-DE" dirty="0"/>
-          </a:p>
-          <a:p>
-            <a:endParaRPr lang="de-DE" dirty="0"/>
-          </a:p>
-        </p:txBody>
-      </p:sp>
-      <p:sp>
-        <p:nvSpPr>
-          <p:cNvPr id="3" name="Rectangle: Rounded Corners 2">
-            <a:extLst>
-              <a:ext uri="{FF2B5EF4-FFF2-40B4-BE49-F238E27FC236}">
-                <a16:creationId xmlns:a16="http://schemas.microsoft.com/office/drawing/2014/main" id="{7394E24B-7171-85C4-E5F4-1C5DDB94C7FD}"/>
+          <a:bodyPr>
+            <a:normAutofit/>
+          </a:bodyPr>
+          <a:lstStyle/>
+          <a:p>
+            <a:pPr marL="0" indent="0">
+              <a:buNone/>
+            </a:pPr>
+            <a:endParaRPr lang="en-US" sz="2000" dirty="0"/>
+          </a:p>
+        </p:txBody>
+      </p:sp>
+      <p:sp>
+        <p:nvSpPr>
+          <p:cNvPr id="4" name="Rectangle: Rounded Corners 3">
+            <a:extLst>
+              <a:ext uri="{FF2B5EF4-FFF2-40B4-BE49-F238E27FC236}">
+                <a16:creationId xmlns:a16="http://schemas.microsoft.com/office/drawing/2014/main" id="{9A620A47-3344-F9A3-E8AE-3525C30E2326}"/>
               </a:ext>
             </a:extLst>
           </p:cNvPr>
@@ -5472,209 +5521,10 @@
           </a:p>
         </p:txBody>
       </p:sp>
-      <p:sp>
-        <p:nvSpPr>
-          <p:cNvPr id="5" name="Content Placeholder 3">
-            <a:extLst>
-              <a:ext uri="{FF2B5EF4-FFF2-40B4-BE49-F238E27FC236}">
-                <a16:creationId xmlns:a16="http://schemas.microsoft.com/office/drawing/2014/main" id="{0899AF5D-C732-259B-EE73-2F9C792ABD2B}"/>
-              </a:ext>
-            </a:extLst>
-          </p:cNvPr>
-          <p:cNvSpPr txBox="1">
-            <a:spLocks/>
-          </p:cNvSpPr>
-          <p:nvPr/>
-        </p:nvSpPr>
-        <p:spPr>
-          <a:xfrm>
-            <a:off x="990600" y="1978025"/>
-            <a:ext cx="10515600" cy="4351338"/>
-          </a:xfrm>
-          <a:prstGeom prst="rect">
-            <a:avLst/>
-          </a:prstGeom>
-        </p:spPr>
-        <p:txBody>
-          <a:bodyPr vert="horz" lIns="91440" tIns="45720" rIns="91440" bIns="45720" rtlCol="0">
-            <a:normAutofit/>
-          </a:bodyPr>
-          <a:lstStyle>
-            <a:lvl1pPr marL="228600" indent="-228600" algn="l" defTabSz="914400" rtl="0" eaLnBrk="1" latinLnBrk="0" hangingPunct="1">
-              <a:lnSpc>
-                <a:spcPct val="90000"/>
-              </a:lnSpc>
-              <a:spcBef>
-                <a:spcPts val="1000"/>
-              </a:spcBef>
-              <a:buFont typeface="Arial" panose="020B0604020202020204" pitchFamily="34" charset="0"/>
-              <a:buChar char="•"/>
-              <a:defRPr sz="2800" kern="1200">
-                <a:solidFill>
-                  <a:schemeClr val="tx1"/>
-                </a:solidFill>
-                <a:latin typeface="+mn-lt"/>
-                <a:ea typeface="+mn-ea"/>
-                <a:cs typeface="+mn-cs"/>
-              </a:defRPr>
-            </a:lvl1pPr>
-            <a:lvl2pPr marL="685800" indent="-228600" algn="l" defTabSz="914400" rtl="0" eaLnBrk="1" latinLnBrk="0" hangingPunct="1">
-              <a:lnSpc>
-                <a:spcPct val="90000"/>
-              </a:lnSpc>
-              <a:spcBef>
-                <a:spcPts val="500"/>
-              </a:spcBef>
-              <a:buFont typeface="Arial" panose="020B0604020202020204" pitchFamily="34" charset="0"/>
-              <a:buChar char="•"/>
-              <a:defRPr sz="2400" kern="1200">
-                <a:solidFill>
-                  <a:schemeClr val="tx1"/>
-                </a:solidFill>
-                <a:latin typeface="+mn-lt"/>
-                <a:ea typeface="+mn-ea"/>
-                <a:cs typeface="+mn-cs"/>
-              </a:defRPr>
-            </a:lvl2pPr>
-            <a:lvl3pPr marL="1143000" indent="-228600" algn="l" defTabSz="914400" rtl="0" eaLnBrk="1" latinLnBrk="0" hangingPunct="1">
-              <a:lnSpc>
-                <a:spcPct val="90000"/>
-              </a:lnSpc>
-              <a:spcBef>
-                <a:spcPts val="500"/>
-              </a:spcBef>
-              <a:buFont typeface="Arial" panose="020B0604020202020204" pitchFamily="34" charset="0"/>
-              <a:buChar char="•"/>
-              <a:defRPr sz="2000" kern="1200">
-                <a:solidFill>
-                  <a:schemeClr val="tx1"/>
-                </a:solidFill>
-                <a:latin typeface="+mn-lt"/>
-                <a:ea typeface="+mn-ea"/>
-                <a:cs typeface="+mn-cs"/>
-              </a:defRPr>
-            </a:lvl3pPr>
-            <a:lvl4pPr marL="1600200" indent="-228600" algn="l" defTabSz="914400" rtl="0" eaLnBrk="1" latinLnBrk="0" hangingPunct="1">
-              <a:lnSpc>
-                <a:spcPct val="90000"/>
-              </a:lnSpc>
-              <a:spcBef>
-                <a:spcPts val="500"/>
-              </a:spcBef>
-              <a:buFont typeface="Arial" panose="020B0604020202020204" pitchFamily="34" charset="0"/>
-              <a:buChar char="•"/>
-              <a:defRPr sz="1800" kern="1200">
-                <a:solidFill>
-                  <a:schemeClr val="tx1"/>
-                </a:solidFill>
-                <a:latin typeface="+mn-lt"/>
-                <a:ea typeface="+mn-ea"/>
-                <a:cs typeface="+mn-cs"/>
-              </a:defRPr>
-            </a:lvl4pPr>
-            <a:lvl5pPr marL="2057400" indent="-228600" algn="l" defTabSz="914400" rtl="0" eaLnBrk="1" latinLnBrk="0" hangingPunct="1">
-              <a:lnSpc>
-                <a:spcPct val="90000"/>
-              </a:lnSpc>
-              <a:spcBef>
-                <a:spcPts val="500"/>
-              </a:spcBef>
-              <a:buFont typeface="Arial" panose="020B0604020202020204" pitchFamily="34" charset="0"/>
-              <a:buChar char="•"/>
-              <a:defRPr sz="1800" kern="1200">
-                <a:solidFill>
-                  <a:schemeClr val="tx1"/>
-                </a:solidFill>
-                <a:latin typeface="+mn-lt"/>
-                <a:ea typeface="+mn-ea"/>
-                <a:cs typeface="+mn-cs"/>
-              </a:defRPr>
-            </a:lvl5pPr>
-            <a:lvl6pPr marL="2514600" indent="-228600" algn="l" defTabSz="914400" rtl="0" eaLnBrk="1" latinLnBrk="0" hangingPunct="1">
-              <a:lnSpc>
-                <a:spcPct val="90000"/>
-              </a:lnSpc>
-              <a:spcBef>
-                <a:spcPts val="500"/>
-              </a:spcBef>
-              <a:buFont typeface="Arial" panose="020B0604020202020204" pitchFamily="34" charset="0"/>
-              <a:buChar char="•"/>
-              <a:defRPr sz="1800" kern="1200">
-                <a:solidFill>
-                  <a:schemeClr val="tx1"/>
-                </a:solidFill>
-                <a:latin typeface="+mn-lt"/>
-                <a:ea typeface="+mn-ea"/>
-                <a:cs typeface="+mn-cs"/>
-              </a:defRPr>
-            </a:lvl6pPr>
-            <a:lvl7pPr marL="2971800" indent="-228600" algn="l" defTabSz="914400" rtl="0" eaLnBrk="1" latinLnBrk="0" hangingPunct="1">
-              <a:lnSpc>
-                <a:spcPct val="90000"/>
-              </a:lnSpc>
-              <a:spcBef>
-                <a:spcPts val="500"/>
-              </a:spcBef>
-              <a:buFont typeface="Arial" panose="020B0604020202020204" pitchFamily="34" charset="0"/>
-              <a:buChar char="•"/>
-              <a:defRPr sz="1800" kern="1200">
-                <a:solidFill>
-                  <a:schemeClr val="tx1"/>
-                </a:solidFill>
-                <a:latin typeface="+mn-lt"/>
-                <a:ea typeface="+mn-ea"/>
-                <a:cs typeface="+mn-cs"/>
-              </a:defRPr>
-            </a:lvl7pPr>
-            <a:lvl8pPr marL="3429000" indent="-228600" algn="l" defTabSz="914400" rtl="0" eaLnBrk="1" latinLnBrk="0" hangingPunct="1">
-              <a:lnSpc>
-                <a:spcPct val="90000"/>
-              </a:lnSpc>
-              <a:spcBef>
-                <a:spcPts val="500"/>
-              </a:spcBef>
-              <a:buFont typeface="Arial" panose="020B0604020202020204" pitchFamily="34" charset="0"/>
-              <a:buChar char="•"/>
-              <a:defRPr sz="1800" kern="1200">
-                <a:solidFill>
-                  <a:schemeClr val="tx1"/>
-                </a:solidFill>
-                <a:latin typeface="+mn-lt"/>
-                <a:ea typeface="+mn-ea"/>
-                <a:cs typeface="+mn-cs"/>
-              </a:defRPr>
-            </a:lvl8pPr>
-            <a:lvl9pPr marL="3886200" indent="-228600" algn="l" defTabSz="914400" rtl="0" eaLnBrk="1" latinLnBrk="0" hangingPunct="1">
-              <a:lnSpc>
-                <a:spcPct val="90000"/>
-              </a:lnSpc>
-              <a:spcBef>
-                <a:spcPts val="500"/>
-              </a:spcBef>
-              <a:buFont typeface="Arial" panose="020B0604020202020204" pitchFamily="34" charset="0"/>
-              <a:buChar char="•"/>
-              <a:defRPr sz="1800" kern="1200">
-                <a:solidFill>
-                  <a:schemeClr val="tx1"/>
-                </a:solidFill>
-                <a:latin typeface="+mn-lt"/>
-                <a:ea typeface="+mn-ea"/>
-                <a:cs typeface="+mn-cs"/>
-              </a:defRPr>
-            </a:lvl9pPr>
-          </a:lstStyle>
-          <a:p>
-            <a:endParaRPr lang="de-DE" sz="3200" dirty="0"/>
-          </a:p>
-          <a:p>
-            <a:endParaRPr lang="de-DE" dirty="0"/>
-          </a:p>
-        </p:txBody>
-      </p:sp>
     </p:spTree>
     <p:extLst>
       <p:ext uri="{BB962C8B-B14F-4D97-AF65-F5344CB8AC3E}">
-        <p14:creationId xmlns:p14="http://schemas.microsoft.com/office/powerpoint/2010/main" val="3477926677"/>
+        <p14:creationId xmlns:p14="http://schemas.microsoft.com/office/powerpoint/2010/main" val="1225790466"/>
       </p:ext>
     </p:extLst>
   </p:cSld>
@@ -5684,7 +5534,7 @@
 </p:sld>
 </file>
 
-<file path=ppt/slides/slide15.xml><?xml version="1.0" encoding="utf-8"?>
+<file path=ppt/slides/slide2.xml><?xml version="1.0" encoding="utf-8"?>
 <p:sld xmlns:a="http://schemas.openxmlformats.org/drawingml/2006/main" xmlns:r="http://schemas.openxmlformats.org/officeDocument/2006/relationships" xmlns:p="http://schemas.openxmlformats.org/presentationml/2006/main">
   <p:cSld>
     <p:spTree>
@@ -5706,7 +5556,7 @@
           <p:cNvPr id="2" name="Title 1">
             <a:extLst>
               <a:ext uri="{FF2B5EF4-FFF2-40B4-BE49-F238E27FC236}">
-                <a16:creationId xmlns:a16="http://schemas.microsoft.com/office/drawing/2014/main" id="{70EB6823-05B0-AB53-9FC9-C29E79FF6E9C}"/>
+                <a16:creationId xmlns:a16="http://schemas.microsoft.com/office/drawing/2014/main" id="{53BBAD25-1F9B-788B-2603-6402BBCF694C}"/>
               </a:ext>
             </a:extLst>
           </p:cNvPr>
@@ -5723,8 +5573,8 @@
           <a:lstStyle/>
           <a:p>
             <a:r>
-              <a:rPr lang="de-DE" dirty="0"/>
-              <a:t>Sources</a:t>
+              <a:rPr lang="de-DE" dirty="0" err="1"/>
+              <a:t>Overview</a:t>
             </a:r>
             <a:endParaRPr lang="en-US" dirty="0"/>
           </a:p>
@@ -5732,10 +5582,10 @@
       </p:sp>
       <p:sp>
         <p:nvSpPr>
-          <p:cNvPr id="3" name="Content Placeholder 2">
-            <a:extLst>
-              <a:ext uri="{FF2B5EF4-FFF2-40B4-BE49-F238E27FC236}">
-                <a16:creationId xmlns:a16="http://schemas.microsoft.com/office/drawing/2014/main" id="{79DF1DD1-221A-FA77-A04E-F2226FD95B82}"/>
+          <p:cNvPr id="6" name="Content Placeholder 5">
+            <a:extLst>
+              <a:ext uri="{FF2B5EF4-FFF2-40B4-BE49-F238E27FC236}">
+                <a16:creationId xmlns:a16="http://schemas.microsoft.com/office/drawing/2014/main" id="{5E120946-ABB7-63E8-2A48-60399C36549B}"/>
               </a:ext>
             </a:extLst>
           </p:cNvPr>
@@ -5748,24 +5598,73 @@
         </p:nvSpPr>
         <p:spPr/>
         <p:txBody>
-          <a:bodyPr>
-            <a:normAutofit/>
-          </a:bodyPr>
-          <a:lstStyle/>
+          <a:bodyPr/>
+          <a:lstStyle/>
+          <a:p>
+            <a:endParaRPr lang="de-DE" sz="3200" dirty="0"/>
+          </a:p>
+          <a:p>
+            <a:r>
+              <a:rPr lang="de-DE" sz="3200" dirty="0"/>
+              <a:t>Dataset (Jessie) + Intro</a:t>
+            </a:r>
+          </a:p>
+          <a:p>
+            <a:r>
+              <a:rPr lang="de-DE" sz="3200" dirty="0"/>
+              <a:t>Models: VGG16 (Maike) &amp; ResNet50 (Jessie)</a:t>
+            </a:r>
+          </a:p>
+          <a:p>
+            <a:r>
+              <a:rPr lang="de-DE" sz="3200" dirty="0"/>
+              <a:t>Image </a:t>
+            </a:r>
+            <a:r>
+              <a:rPr lang="de-DE" sz="3200" dirty="0" err="1"/>
+              <a:t>Preprocessing</a:t>
+            </a:r>
+            <a:r>
+              <a:rPr lang="de-DE" sz="3200" dirty="0"/>
+              <a:t> (Julia) &amp; Image Augmentation (Jana)</a:t>
+            </a:r>
+          </a:p>
+          <a:p>
+            <a:r>
+              <a:rPr lang="de-DE" sz="3200" dirty="0"/>
+              <a:t>Validation (Jana)</a:t>
+            </a:r>
+          </a:p>
+          <a:p>
+            <a:r>
+              <a:rPr lang="de-DE" sz="3200" dirty="0" err="1"/>
+              <a:t>Results</a:t>
+            </a:r>
+            <a:r>
+              <a:rPr lang="de-DE" sz="3200" dirty="0"/>
+              <a:t> (Maike  &amp; Julia)</a:t>
+            </a:r>
+          </a:p>
+          <a:p>
+            <a:r>
+              <a:rPr lang="de-DE" sz="3200" dirty="0"/>
+              <a:t>Outlook (Maike)</a:t>
+            </a:r>
+          </a:p>
           <a:p>
             <a:pPr marL="0" indent="0">
               <a:buNone/>
             </a:pPr>
-            <a:endParaRPr lang="en-US" sz="2000" dirty="0"/>
-          </a:p>
-        </p:txBody>
-      </p:sp>
-      <p:sp>
-        <p:nvSpPr>
-          <p:cNvPr id="4" name="Rectangle: Rounded Corners 3">
-            <a:extLst>
-              <a:ext uri="{FF2B5EF4-FFF2-40B4-BE49-F238E27FC236}">
-                <a16:creationId xmlns:a16="http://schemas.microsoft.com/office/drawing/2014/main" id="{9A620A47-3344-F9A3-E8AE-3525C30E2326}"/>
+            <a:endParaRPr lang="en-US" dirty="0"/>
+          </a:p>
+        </p:txBody>
+      </p:sp>
+      <p:sp>
+        <p:nvSpPr>
+          <p:cNvPr id="7" name="Rectangle: Rounded Corners 6">
+            <a:extLst>
+              <a:ext uri="{FF2B5EF4-FFF2-40B4-BE49-F238E27FC236}">
+                <a16:creationId xmlns:a16="http://schemas.microsoft.com/office/drawing/2014/main" id="{2FE5DFF2-05DF-B200-F0EC-7FB424EE8FFA}"/>
               </a:ext>
             </a:extLst>
           </p:cNvPr>
@@ -5823,7 +5722,7 @@
     </p:spTree>
     <p:extLst>
       <p:ext uri="{BB962C8B-B14F-4D97-AF65-F5344CB8AC3E}">
-        <p14:creationId xmlns:p14="http://schemas.microsoft.com/office/powerpoint/2010/main" val="1225790466"/>
+        <p14:creationId xmlns:p14="http://schemas.microsoft.com/office/powerpoint/2010/main" val="3385324519"/>
       </p:ext>
     </p:extLst>
   </p:cSld>
@@ -5833,7 +5732,7 @@
 </p:sld>
 </file>
 
-<file path=ppt/slides/slide2.xml><?xml version="1.0" encoding="utf-8"?>
+<file path=ppt/slides/slide3.xml><?xml version="1.0" encoding="utf-8"?>
 <p:sld xmlns:a="http://schemas.openxmlformats.org/drawingml/2006/main" xmlns:r="http://schemas.openxmlformats.org/officeDocument/2006/relationships" xmlns:p="http://schemas.openxmlformats.org/presentationml/2006/main">
   <p:cSld>
     <p:spTree>
@@ -5872,8 +5771,8 @@
           <a:lstStyle/>
           <a:p>
             <a:r>
-              <a:rPr lang="de-DE" dirty="0" err="1"/>
-              <a:t>Overview</a:t>
+              <a:rPr lang="de-DE" dirty="0"/>
+              <a:t>Dataset</a:t>
             </a:r>
             <a:endParaRPr lang="en-US" dirty="0"/>
           </a:p>
@@ -5900,57 +5799,6 @@
           <a:bodyPr/>
           <a:lstStyle/>
           <a:p>
-            <a:endParaRPr lang="de-DE" sz="3200" dirty="0"/>
-          </a:p>
-          <a:p>
-            <a:r>
-              <a:rPr lang="de-DE" sz="3200" dirty="0"/>
-              <a:t>Dataset (Jessie) + Intro</a:t>
-            </a:r>
-          </a:p>
-          <a:p>
-            <a:r>
-              <a:rPr lang="de-DE" sz="3200" dirty="0"/>
-              <a:t>Models: VGG16 (Maike) &amp; ResNet50 (Jessie)</a:t>
-            </a:r>
-          </a:p>
-          <a:p>
-            <a:r>
-              <a:rPr lang="de-DE" sz="3200" dirty="0"/>
-              <a:t>Image </a:t>
-            </a:r>
-            <a:r>
-              <a:rPr lang="de-DE" sz="3200" dirty="0" err="1"/>
-              <a:t>Preprocessing</a:t>
-            </a:r>
-            <a:r>
-              <a:rPr lang="de-DE" sz="3200" dirty="0"/>
-              <a:t> (Julia) &amp; Image Augmentation (Jana)</a:t>
-            </a:r>
-          </a:p>
-          <a:p>
-            <a:r>
-              <a:rPr lang="de-DE" sz="3200" dirty="0"/>
-              <a:t>Validation (Jana)</a:t>
-            </a:r>
-          </a:p>
-          <a:p>
-            <a:r>
-              <a:rPr lang="de-DE" sz="3200" dirty="0" err="1"/>
-              <a:t>Results</a:t>
-            </a:r>
-            <a:r>
-              <a:rPr lang="de-DE" sz="3200" dirty="0"/>
-              <a:t> (Maike  &amp; Julia)</a:t>
-            </a:r>
-          </a:p>
-          <a:p>
-            <a:r>
-              <a:rPr lang="de-DE" sz="3200" dirty="0"/>
-              <a:t>Outlook (Maike)</a:t>
-            </a:r>
-          </a:p>
-          <a:p>
             <a:pPr marL="0" indent="0">
               <a:buNone/>
             </a:pPr>
@@ -5960,10 +5808,10 @@
       </p:sp>
       <p:sp>
         <p:nvSpPr>
-          <p:cNvPr id="7" name="Rectangle: Rounded Corners 6">
-            <a:extLst>
-              <a:ext uri="{FF2B5EF4-FFF2-40B4-BE49-F238E27FC236}">
-                <a16:creationId xmlns:a16="http://schemas.microsoft.com/office/drawing/2014/main" id="{2FE5DFF2-05DF-B200-F0EC-7FB424EE8FFA}"/>
+          <p:cNvPr id="3" name="Rectangle: Rounded Corners 2">
+            <a:extLst>
+              <a:ext uri="{FF2B5EF4-FFF2-40B4-BE49-F238E27FC236}">
+                <a16:creationId xmlns:a16="http://schemas.microsoft.com/office/drawing/2014/main" id="{24BF746F-7BD9-BAE2-F10C-1DD552AB0D48}"/>
               </a:ext>
             </a:extLst>
           </p:cNvPr>
@@ -6021,7 +5869,7 @@
     </p:spTree>
     <p:extLst>
       <p:ext uri="{BB962C8B-B14F-4D97-AF65-F5344CB8AC3E}">
-        <p14:creationId xmlns:p14="http://schemas.microsoft.com/office/powerpoint/2010/main" val="3385324519"/>
+        <p14:creationId xmlns:p14="http://schemas.microsoft.com/office/powerpoint/2010/main" val="3670903543"/>
       </p:ext>
     </p:extLst>
   </p:cSld>
@@ -6031,7 +5879,7 @@
 </p:sld>
 </file>
 
-<file path=ppt/slides/slide3.xml><?xml version="1.0" encoding="utf-8"?>
+<file path=ppt/slides/slide4.xml><?xml version="1.0" encoding="utf-8"?>
 <p:sld xmlns:a="http://schemas.openxmlformats.org/drawingml/2006/main" xmlns:r="http://schemas.openxmlformats.org/officeDocument/2006/relationships" xmlns:p="http://schemas.openxmlformats.org/presentationml/2006/main">
   <p:cSld>
     <p:spTree>
@@ -6071,7 +5919,14 @@
           <a:p>
             <a:r>
               <a:rPr lang="de-DE" dirty="0"/>
-              <a:t>Dataset</a:t>
+              <a:t>Models</a:t>
+            </a:r>
+            <a:br>
+              <a:rPr lang="de-DE" dirty="0"/>
+            </a:br>
+            <a:r>
+              <a:rPr lang="de-DE" dirty="0"/>
+              <a:t>ResNet50</a:t>
             </a:r>
             <a:endParaRPr lang="en-US" dirty="0"/>
           </a:p>
@@ -6110,7 +5965,7 @@
           <p:cNvPr id="3" name="Rectangle: Rounded Corners 2">
             <a:extLst>
               <a:ext uri="{FF2B5EF4-FFF2-40B4-BE49-F238E27FC236}">
-                <a16:creationId xmlns:a16="http://schemas.microsoft.com/office/drawing/2014/main" id="{24BF746F-7BD9-BAE2-F10C-1DD552AB0D48}"/>
+                <a16:creationId xmlns:a16="http://schemas.microsoft.com/office/drawing/2014/main" id="{4AF6311D-D296-C3D0-7C8D-08EB7AFDC29B}"/>
               </a:ext>
             </a:extLst>
           </p:cNvPr>
@@ -6168,7 +6023,7 @@
     </p:spTree>
     <p:extLst>
       <p:ext uri="{BB962C8B-B14F-4D97-AF65-F5344CB8AC3E}">
-        <p14:creationId xmlns:p14="http://schemas.microsoft.com/office/powerpoint/2010/main" val="3670903543"/>
+        <p14:creationId xmlns:p14="http://schemas.microsoft.com/office/powerpoint/2010/main" val="2159325909"/>
       </p:ext>
     </p:extLst>
   </p:cSld>
@@ -6178,7 +6033,7 @@
 </p:sld>
 </file>
 
-<file path=ppt/slides/slide4.xml><?xml version="1.0" encoding="utf-8"?>
+<file path=ppt/slides/slide5.xml><?xml version="1.0" encoding="utf-8"?>
 <p:sld xmlns:a="http://schemas.openxmlformats.org/drawingml/2006/main" xmlns:r="http://schemas.openxmlformats.org/officeDocument/2006/relationships" xmlns:p="http://schemas.openxmlformats.org/presentationml/2006/main">
   <p:cSld>
     <p:spTree>
@@ -6225,7 +6080,7 @@
             </a:br>
             <a:r>
               <a:rPr lang="de-DE" dirty="0"/>
-              <a:t>ResNet50</a:t>
+              <a:t>VGG16</a:t>
             </a:r>
             <a:endParaRPr lang="en-US" dirty="0"/>
           </a:p>
@@ -6233,38 +6088,10 @@
       </p:sp>
       <p:sp>
         <p:nvSpPr>
-          <p:cNvPr id="6" name="Content Placeholder 5">
-            <a:extLst>
-              <a:ext uri="{FF2B5EF4-FFF2-40B4-BE49-F238E27FC236}">
-                <a16:creationId xmlns:a16="http://schemas.microsoft.com/office/drawing/2014/main" id="{5E120946-ABB7-63E8-2A48-60399C36549B}"/>
-              </a:ext>
-            </a:extLst>
-          </p:cNvPr>
-          <p:cNvSpPr>
-            <a:spLocks noGrp="1"/>
-          </p:cNvSpPr>
-          <p:nvPr>
-            <p:ph idx="1"/>
-          </p:nvPr>
-        </p:nvSpPr>
-        <p:spPr/>
-        <p:txBody>
-          <a:bodyPr/>
-          <a:lstStyle/>
-          <a:p>
-            <a:pPr marL="0" indent="0">
-              <a:buNone/>
-            </a:pPr>
-            <a:endParaRPr lang="en-US" dirty="0"/>
-          </a:p>
-        </p:txBody>
-      </p:sp>
-      <p:sp>
-        <p:nvSpPr>
           <p:cNvPr id="3" name="Rectangle: Rounded Corners 2">
             <a:extLst>
               <a:ext uri="{FF2B5EF4-FFF2-40B4-BE49-F238E27FC236}">
-                <a16:creationId xmlns:a16="http://schemas.microsoft.com/office/drawing/2014/main" id="{4AF6311D-D296-C3D0-7C8D-08EB7AFDC29B}"/>
+                <a16:creationId xmlns:a16="http://schemas.microsoft.com/office/drawing/2014/main" id="{FCA5B806-6BAC-4581-DCFF-2D10B4C9247C}"/>
               </a:ext>
             </a:extLst>
           </p:cNvPr>
@@ -6319,132 +6146,6 @@
           </a:p>
         </p:txBody>
       </p:sp>
-    </p:spTree>
-    <p:extLst>
-      <p:ext uri="{BB962C8B-B14F-4D97-AF65-F5344CB8AC3E}">
-        <p14:creationId xmlns:p14="http://schemas.microsoft.com/office/powerpoint/2010/main" val="2159325909"/>
-      </p:ext>
-    </p:extLst>
-  </p:cSld>
-  <p:clrMapOvr>
-    <a:masterClrMapping/>
-  </p:clrMapOvr>
-</p:sld>
-</file>
-
-<file path=ppt/slides/slide5.xml><?xml version="1.0" encoding="utf-8"?>
-<p:sld xmlns:a="http://schemas.openxmlformats.org/drawingml/2006/main" xmlns:r="http://schemas.openxmlformats.org/officeDocument/2006/relationships" xmlns:p="http://schemas.openxmlformats.org/presentationml/2006/main">
-  <p:cSld>
-    <p:spTree>
-      <p:nvGrpSpPr>
-        <p:cNvPr id="1" name=""/>
-        <p:cNvGrpSpPr/>
-        <p:nvPr/>
-      </p:nvGrpSpPr>
-      <p:grpSpPr>
-        <a:xfrm>
-          <a:off x="0" y="0"/>
-          <a:ext cx="0" cy="0"/>
-          <a:chOff x="0" y="0"/>
-          <a:chExt cx="0" cy="0"/>
-        </a:xfrm>
-      </p:grpSpPr>
-      <p:sp>
-        <p:nvSpPr>
-          <p:cNvPr id="2" name="Title 1">
-            <a:extLst>
-              <a:ext uri="{FF2B5EF4-FFF2-40B4-BE49-F238E27FC236}">
-                <a16:creationId xmlns:a16="http://schemas.microsoft.com/office/drawing/2014/main" id="{53BBAD25-1F9B-788B-2603-6402BBCF694C}"/>
-              </a:ext>
-            </a:extLst>
-          </p:cNvPr>
-          <p:cNvSpPr>
-            <a:spLocks noGrp="1"/>
-          </p:cNvSpPr>
-          <p:nvPr>
-            <p:ph type="title"/>
-          </p:nvPr>
-        </p:nvSpPr>
-        <p:spPr/>
-        <p:txBody>
-          <a:bodyPr/>
-          <a:lstStyle/>
-          <a:p>
-            <a:r>
-              <a:rPr lang="de-DE" dirty="0"/>
-              <a:t>Models</a:t>
-            </a:r>
-            <a:br>
-              <a:rPr lang="de-DE" dirty="0"/>
-            </a:br>
-            <a:r>
-              <a:rPr lang="de-DE" dirty="0"/>
-              <a:t>VGG16</a:t>
-            </a:r>
-            <a:endParaRPr lang="en-US" dirty="0"/>
-          </a:p>
-        </p:txBody>
-      </p:sp>
-      <p:sp>
-        <p:nvSpPr>
-          <p:cNvPr id="3" name="Rectangle: Rounded Corners 2">
-            <a:extLst>
-              <a:ext uri="{FF2B5EF4-FFF2-40B4-BE49-F238E27FC236}">
-                <a16:creationId xmlns:a16="http://schemas.microsoft.com/office/drawing/2014/main" id="{FCA5B806-6BAC-4581-DCFF-2D10B4C9247C}"/>
-              </a:ext>
-            </a:extLst>
-          </p:cNvPr>
-          <p:cNvSpPr/>
-          <p:nvPr/>
-        </p:nvSpPr>
-        <p:spPr>
-          <a:xfrm>
-            <a:off x="0" y="1712437"/>
-            <a:ext cx="8845420" cy="45719"/>
-          </a:xfrm>
-          <a:prstGeom prst="roundRect">
-            <a:avLst/>
-          </a:prstGeom>
-          <a:solidFill>
-            <a:schemeClr val="accent5">
-              <a:lumMod val="40000"/>
-              <a:lumOff val="60000"/>
-            </a:schemeClr>
-          </a:solidFill>
-          <a:ln>
-            <a:solidFill>
-              <a:schemeClr val="accent5">
-                <a:lumMod val="40000"/>
-                <a:lumOff val="60000"/>
-              </a:schemeClr>
-            </a:solidFill>
-          </a:ln>
-        </p:spPr>
-        <p:style>
-          <a:lnRef idx="2">
-            <a:schemeClr val="accent1">
-              <a:shade val="15000"/>
-            </a:schemeClr>
-          </a:lnRef>
-          <a:fillRef idx="1">
-            <a:schemeClr val="accent1"/>
-          </a:fillRef>
-          <a:effectRef idx="0">
-            <a:schemeClr val="accent1"/>
-          </a:effectRef>
-          <a:fontRef idx="minor">
-            <a:schemeClr val="lt1"/>
-          </a:fontRef>
-        </p:style>
-        <p:txBody>
-          <a:bodyPr rtlCol="0" anchor="ctr"/>
-          <a:lstStyle/>
-          <a:p>
-            <a:pPr algn="ctr"/>
-            <a:endParaRPr lang="en-US"/>
-          </a:p>
-        </p:txBody>
-      </p:sp>
       <p:sp>
         <p:nvSpPr>
           <p:cNvPr id="4" name="Rectangle: Rounded Corners 3">
@@ -6466,14 +6167,14 @@
             <a:avLst/>
           </a:prstGeom>
           <a:solidFill>
-            <a:schemeClr val="accent5">
+            <a:schemeClr val="accent3">
               <a:lumMod val="40000"/>
               <a:lumOff val="60000"/>
             </a:schemeClr>
           </a:solidFill>
           <a:ln>
             <a:solidFill>
-              <a:schemeClr val="accent5">
+              <a:schemeClr val="accent3">
                 <a:lumMod val="40000"/>
                 <a:lumOff val="60000"/>
               </a:schemeClr>
@@ -6754,14 +6455,14 @@
             <a:avLst/>
           </a:prstGeom>
           <a:solidFill>
-            <a:schemeClr val="accent5">
+            <a:schemeClr val="accent2">
               <a:lumMod val="40000"/>
               <a:lumOff val="60000"/>
             </a:schemeClr>
           </a:solidFill>
           <a:ln>
             <a:solidFill>
-              <a:schemeClr val="accent5">
+              <a:schemeClr val="accent2">
                 <a:lumMod val="40000"/>
                 <a:lumOff val="60000"/>
               </a:schemeClr>
@@ -6843,7 +6544,7 @@
         </p:nvSpPr>
         <p:spPr>
           <a:xfrm>
-            <a:off x="1174386" y="4730513"/>
+            <a:off x="1066632" y="4730513"/>
             <a:ext cx="856325" cy="369332"/>
           </a:xfrm>
           <a:prstGeom prst="rect">
@@ -6879,7 +6580,7 @@
         </p:nvSpPr>
         <p:spPr>
           <a:xfrm>
-            <a:off x="2739508" y="4730513"/>
+            <a:off x="2583216" y="4741108"/>
             <a:ext cx="856325" cy="369332"/>
           </a:xfrm>
           <a:prstGeom prst="rect">
@@ -7222,14 +6923,14 @@
             <a:avLst/>
           </a:prstGeom>
           <a:solidFill>
-            <a:schemeClr val="accent5">
+            <a:schemeClr val="accent2">
               <a:lumMod val="40000"/>
               <a:lumOff val="60000"/>
             </a:schemeClr>
           </a:solidFill>
           <a:ln>
             <a:solidFill>
-              <a:schemeClr val="accent5">
+              <a:schemeClr val="accent2">
                 <a:lumMod val="40000"/>
                 <a:lumOff val="60000"/>
               </a:schemeClr>
@@ -7510,14 +7211,14 @@
             <a:avLst/>
           </a:prstGeom>
           <a:solidFill>
-            <a:schemeClr val="accent5">
+            <a:schemeClr val="accent2">
               <a:lumMod val="40000"/>
               <a:lumOff val="60000"/>
             </a:schemeClr>
           </a:solidFill>
           <a:ln>
             <a:solidFill>
-              <a:schemeClr val="accent5">
+              <a:schemeClr val="accent2">
                 <a:lumMod val="40000"/>
                 <a:lumOff val="60000"/>
               </a:schemeClr>
@@ -7894,14 +7595,14 @@
             <a:avLst/>
           </a:prstGeom>
           <a:solidFill>
-            <a:schemeClr val="accent5">
+            <a:schemeClr val="accent2">
               <a:lumMod val="40000"/>
               <a:lumOff val="60000"/>
             </a:schemeClr>
           </a:solidFill>
           <a:ln>
             <a:solidFill>
-              <a:schemeClr val="accent5">
+              <a:schemeClr val="accent2">
                 <a:lumMod val="40000"/>
                 <a:lumOff val="60000"/>
               </a:schemeClr>
@@ -8278,14 +7979,14 @@
             <a:avLst/>
           </a:prstGeom>
           <a:solidFill>
-            <a:schemeClr val="accent5">
+            <a:schemeClr val="accent2">
               <a:lumMod val="40000"/>
               <a:lumOff val="60000"/>
             </a:schemeClr>
           </a:solidFill>
           <a:ln>
             <a:solidFill>
-              <a:schemeClr val="accent5">
+              <a:schemeClr val="accent2">
                 <a:lumMod val="40000"/>
                 <a:lumOff val="60000"/>
               </a:schemeClr>
@@ -8566,14 +8267,14 @@
             <a:avLst/>
           </a:prstGeom>
           <a:solidFill>
-            <a:schemeClr val="accent5">
+            <a:schemeClr val="accent2">
               <a:lumMod val="40000"/>
               <a:lumOff val="60000"/>
             </a:schemeClr>
           </a:solidFill>
           <a:ln>
             <a:solidFill>
-              <a:schemeClr val="accent5">
+              <a:schemeClr val="accent2">
                 <a:lumMod val="40000"/>
                 <a:lumOff val="60000"/>
               </a:schemeClr>
@@ -8601,7 +8302,14 @@
           <a:lstStyle/>
           <a:p>
             <a:pPr algn="ctr"/>
-            <a:endParaRPr lang="en-US" dirty="0"/>
+            <a:endParaRPr lang="en-US" dirty="0">
+              <a:solidFill>
+                <a:schemeClr val="accent1">
+                  <a:lumMod val="40000"/>
+                  <a:lumOff val="60000"/>
+                </a:schemeClr>
+              </a:solidFill>
+            </a:endParaRPr>
           </a:p>
         </p:txBody>
       </p:sp>
@@ -8662,14 +8370,14 @@
             <a:avLst/>
           </a:prstGeom>
           <a:solidFill>
-            <a:schemeClr val="accent5">
+            <a:schemeClr val="accent3">
               <a:lumMod val="40000"/>
               <a:lumOff val="60000"/>
             </a:schemeClr>
           </a:solidFill>
           <a:ln>
             <a:solidFill>
-              <a:schemeClr val="accent5">
+              <a:schemeClr val="accent3">
                 <a:lumMod val="40000"/>
                 <a:lumOff val="60000"/>
               </a:schemeClr>

--- a/GroupProject_finalPresentation.pptx
+++ b/GroupProject_finalPresentation.pptx
@@ -7,8 +7,8 @@
   <p:sldIdLst>
     <p:sldId id="256" r:id="rId2"/>
     <p:sldId id="257" r:id="rId3"/>
-    <p:sldId id="262" r:id="rId4"/>
-    <p:sldId id="263" r:id="rId5"/>
+    <p:sldId id="274" r:id="rId4"/>
+    <p:sldId id="275" r:id="rId5"/>
     <p:sldId id="264" r:id="rId6"/>
     <p:sldId id="265" r:id="rId7"/>
     <p:sldId id="266" r:id="rId8"/>
@@ -272,7 +272,7 @@
           <a:p>
             <a:fld id="{5F9653FF-D360-4055-A1AD-EFD273E9400B}" type="datetimeFigureOut">
               <a:rPr lang="en-US" smtClean="0"/>
-              <a:t>1/29/2024</a:t>
+              <a:t>1/29/24</a:t>
             </a:fld>
             <a:endParaRPr lang="en-US"/>
           </a:p>
@@ -470,7 +470,7 @@
           <a:p>
             <a:fld id="{5F9653FF-D360-4055-A1AD-EFD273E9400B}" type="datetimeFigureOut">
               <a:rPr lang="en-US" smtClean="0"/>
-              <a:t>1/29/2024</a:t>
+              <a:t>1/29/24</a:t>
             </a:fld>
             <a:endParaRPr lang="en-US"/>
           </a:p>
@@ -678,7 +678,7 @@
           <a:p>
             <a:fld id="{5F9653FF-D360-4055-A1AD-EFD273E9400B}" type="datetimeFigureOut">
               <a:rPr lang="en-US" smtClean="0"/>
-              <a:t>1/29/2024</a:t>
+              <a:t>1/29/24</a:t>
             </a:fld>
             <a:endParaRPr lang="en-US"/>
           </a:p>
@@ -876,7 +876,7 @@
           <a:p>
             <a:fld id="{5F9653FF-D360-4055-A1AD-EFD273E9400B}" type="datetimeFigureOut">
               <a:rPr lang="en-US" smtClean="0"/>
-              <a:t>1/29/2024</a:t>
+              <a:t>1/29/24</a:t>
             </a:fld>
             <a:endParaRPr lang="en-US"/>
           </a:p>
@@ -1151,7 +1151,7 @@
           <a:p>
             <a:fld id="{5F9653FF-D360-4055-A1AD-EFD273E9400B}" type="datetimeFigureOut">
               <a:rPr lang="en-US" smtClean="0"/>
-              <a:t>1/29/2024</a:t>
+              <a:t>1/29/24</a:t>
             </a:fld>
             <a:endParaRPr lang="en-US"/>
           </a:p>
@@ -1416,7 +1416,7 @@
           <a:p>
             <a:fld id="{5F9653FF-D360-4055-A1AD-EFD273E9400B}" type="datetimeFigureOut">
               <a:rPr lang="en-US" smtClean="0"/>
-              <a:t>1/29/2024</a:t>
+              <a:t>1/29/24</a:t>
             </a:fld>
             <a:endParaRPr lang="en-US"/>
           </a:p>
@@ -1828,7 +1828,7 @@
           <a:p>
             <a:fld id="{5F9653FF-D360-4055-A1AD-EFD273E9400B}" type="datetimeFigureOut">
               <a:rPr lang="en-US" smtClean="0"/>
-              <a:t>1/29/2024</a:t>
+              <a:t>1/29/24</a:t>
             </a:fld>
             <a:endParaRPr lang="en-US"/>
           </a:p>
@@ -1969,7 +1969,7 @@
           <a:p>
             <a:fld id="{5F9653FF-D360-4055-A1AD-EFD273E9400B}" type="datetimeFigureOut">
               <a:rPr lang="en-US" smtClean="0"/>
-              <a:t>1/29/2024</a:t>
+              <a:t>1/29/24</a:t>
             </a:fld>
             <a:endParaRPr lang="en-US"/>
           </a:p>
@@ -2082,7 +2082,7 @@
           <a:p>
             <a:fld id="{5F9653FF-D360-4055-A1AD-EFD273E9400B}" type="datetimeFigureOut">
               <a:rPr lang="en-US" smtClean="0"/>
-              <a:t>1/29/2024</a:t>
+              <a:t>1/29/24</a:t>
             </a:fld>
             <a:endParaRPr lang="en-US"/>
           </a:p>
@@ -2393,7 +2393,7 @@
           <a:p>
             <a:fld id="{5F9653FF-D360-4055-A1AD-EFD273E9400B}" type="datetimeFigureOut">
               <a:rPr lang="en-US" smtClean="0"/>
-              <a:t>1/29/2024</a:t>
+              <a:t>1/29/24</a:t>
             </a:fld>
             <a:endParaRPr lang="en-US"/>
           </a:p>
@@ -2681,7 +2681,7 @@
           <a:p>
             <a:fld id="{5F9653FF-D360-4055-A1AD-EFD273E9400B}" type="datetimeFigureOut">
               <a:rPr lang="en-US" smtClean="0"/>
-              <a:t>1/29/2024</a:t>
+              <a:t>1/29/24</a:t>
             </a:fld>
             <a:endParaRPr lang="en-US"/>
           </a:p>
@@ -2922,7 +2922,7 @@
           <a:p>
             <a:fld id="{5F9653FF-D360-4055-A1AD-EFD273E9400B}" type="datetimeFigureOut">
               <a:rPr lang="en-US" smtClean="0"/>
-              <a:t>1/29/2024</a:t>
+              <a:t>1/29/24</a:t>
             </a:fld>
             <a:endParaRPr lang="en-US"/>
           </a:p>
@@ -3432,7 +3432,7 @@
             </a:r>
             <a:r>
               <a:rPr lang="de-DE" sz="4400" dirty="0"/>
-              <a:t> Cancer Image Data Classification</a:t>
+              <a:t> Cancer Image Classification</a:t>
             </a:r>
             <a:br>
               <a:rPr lang="de-DE" sz="4400" dirty="0"/>
@@ -3471,7 +3471,7 @@
           <a:p>
             <a:r>
               <a:rPr lang="de-DE" dirty="0"/>
-              <a:t>Group Q: Jana Hoffmann, Jessy </a:t>
+              <a:t>Group Q: Jana Hoffmann, Jessie </a:t>
             </a:r>
             <a:r>
               <a:rPr lang="de-DE" dirty="0" err="1"/>
@@ -5780,34 +5780,6 @@
       </p:sp>
       <p:sp>
         <p:nvSpPr>
-          <p:cNvPr id="6" name="Content Placeholder 5">
-            <a:extLst>
-              <a:ext uri="{FF2B5EF4-FFF2-40B4-BE49-F238E27FC236}">
-                <a16:creationId xmlns:a16="http://schemas.microsoft.com/office/drawing/2014/main" id="{5E120946-ABB7-63E8-2A48-60399C36549B}"/>
-              </a:ext>
-            </a:extLst>
-          </p:cNvPr>
-          <p:cNvSpPr>
-            <a:spLocks noGrp="1"/>
-          </p:cNvSpPr>
-          <p:nvPr>
-            <p:ph idx="1"/>
-          </p:nvPr>
-        </p:nvSpPr>
-        <p:spPr/>
-        <p:txBody>
-          <a:bodyPr/>
-          <a:lstStyle/>
-          <a:p>
-            <a:pPr marL="0" indent="0">
-              <a:buNone/>
-            </a:pPr>
-            <a:endParaRPr lang="en-US" dirty="0"/>
-          </a:p>
-        </p:txBody>
-      </p:sp>
-      <p:sp>
-        <p:nvSpPr>
           <p:cNvPr id="3" name="Rectangle: Rounded Corners 2">
             <a:extLst>
               <a:ext uri="{FF2B5EF4-FFF2-40B4-BE49-F238E27FC236}">
@@ -5866,10 +5838,192 @@
           </a:p>
         </p:txBody>
       </p:sp>
+      <p:sp>
+        <p:nvSpPr>
+          <p:cNvPr id="4" name="Content Placeholder 5">
+            <a:extLst>
+              <a:ext uri="{FF2B5EF4-FFF2-40B4-BE49-F238E27FC236}">
+                <a16:creationId xmlns:a16="http://schemas.microsoft.com/office/drawing/2014/main" id="{D63FA5D8-3E78-7F6C-740F-F3144F97F7DF}"/>
+              </a:ext>
+            </a:extLst>
+          </p:cNvPr>
+          <p:cNvSpPr>
+            <a:spLocks noGrp="1"/>
+          </p:cNvSpPr>
+          <p:nvPr>
+            <p:ph idx="1"/>
+          </p:nvPr>
+        </p:nvSpPr>
+        <p:spPr/>
+        <p:txBody>
+          <a:bodyPr/>
+          <a:lstStyle/>
+          <a:p>
+            <a:r>
+              <a:rPr lang="en-US" dirty="0"/>
+              <a:t>CBIS-DDSM</a:t>
+            </a:r>
+          </a:p>
+          <a:p>
+            <a:pPr lvl="1"/>
+            <a:r>
+              <a:rPr lang="en-US" dirty="0"/>
+              <a:t>753 calcification cases</a:t>
+            </a:r>
+          </a:p>
+          <a:p>
+            <a:pPr lvl="2"/>
+            <a:r>
+              <a:rPr lang="en-US" dirty="0"/>
+              <a:t>414 benign</a:t>
+            </a:r>
+          </a:p>
+          <a:p>
+            <a:pPr lvl="2"/>
+            <a:r>
+              <a:rPr lang="en-US" dirty="0"/>
+              <a:t>339 malignant</a:t>
+            </a:r>
+          </a:p>
+          <a:p>
+            <a:pPr lvl="1"/>
+            <a:r>
+              <a:rPr lang="en-US" dirty="0"/>
+              <a:t>891 mass cases</a:t>
+            </a:r>
+          </a:p>
+          <a:p>
+            <a:pPr lvl="2"/>
+            <a:r>
+              <a:rPr lang="en-US" dirty="0"/>
+              <a:t>472 benign</a:t>
+            </a:r>
+          </a:p>
+          <a:p>
+            <a:pPr lvl="2"/>
+            <a:r>
+              <a:rPr lang="en-US" dirty="0"/>
+              <a:t>419 malignant</a:t>
+            </a:r>
+          </a:p>
+        </p:txBody>
+      </p:sp>
+      <p:pic>
+        <p:nvPicPr>
+          <p:cNvPr id="5" name="Picture 4">
+            <a:extLst>
+              <a:ext uri="{FF2B5EF4-FFF2-40B4-BE49-F238E27FC236}">
+                <a16:creationId xmlns:a16="http://schemas.microsoft.com/office/drawing/2014/main" id="{9C973056-A1F2-BB9F-7C26-CFF4261EE0B2}"/>
+              </a:ext>
+            </a:extLst>
+          </p:cNvPr>
+          <p:cNvPicPr>
+            <a:picLocks noChangeAspect="1"/>
+          </p:cNvPicPr>
+          <p:nvPr/>
+        </p:nvPicPr>
+        <p:blipFill>
+          <a:blip r:embed="rId2"/>
+          <a:stretch>
+            <a:fillRect/>
+          </a:stretch>
+        </p:blipFill>
+        <p:spPr>
+          <a:xfrm>
+            <a:off x="1482968" y="4464783"/>
+            <a:ext cx="9010148" cy="2143613"/>
+          </a:xfrm>
+          <a:prstGeom prst="rect">
+            <a:avLst/>
+          </a:prstGeom>
+        </p:spPr>
+      </p:pic>
+      <p:sp>
+        <p:nvSpPr>
+          <p:cNvPr id="7" name="TextBox 6">
+            <a:extLst>
+              <a:ext uri="{FF2B5EF4-FFF2-40B4-BE49-F238E27FC236}">
+                <a16:creationId xmlns:a16="http://schemas.microsoft.com/office/drawing/2014/main" id="{F6C7BDED-B0E1-D543-85D5-E9C6C0E32F7D}"/>
+              </a:ext>
+            </a:extLst>
+          </p:cNvPr>
+          <p:cNvSpPr txBox="1"/>
+          <p:nvPr/>
+        </p:nvSpPr>
+        <p:spPr>
+          <a:xfrm>
+            <a:off x="1576753" y="6561504"/>
+            <a:ext cx="1579984" cy="276999"/>
+          </a:xfrm>
+          <a:prstGeom prst="rect">
+            <a:avLst/>
+          </a:prstGeom>
+          <a:noFill/>
+        </p:spPr>
+        <p:txBody>
+          <a:bodyPr wrap="none" rtlCol="0">
+            <a:spAutoFit/>
+          </a:bodyPr>
+          <a:lstStyle/>
+          <a:p>
+            <a:r>
+              <a:rPr lang="en-ZA" sz="1200" dirty="0">
+                <a:solidFill>
+                  <a:schemeClr val="bg1">
+                    <a:lumMod val="50000"/>
+                  </a:schemeClr>
+                </a:solidFill>
+                <a:effectLst/>
+              </a:rPr>
+              <a:t>(</a:t>
+            </a:r>
+            <a:r>
+              <a:rPr lang="en-ZA" sz="1200" dirty="0" err="1">
+                <a:solidFill>
+                  <a:schemeClr val="bg1">
+                    <a:lumMod val="50000"/>
+                  </a:schemeClr>
+                </a:solidFill>
+                <a:effectLst/>
+              </a:rPr>
+              <a:t>Montaha</a:t>
+            </a:r>
+            <a:r>
+              <a:rPr lang="en-ZA" sz="1200" dirty="0">
+                <a:solidFill>
+                  <a:schemeClr val="bg1">
+                    <a:lumMod val="50000"/>
+                  </a:schemeClr>
+                </a:solidFill>
+                <a:effectLst/>
+              </a:rPr>
+              <a:t> </a:t>
+            </a:r>
+            <a:r>
+              <a:rPr lang="en-US" sz="1200" dirty="0">
+                <a:solidFill>
+                  <a:schemeClr val="bg1">
+                    <a:lumMod val="50000"/>
+                  </a:schemeClr>
+                </a:solidFill>
+                <a:effectLst/>
+              </a:rPr>
+              <a:t>et al., 2021)</a:t>
+            </a:r>
+            <a:endParaRPr lang="en-ZA" sz="1200" dirty="0">
+              <a:solidFill>
+                <a:schemeClr val="bg1">
+                  <a:lumMod val="50000"/>
+                </a:schemeClr>
+              </a:solidFill>
+            </a:endParaRPr>
+          </a:p>
+        </p:txBody>
+      </p:sp>
     </p:spTree>
     <p:extLst>
       <p:ext uri="{BB962C8B-B14F-4D97-AF65-F5344CB8AC3E}">
-        <p14:creationId xmlns:p14="http://schemas.microsoft.com/office/powerpoint/2010/main" val="3670903543"/>
+        <p14:creationId xmlns:p14="http://schemas.microsoft.com/office/powerpoint/2010/main" val="1513007351"/>
       </p:ext>
     </p:extLst>
   </p:cSld>
@@ -5898,74 +6052,10 @@
       </p:grpSpPr>
       <p:sp>
         <p:nvSpPr>
-          <p:cNvPr id="2" name="Title 1">
-            <a:extLst>
-              <a:ext uri="{FF2B5EF4-FFF2-40B4-BE49-F238E27FC236}">
-                <a16:creationId xmlns:a16="http://schemas.microsoft.com/office/drawing/2014/main" id="{53BBAD25-1F9B-788B-2603-6402BBCF694C}"/>
-              </a:ext>
-            </a:extLst>
-          </p:cNvPr>
-          <p:cNvSpPr>
-            <a:spLocks noGrp="1"/>
-          </p:cNvSpPr>
-          <p:nvPr>
-            <p:ph type="title"/>
-          </p:nvPr>
-        </p:nvSpPr>
-        <p:spPr/>
-        <p:txBody>
-          <a:bodyPr/>
-          <a:lstStyle/>
-          <a:p>
-            <a:r>
-              <a:rPr lang="de-DE" dirty="0"/>
-              <a:t>Models</a:t>
-            </a:r>
-            <a:br>
-              <a:rPr lang="de-DE" dirty="0"/>
-            </a:br>
-            <a:r>
-              <a:rPr lang="de-DE" dirty="0"/>
-              <a:t>ResNet50</a:t>
-            </a:r>
-            <a:endParaRPr lang="en-US" dirty="0"/>
-          </a:p>
-        </p:txBody>
-      </p:sp>
-      <p:sp>
-        <p:nvSpPr>
-          <p:cNvPr id="6" name="Content Placeholder 5">
-            <a:extLst>
-              <a:ext uri="{FF2B5EF4-FFF2-40B4-BE49-F238E27FC236}">
-                <a16:creationId xmlns:a16="http://schemas.microsoft.com/office/drawing/2014/main" id="{5E120946-ABB7-63E8-2A48-60399C36549B}"/>
-              </a:ext>
-            </a:extLst>
-          </p:cNvPr>
-          <p:cNvSpPr>
-            <a:spLocks noGrp="1"/>
-          </p:cNvSpPr>
-          <p:nvPr>
-            <p:ph idx="1"/>
-          </p:nvPr>
-        </p:nvSpPr>
-        <p:spPr/>
-        <p:txBody>
-          <a:bodyPr/>
-          <a:lstStyle/>
-          <a:p>
-            <a:pPr marL="0" indent="0">
-              <a:buNone/>
-            </a:pPr>
-            <a:endParaRPr lang="en-US" dirty="0"/>
-          </a:p>
-        </p:txBody>
-      </p:sp>
-      <p:sp>
-        <p:nvSpPr>
-          <p:cNvPr id="3" name="Rectangle: Rounded Corners 2">
-            <a:extLst>
-              <a:ext uri="{FF2B5EF4-FFF2-40B4-BE49-F238E27FC236}">
-                <a16:creationId xmlns:a16="http://schemas.microsoft.com/office/drawing/2014/main" id="{4AF6311D-D296-C3D0-7C8D-08EB7AFDC29B}"/>
+          <p:cNvPr id="56" name="Rectangle: Rounded Corners 20">
+            <a:extLst>
+              <a:ext uri="{FF2B5EF4-FFF2-40B4-BE49-F238E27FC236}">
+                <a16:creationId xmlns:a16="http://schemas.microsoft.com/office/drawing/2014/main" id="{683FB62A-83BA-E003-8DE9-983799AC0735}"/>
               </a:ext>
             </a:extLst>
           </p:cNvPr>
@@ -5974,21 +6064,21 @@
         </p:nvSpPr>
         <p:spPr>
           <a:xfrm>
-            <a:off x="0" y="1712437"/>
-            <a:ext cx="8845420" cy="45719"/>
+            <a:off x="2435179" y="2527196"/>
+            <a:ext cx="303807" cy="2165173"/>
           </a:xfrm>
           <a:prstGeom prst="roundRect">
             <a:avLst/>
           </a:prstGeom>
           <a:solidFill>
-            <a:schemeClr val="accent5">
+            <a:schemeClr val="accent2">
               <a:lumMod val="40000"/>
               <a:lumOff val="60000"/>
             </a:schemeClr>
           </a:solidFill>
           <a:ln>
             <a:solidFill>
-              <a:schemeClr val="accent5">
+              <a:schemeClr val="accent2">
                 <a:lumMod val="40000"/>
                 <a:lumOff val="60000"/>
               </a:schemeClr>
@@ -6016,14 +6106,2074 @@
           <a:lstStyle/>
           <a:p>
             <a:pPr algn="ctr"/>
+            <a:endParaRPr lang="en-US" dirty="0"/>
+          </a:p>
+        </p:txBody>
+      </p:sp>
+      <p:sp>
+        <p:nvSpPr>
+          <p:cNvPr id="2" name="Title 1">
+            <a:extLst>
+              <a:ext uri="{FF2B5EF4-FFF2-40B4-BE49-F238E27FC236}">
+                <a16:creationId xmlns:a16="http://schemas.microsoft.com/office/drawing/2014/main" id="{53BBAD25-1F9B-788B-2603-6402BBCF694C}"/>
+              </a:ext>
+            </a:extLst>
+          </p:cNvPr>
+          <p:cNvSpPr>
+            <a:spLocks noGrp="1"/>
+          </p:cNvSpPr>
+          <p:nvPr>
+            <p:ph type="title"/>
+          </p:nvPr>
+        </p:nvSpPr>
+        <p:spPr/>
+        <p:txBody>
+          <a:bodyPr/>
+          <a:lstStyle/>
+          <a:p>
+            <a:r>
+              <a:rPr lang="de-DE" dirty="0"/>
+              <a:t>Models</a:t>
+            </a:r>
+            <a:br>
+              <a:rPr lang="de-DE" dirty="0"/>
+            </a:br>
+            <a:r>
+              <a:rPr lang="de-DE" dirty="0"/>
+              <a:t>ResNet50</a:t>
+            </a:r>
+            <a:endParaRPr lang="en-US" dirty="0"/>
+          </a:p>
+        </p:txBody>
+      </p:sp>
+      <p:sp>
+        <p:nvSpPr>
+          <p:cNvPr id="3" name="Rectangle: Rounded Corners 2">
+            <a:extLst>
+              <a:ext uri="{FF2B5EF4-FFF2-40B4-BE49-F238E27FC236}">
+                <a16:creationId xmlns:a16="http://schemas.microsoft.com/office/drawing/2014/main" id="{4AF6311D-D296-C3D0-7C8D-08EB7AFDC29B}"/>
+              </a:ext>
+            </a:extLst>
+          </p:cNvPr>
+          <p:cNvSpPr/>
+          <p:nvPr/>
+        </p:nvSpPr>
+        <p:spPr>
+          <a:xfrm>
+            <a:off x="0" y="1712437"/>
+            <a:ext cx="8845420" cy="45719"/>
+          </a:xfrm>
+          <a:prstGeom prst="roundRect">
+            <a:avLst/>
+          </a:prstGeom>
+          <a:solidFill>
+            <a:schemeClr val="accent5">
+              <a:lumMod val="40000"/>
+              <a:lumOff val="60000"/>
+            </a:schemeClr>
+          </a:solidFill>
+          <a:ln>
+            <a:solidFill>
+              <a:schemeClr val="accent5">
+                <a:lumMod val="40000"/>
+                <a:lumOff val="60000"/>
+              </a:schemeClr>
+            </a:solidFill>
+          </a:ln>
+        </p:spPr>
+        <p:style>
+          <a:lnRef idx="2">
+            <a:schemeClr val="accent1">
+              <a:shade val="15000"/>
+            </a:schemeClr>
+          </a:lnRef>
+          <a:fillRef idx="1">
+            <a:schemeClr val="accent1"/>
+          </a:fillRef>
+          <a:effectRef idx="0">
+            <a:schemeClr val="accent1"/>
+          </a:effectRef>
+          <a:fontRef idx="minor">
+            <a:schemeClr val="lt1"/>
+          </a:fontRef>
+        </p:style>
+        <p:txBody>
+          <a:bodyPr rtlCol="0" anchor="ctr"/>
+          <a:lstStyle/>
+          <a:p>
+            <a:pPr algn="ctr"/>
             <a:endParaRPr lang="en-US"/>
+          </a:p>
+        </p:txBody>
+      </p:sp>
+      <p:sp>
+        <p:nvSpPr>
+          <p:cNvPr id="4" name="Rectangle: Rounded Corners 3">
+            <a:extLst>
+              <a:ext uri="{FF2B5EF4-FFF2-40B4-BE49-F238E27FC236}">
+                <a16:creationId xmlns:a16="http://schemas.microsoft.com/office/drawing/2014/main" id="{72E3A346-66ED-ED7D-73E9-917E8065310B}"/>
+              </a:ext>
+            </a:extLst>
+          </p:cNvPr>
+          <p:cNvSpPr/>
+          <p:nvPr/>
+        </p:nvSpPr>
+        <p:spPr>
+          <a:xfrm>
+            <a:off x="287528" y="2528467"/>
+            <a:ext cx="303807" cy="2165173"/>
+          </a:xfrm>
+          <a:prstGeom prst="roundRect">
+            <a:avLst/>
+          </a:prstGeom>
+          <a:solidFill>
+            <a:schemeClr val="accent3">
+              <a:lumMod val="40000"/>
+              <a:lumOff val="60000"/>
+            </a:schemeClr>
+          </a:solidFill>
+          <a:ln>
+            <a:solidFill>
+              <a:schemeClr val="accent3">
+                <a:lumMod val="40000"/>
+                <a:lumOff val="60000"/>
+              </a:schemeClr>
+            </a:solidFill>
+          </a:ln>
+        </p:spPr>
+        <p:style>
+          <a:lnRef idx="2">
+            <a:schemeClr val="accent1">
+              <a:shade val="15000"/>
+            </a:schemeClr>
+          </a:lnRef>
+          <a:fillRef idx="1">
+            <a:schemeClr val="accent1"/>
+          </a:fillRef>
+          <a:effectRef idx="0">
+            <a:schemeClr val="accent1"/>
+          </a:effectRef>
+          <a:fontRef idx="minor">
+            <a:schemeClr val="lt1"/>
+          </a:fontRef>
+        </p:style>
+        <p:txBody>
+          <a:bodyPr rtlCol="0" anchor="ctr"/>
+          <a:lstStyle/>
+          <a:p>
+            <a:pPr algn="ctr"/>
+            <a:endParaRPr lang="en-US" dirty="0"/>
+          </a:p>
+        </p:txBody>
+      </p:sp>
+      <p:sp>
+        <p:nvSpPr>
+          <p:cNvPr id="5" name="TextBox 4">
+            <a:extLst>
+              <a:ext uri="{FF2B5EF4-FFF2-40B4-BE49-F238E27FC236}">
+                <a16:creationId xmlns:a16="http://schemas.microsoft.com/office/drawing/2014/main" id="{C2795C19-D459-6DCB-1CA3-B684672EC6A5}"/>
+              </a:ext>
+            </a:extLst>
+          </p:cNvPr>
+          <p:cNvSpPr txBox="1"/>
+          <p:nvPr/>
+        </p:nvSpPr>
+        <p:spPr>
+          <a:xfrm rot="16200000">
+            <a:off x="-172976" y="3450123"/>
+            <a:ext cx="1222453" cy="369332"/>
+          </a:xfrm>
+          <a:prstGeom prst="rect">
+            <a:avLst/>
+          </a:prstGeom>
+          <a:noFill/>
+        </p:spPr>
+        <p:txBody>
+          <a:bodyPr wrap="square" rtlCol="0">
+            <a:spAutoFit/>
+          </a:bodyPr>
+          <a:lstStyle/>
+          <a:p>
+            <a:r>
+              <a:rPr lang="de-DE" dirty="0" err="1"/>
+              <a:t>InputLayer</a:t>
+            </a:r>
+            <a:endParaRPr lang="en-US" dirty="0"/>
+          </a:p>
+        </p:txBody>
+      </p:sp>
+      <p:sp>
+        <p:nvSpPr>
+          <p:cNvPr id="7" name="Rectangle: Rounded Corners 14">
+            <a:extLst>
+              <a:ext uri="{FF2B5EF4-FFF2-40B4-BE49-F238E27FC236}">
+                <a16:creationId xmlns:a16="http://schemas.microsoft.com/office/drawing/2014/main" id="{15706B33-1BB6-49C9-6820-E089FB674E88}"/>
+              </a:ext>
+            </a:extLst>
+          </p:cNvPr>
+          <p:cNvSpPr/>
+          <p:nvPr/>
+        </p:nvSpPr>
+        <p:spPr>
+          <a:xfrm>
+            <a:off x="1171510" y="2527196"/>
+            <a:ext cx="303807" cy="2165173"/>
+          </a:xfrm>
+          <a:prstGeom prst="roundRect">
+            <a:avLst/>
+          </a:prstGeom>
+          <a:solidFill>
+            <a:schemeClr val="accent5">
+              <a:lumMod val="40000"/>
+              <a:lumOff val="60000"/>
+            </a:schemeClr>
+          </a:solidFill>
+          <a:ln>
+            <a:solidFill>
+              <a:schemeClr val="accent5">
+                <a:lumMod val="40000"/>
+                <a:lumOff val="60000"/>
+              </a:schemeClr>
+            </a:solidFill>
+          </a:ln>
+        </p:spPr>
+        <p:style>
+          <a:lnRef idx="2">
+            <a:schemeClr val="accent1">
+              <a:shade val="15000"/>
+            </a:schemeClr>
+          </a:lnRef>
+          <a:fillRef idx="1">
+            <a:schemeClr val="accent1"/>
+          </a:fillRef>
+          <a:effectRef idx="0">
+            <a:schemeClr val="accent1"/>
+          </a:effectRef>
+          <a:fontRef idx="minor">
+            <a:schemeClr val="lt1"/>
+          </a:fontRef>
+        </p:style>
+        <p:txBody>
+          <a:bodyPr rtlCol="0" anchor="ctr"/>
+          <a:lstStyle/>
+          <a:p>
+            <a:pPr algn="ctr"/>
+            <a:endParaRPr lang="en-US" dirty="0"/>
+          </a:p>
+        </p:txBody>
+      </p:sp>
+      <p:sp>
+        <p:nvSpPr>
+          <p:cNvPr id="8" name="TextBox 7">
+            <a:extLst>
+              <a:ext uri="{FF2B5EF4-FFF2-40B4-BE49-F238E27FC236}">
+                <a16:creationId xmlns:a16="http://schemas.microsoft.com/office/drawing/2014/main" id="{4E28D740-2370-3190-5776-A74FF0C45556}"/>
+              </a:ext>
+            </a:extLst>
+          </p:cNvPr>
+          <p:cNvSpPr txBox="1"/>
+          <p:nvPr/>
+        </p:nvSpPr>
+        <p:spPr>
+          <a:xfrm rot="16200000">
+            <a:off x="877760" y="3448851"/>
+            <a:ext cx="939941" cy="369332"/>
+          </a:xfrm>
+          <a:prstGeom prst="rect">
+            <a:avLst/>
+          </a:prstGeom>
+          <a:noFill/>
+        </p:spPr>
+        <p:txBody>
+          <a:bodyPr wrap="square" rtlCol="0">
+            <a:spAutoFit/>
+          </a:bodyPr>
+          <a:lstStyle/>
+          <a:p>
+            <a:r>
+              <a:rPr lang="de-DE" dirty="0"/>
+              <a:t>Conv2D</a:t>
+            </a:r>
+            <a:endParaRPr lang="en-US" dirty="0"/>
+          </a:p>
+        </p:txBody>
+      </p:sp>
+      <p:sp>
+        <p:nvSpPr>
+          <p:cNvPr id="9" name="Rectangle: Rounded Corners 16">
+            <a:extLst>
+              <a:ext uri="{FF2B5EF4-FFF2-40B4-BE49-F238E27FC236}">
+                <a16:creationId xmlns:a16="http://schemas.microsoft.com/office/drawing/2014/main" id="{25FF092C-15BB-E167-6F91-68B629742FFA}"/>
+              </a:ext>
+            </a:extLst>
+          </p:cNvPr>
+          <p:cNvSpPr/>
+          <p:nvPr/>
+        </p:nvSpPr>
+        <p:spPr>
+          <a:xfrm>
+            <a:off x="1589502" y="2527196"/>
+            <a:ext cx="303807" cy="2165173"/>
+          </a:xfrm>
+          <a:prstGeom prst="roundRect">
+            <a:avLst/>
+          </a:prstGeom>
+          <a:solidFill>
+            <a:schemeClr val="accent6">
+              <a:lumMod val="40000"/>
+              <a:lumOff val="60000"/>
+            </a:schemeClr>
+          </a:solidFill>
+          <a:ln>
+            <a:noFill/>
+          </a:ln>
+        </p:spPr>
+        <p:style>
+          <a:lnRef idx="2">
+            <a:schemeClr val="accent1">
+              <a:shade val="15000"/>
+            </a:schemeClr>
+          </a:lnRef>
+          <a:fillRef idx="1">
+            <a:schemeClr val="accent1"/>
+          </a:fillRef>
+          <a:effectRef idx="0">
+            <a:schemeClr val="accent1"/>
+          </a:effectRef>
+          <a:fontRef idx="minor">
+            <a:schemeClr val="lt1"/>
+          </a:fontRef>
+        </p:style>
+        <p:txBody>
+          <a:bodyPr rtlCol="0" anchor="ctr"/>
+          <a:lstStyle/>
+          <a:p>
+            <a:pPr algn="ctr"/>
+            <a:endParaRPr lang="en-US" dirty="0">
+              <a:solidFill>
+                <a:schemeClr val="accent6">
+                  <a:lumMod val="20000"/>
+                  <a:lumOff val="80000"/>
+                </a:schemeClr>
+              </a:solidFill>
+            </a:endParaRPr>
+          </a:p>
+        </p:txBody>
+      </p:sp>
+      <p:sp>
+        <p:nvSpPr>
+          <p:cNvPr id="10" name="TextBox 9">
+            <a:extLst>
+              <a:ext uri="{FF2B5EF4-FFF2-40B4-BE49-F238E27FC236}">
+                <a16:creationId xmlns:a16="http://schemas.microsoft.com/office/drawing/2014/main" id="{657F59F5-0FD0-5BA4-A772-05F665458B02}"/>
+              </a:ext>
+            </a:extLst>
+          </p:cNvPr>
+          <p:cNvSpPr txBox="1"/>
+          <p:nvPr/>
+        </p:nvSpPr>
+        <p:spPr>
+          <a:xfrm rot="16200000">
+            <a:off x="1107197" y="3437390"/>
+            <a:ext cx="1315513" cy="369332"/>
+          </a:xfrm>
+          <a:prstGeom prst="rect">
+            <a:avLst/>
+          </a:prstGeom>
+          <a:noFill/>
+        </p:spPr>
+        <p:txBody>
+          <a:bodyPr wrap="square" rtlCol="0">
+            <a:spAutoFit/>
+          </a:bodyPr>
+          <a:lstStyle/>
+          <a:p>
+            <a:pPr algn="ctr"/>
+            <a:r>
+              <a:rPr lang="de-DE" dirty="0" err="1"/>
+              <a:t>BatchNorm</a:t>
+            </a:r>
+            <a:endParaRPr lang="en-US" dirty="0"/>
+          </a:p>
+        </p:txBody>
+      </p:sp>
+      <p:sp>
+        <p:nvSpPr>
+          <p:cNvPr id="11" name="Rectangle: Rounded Corners 20">
+            <a:extLst>
+              <a:ext uri="{FF2B5EF4-FFF2-40B4-BE49-F238E27FC236}">
+                <a16:creationId xmlns:a16="http://schemas.microsoft.com/office/drawing/2014/main" id="{7888DA1B-27BD-AE0D-FD2C-AC165695C80E}"/>
+              </a:ext>
+            </a:extLst>
+          </p:cNvPr>
+          <p:cNvSpPr/>
+          <p:nvPr/>
+        </p:nvSpPr>
+        <p:spPr>
+          <a:xfrm>
+            <a:off x="2013054" y="2527196"/>
+            <a:ext cx="303807" cy="2165173"/>
+          </a:xfrm>
+          <a:prstGeom prst="roundRect">
+            <a:avLst/>
+          </a:prstGeom>
+          <a:solidFill>
+            <a:schemeClr val="accent6">
+              <a:lumMod val="40000"/>
+              <a:lumOff val="60000"/>
+            </a:schemeClr>
+          </a:solidFill>
+          <a:ln>
+            <a:noFill/>
+          </a:ln>
+        </p:spPr>
+        <p:style>
+          <a:lnRef idx="2">
+            <a:schemeClr val="accent1">
+              <a:shade val="15000"/>
+            </a:schemeClr>
+          </a:lnRef>
+          <a:fillRef idx="1">
+            <a:schemeClr val="accent1"/>
+          </a:fillRef>
+          <a:effectRef idx="0">
+            <a:schemeClr val="accent1"/>
+          </a:effectRef>
+          <a:fontRef idx="minor">
+            <a:schemeClr val="lt1"/>
+          </a:fontRef>
+        </p:style>
+        <p:txBody>
+          <a:bodyPr rtlCol="0" anchor="ctr"/>
+          <a:lstStyle/>
+          <a:p>
+            <a:pPr algn="ctr"/>
+            <a:endParaRPr lang="en-US" dirty="0">
+              <a:solidFill>
+                <a:schemeClr val="accent4">
+                  <a:lumMod val="40000"/>
+                  <a:lumOff val="60000"/>
+                </a:schemeClr>
+              </a:solidFill>
+            </a:endParaRPr>
+          </a:p>
+        </p:txBody>
+      </p:sp>
+      <p:sp>
+        <p:nvSpPr>
+          <p:cNvPr id="12" name="TextBox 11">
+            <a:extLst>
+              <a:ext uri="{FF2B5EF4-FFF2-40B4-BE49-F238E27FC236}">
+                <a16:creationId xmlns:a16="http://schemas.microsoft.com/office/drawing/2014/main" id="{00A5203F-BA7E-E697-3C19-FE55BB3E8769}"/>
+              </a:ext>
+            </a:extLst>
+          </p:cNvPr>
+          <p:cNvSpPr txBox="1"/>
+          <p:nvPr/>
+        </p:nvSpPr>
+        <p:spPr>
+          <a:xfrm rot="16200000">
+            <a:off x="1784434" y="3448847"/>
+            <a:ext cx="1591355" cy="369332"/>
+          </a:xfrm>
+          <a:prstGeom prst="rect">
+            <a:avLst/>
+          </a:prstGeom>
+          <a:noFill/>
+        </p:spPr>
+        <p:txBody>
+          <a:bodyPr wrap="square" rtlCol="0">
+            <a:spAutoFit/>
+          </a:bodyPr>
+          <a:lstStyle/>
+          <a:p>
+            <a:pPr algn="ctr"/>
+            <a:r>
+              <a:rPr lang="de-DE" dirty="0"/>
+              <a:t>MaxPooling2D</a:t>
+            </a:r>
+            <a:endParaRPr lang="en-US" dirty="0"/>
+          </a:p>
+        </p:txBody>
+      </p:sp>
+      <p:sp>
+        <p:nvSpPr>
+          <p:cNvPr id="13" name="TextBox 12">
+            <a:extLst>
+              <a:ext uri="{FF2B5EF4-FFF2-40B4-BE49-F238E27FC236}">
+                <a16:creationId xmlns:a16="http://schemas.microsoft.com/office/drawing/2014/main" id="{CF4AE925-0557-75FB-BAB3-4A9054EDF57E}"/>
+              </a:ext>
+            </a:extLst>
+          </p:cNvPr>
+          <p:cNvSpPr txBox="1"/>
+          <p:nvPr/>
+        </p:nvSpPr>
+        <p:spPr>
+          <a:xfrm>
+            <a:off x="1481922" y="4740404"/>
+            <a:ext cx="867610" cy="369332"/>
+          </a:xfrm>
+          <a:prstGeom prst="rect">
+            <a:avLst/>
+          </a:prstGeom>
+          <a:noFill/>
+        </p:spPr>
+        <p:txBody>
+          <a:bodyPr wrap="none" rtlCol="0">
+            <a:spAutoFit/>
+          </a:bodyPr>
+          <a:lstStyle/>
+          <a:p>
+            <a:r>
+              <a:rPr lang="de-DE" dirty="0"/>
+              <a:t>Stage 1</a:t>
+            </a:r>
+            <a:endParaRPr lang="en-US" dirty="0"/>
+          </a:p>
+        </p:txBody>
+      </p:sp>
+      <p:sp>
+        <p:nvSpPr>
+          <p:cNvPr id="14" name="TextBox 13">
+            <a:extLst>
+              <a:ext uri="{FF2B5EF4-FFF2-40B4-BE49-F238E27FC236}">
+                <a16:creationId xmlns:a16="http://schemas.microsoft.com/office/drawing/2014/main" id="{B712FB6E-706C-368A-247B-B64A10BED323}"/>
+              </a:ext>
+            </a:extLst>
+          </p:cNvPr>
+          <p:cNvSpPr txBox="1"/>
+          <p:nvPr/>
+        </p:nvSpPr>
+        <p:spPr>
+          <a:xfrm>
+            <a:off x="3238856" y="4750471"/>
+            <a:ext cx="867610" cy="369332"/>
+          </a:xfrm>
+          <a:prstGeom prst="rect">
+            <a:avLst/>
+          </a:prstGeom>
+          <a:noFill/>
+        </p:spPr>
+        <p:txBody>
+          <a:bodyPr wrap="none" rtlCol="0">
+            <a:spAutoFit/>
+          </a:bodyPr>
+          <a:lstStyle/>
+          <a:p>
+            <a:r>
+              <a:rPr lang="de-DE" dirty="0"/>
+              <a:t>Stage 2</a:t>
+            </a:r>
+            <a:endParaRPr lang="en-US" dirty="0"/>
+          </a:p>
+        </p:txBody>
+      </p:sp>
+      <p:sp>
+        <p:nvSpPr>
+          <p:cNvPr id="15" name="TextBox 14">
+            <a:extLst>
+              <a:ext uri="{FF2B5EF4-FFF2-40B4-BE49-F238E27FC236}">
+                <a16:creationId xmlns:a16="http://schemas.microsoft.com/office/drawing/2014/main" id="{44E2DFC9-9913-A8CD-4270-0BD86C0C7122}"/>
+              </a:ext>
+            </a:extLst>
+          </p:cNvPr>
+          <p:cNvSpPr txBox="1"/>
+          <p:nvPr/>
+        </p:nvSpPr>
+        <p:spPr>
+          <a:xfrm>
+            <a:off x="4526557" y="4752234"/>
+            <a:ext cx="867610" cy="369332"/>
+          </a:xfrm>
+          <a:prstGeom prst="rect">
+            <a:avLst/>
+          </a:prstGeom>
+          <a:noFill/>
+        </p:spPr>
+        <p:txBody>
+          <a:bodyPr wrap="none" rtlCol="0">
+            <a:spAutoFit/>
+          </a:bodyPr>
+          <a:lstStyle/>
+          <a:p>
+            <a:r>
+              <a:rPr lang="de-DE" dirty="0"/>
+              <a:t>Stage 3</a:t>
+            </a:r>
+            <a:endParaRPr lang="en-US" dirty="0"/>
+          </a:p>
+        </p:txBody>
+      </p:sp>
+      <p:sp>
+        <p:nvSpPr>
+          <p:cNvPr id="16" name="TextBox 15">
+            <a:extLst>
+              <a:ext uri="{FF2B5EF4-FFF2-40B4-BE49-F238E27FC236}">
+                <a16:creationId xmlns:a16="http://schemas.microsoft.com/office/drawing/2014/main" id="{BB56918F-1B0A-8738-6E33-5EAD0607EE3D}"/>
+              </a:ext>
+            </a:extLst>
+          </p:cNvPr>
+          <p:cNvSpPr txBox="1"/>
+          <p:nvPr/>
+        </p:nvSpPr>
+        <p:spPr>
+          <a:xfrm>
+            <a:off x="5884392" y="4749479"/>
+            <a:ext cx="867610" cy="369332"/>
+          </a:xfrm>
+          <a:prstGeom prst="rect">
+            <a:avLst/>
+          </a:prstGeom>
+          <a:noFill/>
+        </p:spPr>
+        <p:txBody>
+          <a:bodyPr wrap="none" rtlCol="0">
+            <a:spAutoFit/>
+          </a:bodyPr>
+          <a:lstStyle/>
+          <a:p>
+            <a:r>
+              <a:rPr lang="de-DE" dirty="0"/>
+              <a:t>Stage 4</a:t>
+            </a:r>
+            <a:endParaRPr lang="en-US" dirty="0"/>
+          </a:p>
+        </p:txBody>
+      </p:sp>
+      <p:sp>
+        <p:nvSpPr>
+          <p:cNvPr id="17" name="TextBox 16">
+            <a:extLst>
+              <a:ext uri="{FF2B5EF4-FFF2-40B4-BE49-F238E27FC236}">
+                <a16:creationId xmlns:a16="http://schemas.microsoft.com/office/drawing/2014/main" id="{1A931DA1-ACFE-29D0-969F-3159645F6259}"/>
+              </a:ext>
+            </a:extLst>
+          </p:cNvPr>
+          <p:cNvSpPr txBox="1"/>
+          <p:nvPr/>
+        </p:nvSpPr>
+        <p:spPr>
+          <a:xfrm>
+            <a:off x="7125145" y="4739326"/>
+            <a:ext cx="867610" cy="369332"/>
+          </a:xfrm>
+          <a:prstGeom prst="rect">
+            <a:avLst/>
+          </a:prstGeom>
+          <a:noFill/>
+        </p:spPr>
+        <p:txBody>
+          <a:bodyPr wrap="none" rtlCol="0">
+            <a:spAutoFit/>
+          </a:bodyPr>
+          <a:lstStyle/>
+          <a:p>
+            <a:r>
+              <a:rPr lang="de-DE" dirty="0"/>
+              <a:t>Stage 5</a:t>
+            </a:r>
+            <a:endParaRPr lang="en-US" dirty="0"/>
+          </a:p>
+        </p:txBody>
+      </p:sp>
+      <p:sp>
+        <p:nvSpPr>
+          <p:cNvPr id="18" name="Rectangle: Rounded Corners 63">
+            <a:extLst>
+              <a:ext uri="{FF2B5EF4-FFF2-40B4-BE49-F238E27FC236}">
+                <a16:creationId xmlns:a16="http://schemas.microsoft.com/office/drawing/2014/main" id="{EDAA7007-C75C-5776-0C2D-FCE8FA0BDE27}"/>
+              </a:ext>
+            </a:extLst>
+          </p:cNvPr>
+          <p:cNvSpPr/>
+          <p:nvPr/>
+        </p:nvSpPr>
+        <p:spPr>
+          <a:xfrm>
+            <a:off x="3296954" y="2525249"/>
+            <a:ext cx="303807" cy="2165173"/>
+          </a:xfrm>
+          <a:prstGeom prst="roundRect">
+            <a:avLst/>
+          </a:prstGeom>
+          <a:solidFill>
+            <a:schemeClr val="accent5">
+              <a:lumMod val="40000"/>
+              <a:lumOff val="60000"/>
+            </a:schemeClr>
+          </a:solidFill>
+          <a:ln>
+            <a:solidFill>
+              <a:schemeClr val="accent5">
+                <a:lumMod val="40000"/>
+                <a:lumOff val="60000"/>
+              </a:schemeClr>
+            </a:solidFill>
+          </a:ln>
+        </p:spPr>
+        <p:style>
+          <a:lnRef idx="2">
+            <a:schemeClr val="accent1">
+              <a:shade val="15000"/>
+            </a:schemeClr>
+          </a:lnRef>
+          <a:fillRef idx="1">
+            <a:schemeClr val="accent1"/>
+          </a:fillRef>
+          <a:effectRef idx="0">
+            <a:schemeClr val="accent1"/>
+          </a:effectRef>
+          <a:fontRef idx="minor">
+            <a:schemeClr val="lt1"/>
+          </a:fontRef>
+        </p:style>
+        <p:txBody>
+          <a:bodyPr rtlCol="0" anchor="ctr"/>
+          <a:lstStyle/>
+          <a:p>
+            <a:pPr algn="ctr"/>
+            <a:endParaRPr lang="en-US" dirty="0"/>
+          </a:p>
+        </p:txBody>
+      </p:sp>
+      <p:sp>
+        <p:nvSpPr>
+          <p:cNvPr id="19" name="TextBox 18">
+            <a:extLst>
+              <a:ext uri="{FF2B5EF4-FFF2-40B4-BE49-F238E27FC236}">
+                <a16:creationId xmlns:a16="http://schemas.microsoft.com/office/drawing/2014/main" id="{F8FBBBE3-AF9B-4E7D-028E-212BDCDD7476}"/>
+              </a:ext>
+            </a:extLst>
+          </p:cNvPr>
+          <p:cNvSpPr txBox="1"/>
+          <p:nvPr/>
+        </p:nvSpPr>
+        <p:spPr>
+          <a:xfrm rot="16200000">
+            <a:off x="2796248" y="3468857"/>
+            <a:ext cx="1305218" cy="369332"/>
+          </a:xfrm>
+          <a:prstGeom prst="rect">
+            <a:avLst/>
+          </a:prstGeom>
+          <a:noFill/>
+        </p:spPr>
+        <p:txBody>
+          <a:bodyPr wrap="square" rtlCol="0">
+            <a:spAutoFit/>
+          </a:bodyPr>
+          <a:lstStyle/>
+          <a:p>
+            <a:pPr algn="ctr"/>
+            <a:r>
+              <a:rPr lang="de-DE" dirty="0" err="1"/>
+              <a:t>ConvBlock</a:t>
+            </a:r>
+            <a:endParaRPr lang="en-US" dirty="0"/>
+          </a:p>
+        </p:txBody>
+      </p:sp>
+      <p:sp>
+        <p:nvSpPr>
+          <p:cNvPr id="22" name="Rectangle: Rounded Corners 67">
+            <a:extLst>
+              <a:ext uri="{FF2B5EF4-FFF2-40B4-BE49-F238E27FC236}">
+                <a16:creationId xmlns:a16="http://schemas.microsoft.com/office/drawing/2014/main" id="{8E172B84-7E13-F901-9A4C-EAD12CE68C7D}"/>
+              </a:ext>
+            </a:extLst>
+          </p:cNvPr>
+          <p:cNvSpPr/>
+          <p:nvPr/>
+        </p:nvSpPr>
+        <p:spPr>
+          <a:xfrm>
+            <a:off x="3705424" y="2537522"/>
+            <a:ext cx="303807" cy="2165173"/>
+          </a:xfrm>
+          <a:prstGeom prst="roundRect">
+            <a:avLst/>
+          </a:prstGeom>
+          <a:solidFill>
+            <a:schemeClr val="accent4">
+              <a:lumMod val="40000"/>
+              <a:lumOff val="60000"/>
+            </a:schemeClr>
+          </a:solidFill>
+          <a:ln>
+            <a:noFill/>
+          </a:ln>
+        </p:spPr>
+        <p:style>
+          <a:lnRef idx="2">
+            <a:schemeClr val="accent1">
+              <a:shade val="15000"/>
+            </a:schemeClr>
+          </a:lnRef>
+          <a:fillRef idx="1">
+            <a:schemeClr val="accent1"/>
+          </a:fillRef>
+          <a:effectRef idx="0">
+            <a:schemeClr val="accent1"/>
+          </a:effectRef>
+          <a:fontRef idx="minor">
+            <a:schemeClr val="lt1"/>
+          </a:fontRef>
+        </p:style>
+        <p:txBody>
+          <a:bodyPr rtlCol="0" anchor="ctr"/>
+          <a:lstStyle/>
+          <a:p>
+            <a:pPr algn="ctr"/>
+            <a:endParaRPr lang="en-US" dirty="0">
+              <a:solidFill>
+                <a:schemeClr val="accent1">
+                  <a:lumMod val="40000"/>
+                  <a:lumOff val="60000"/>
+                </a:schemeClr>
+              </a:solidFill>
+            </a:endParaRPr>
+          </a:p>
+        </p:txBody>
+      </p:sp>
+      <p:sp>
+        <p:nvSpPr>
+          <p:cNvPr id="23" name="TextBox 22">
+            <a:extLst>
+              <a:ext uri="{FF2B5EF4-FFF2-40B4-BE49-F238E27FC236}">
+                <a16:creationId xmlns:a16="http://schemas.microsoft.com/office/drawing/2014/main" id="{C0803557-5524-10F5-B0BD-3F8238608643}"/>
+              </a:ext>
+            </a:extLst>
+          </p:cNvPr>
+          <p:cNvSpPr txBox="1"/>
+          <p:nvPr/>
+        </p:nvSpPr>
+        <p:spPr>
+          <a:xfrm rot="16200000">
+            <a:off x="3061650" y="3435441"/>
+            <a:ext cx="1591355" cy="369332"/>
+          </a:xfrm>
+          <a:prstGeom prst="rect">
+            <a:avLst/>
+          </a:prstGeom>
+          <a:noFill/>
+        </p:spPr>
+        <p:txBody>
+          <a:bodyPr wrap="square" rtlCol="0">
+            <a:spAutoFit/>
+          </a:bodyPr>
+          <a:lstStyle/>
+          <a:p>
+            <a:pPr algn="ctr"/>
+            <a:r>
+              <a:rPr lang="de-DE" dirty="0"/>
+              <a:t>ID Block x 2</a:t>
+            </a:r>
+            <a:endParaRPr lang="en-US" dirty="0"/>
+          </a:p>
+        </p:txBody>
+      </p:sp>
+      <p:sp>
+        <p:nvSpPr>
+          <p:cNvPr id="48" name="Rectangle: Rounded Corners 97">
+            <a:extLst>
+              <a:ext uri="{FF2B5EF4-FFF2-40B4-BE49-F238E27FC236}">
+                <a16:creationId xmlns:a16="http://schemas.microsoft.com/office/drawing/2014/main" id="{741EC1A8-7FF3-5D1C-22C3-D0E7099143E5}"/>
+              </a:ext>
+            </a:extLst>
+          </p:cNvPr>
+          <p:cNvSpPr/>
+          <p:nvPr/>
+        </p:nvSpPr>
+        <p:spPr>
+          <a:xfrm>
+            <a:off x="9344771" y="2563765"/>
+            <a:ext cx="303807" cy="2165173"/>
+          </a:xfrm>
+          <a:prstGeom prst="roundRect">
+            <a:avLst/>
+          </a:prstGeom>
+          <a:solidFill>
+            <a:schemeClr val="accent5">
+              <a:lumMod val="40000"/>
+              <a:lumOff val="60000"/>
+            </a:schemeClr>
+          </a:solidFill>
+          <a:ln>
+            <a:solidFill>
+              <a:schemeClr val="accent5">
+                <a:lumMod val="40000"/>
+                <a:lumOff val="60000"/>
+              </a:schemeClr>
+            </a:solidFill>
+          </a:ln>
+        </p:spPr>
+        <p:style>
+          <a:lnRef idx="2">
+            <a:schemeClr val="accent1">
+              <a:shade val="15000"/>
+            </a:schemeClr>
+          </a:lnRef>
+          <a:fillRef idx="1">
+            <a:schemeClr val="accent1"/>
+          </a:fillRef>
+          <a:effectRef idx="0">
+            <a:schemeClr val="accent1"/>
+          </a:effectRef>
+          <a:fontRef idx="minor">
+            <a:schemeClr val="lt1"/>
+          </a:fontRef>
+        </p:style>
+        <p:txBody>
+          <a:bodyPr rtlCol="0" anchor="ctr"/>
+          <a:lstStyle/>
+          <a:p>
+            <a:pPr algn="ctr"/>
+            <a:endParaRPr lang="en-US" dirty="0"/>
+          </a:p>
+        </p:txBody>
+      </p:sp>
+      <p:sp>
+        <p:nvSpPr>
+          <p:cNvPr id="49" name="TextBox 48">
+            <a:extLst>
+              <a:ext uri="{FF2B5EF4-FFF2-40B4-BE49-F238E27FC236}">
+                <a16:creationId xmlns:a16="http://schemas.microsoft.com/office/drawing/2014/main" id="{56A26E7A-9D80-624E-E546-4001AFFBC239}"/>
+              </a:ext>
+            </a:extLst>
+          </p:cNvPr>
+          <p:cNvSpPr txBox="1"/>
+          <p:nvPr/>
+        </p:nvSpPr>
+        <p:spPr>
+          <a:xfrm rot="16200000">
+            <a:off x="8551369" y="3460869"/>
+            <a:ext cx="1889721" cy="369332"/>
+          </a:xfrm>
+          <a:prstGeom prst="rect">
+            <a:avLst/>
+          </a:prstGeom>
+          <a:noFill/>
+        </p:spPr>
+        <p:txBody>
+          <a:bodyPr wrap="square" rtlCol="0">
+            <a:spAutoFit/>
+          </a:bodyPr>
+          <a:lstStyle/>
+          <a:p>
+            <a:pPr algn="ctr"/>
+            <a:r>
+              <a:rPr lang="de-DE" dirty="0"/>
+              <a:t>Fully </a:t>
+            </a:r>
+            <a:r>
+              <a:rPr lang="de-DE" dirty="0" err="1"/>
+              <a:t>Connected</a:t>
+            </a:r>
+            <a:endParaRPr lang="en-US" dirty="0"/>
+          </a:p>
+        </p:txBody>
+      </p:sp>
+      <p:sp>
+        <p:nvSpPr>
+          <p:cNvPr id="50" name="Rectangle: Rounded Corners 99">
+            <a:extLst>
+              <a:ext uri="{FF2B5EF4-FFF2-40B4-BE49-F238E27FC236}">
+                <a16:creationId xmlns:a16="http://schemas.microsoft.com/office/drawing/2014/main" id="{4FC10DF5-3C04-7FB9-D021-AD1E375FEED6}"/>
+              </a:ext>
+            </a:extLst>
+          </p:cNvPr>
+          <p:cNvSpPr/>
+          <p:nvPr/>
+        </p:nvSpPr>
+        <p:spPr>
+          <a:xfrm>
+            <a:off x="10049923" y="2538369"/>
+            <a:ext cx="303807" cy="2165173"/>
+          </a:xfrm>
+          <a:prstGeom prst="roundRect">
+            <a:avLst/>
+          </a:prstGeom>
+          <a:solidFill>
+            <a:schemeClr val="accent2">
+              <a:lumMod val="40000"/>
+              <a:lumOff val="60000"/>
+            </a:schemeClr>
+          </a:solidFill>
+          <a:ln>
+            <a:solidFill>
+              <a:schemeClr val="accent2">
+                <a:lumMod val="40000"/>
+                <a:lumOff val="60000"/>
+              </a:schemeClr>
+            </a:solidFill>
+          </a:ln>
+        </p:spPr>
+        <p:style>
+          <a:lnRef idx="2">
+            <a:schemeClr val="accent1">
+              <a:shade val="15000"/>
+            </a:schemeClr>
+          </a:lnRef>
+          <a:fillRef idx="1">
+            <a:schemeClr val="accent1"/>
+          </a:fillRef>
+          <a:effectRef idx="0">
+            <a:schemeClr val="accent1"/>
+          </a:effectRef>
+          <a:fontRef idx="minor">
+            <a:schemeClr val="lt1"/>
+          </a:fontRef>
+        </p:style>
+        <p:txBody>
+          <a:bodyPr rtlCol="0" anchor="ctr"/>
+          <a:lstStyle/>
+          <a:p>
+            <a:pPr algn="ctr"/>
+            <a:endParaRPr lang="en-US" dirty="0">
+              <a:solidFill>
+                <a:schemeClr val="accent1">
+                  <a:lumMod val="40000"/>
+                  <a:lumOff val="60000"/>
+                </a:schemeClr>
+              </a:solidFill>
+            </a:endParaRPr>
+          </a:p>
+        </p:txBody>
+      </p:sp>
+      <p:sp>
+        <p:nvSpPr>
+          <p:cNvPr id="51" name="TextBox 50">
+            <a:extLst>
+              <a:ext uri="{FF2B5EF4-FFF2-40B4-BE49-F238E27FC236}">
+                <a16:creationId xmlns:a16="http://schemas.microsoft.com/office/drawing/2014/main" id="{2F1FF7A2-AF91-A1CB-6C4B-5FAACCC19F65}"/>
+              </a:ext>
+            </a:extLst>
+          </p:cNvPr>
+          <p:cNvSpPr txBox="1"/>
+          <p:nvPr/>
+        </p:nvSpPr>
+        <p:spPr>
+          <a:xfrm rot="16200000">
+            <a:off x="9491549" y="3230014"/>
+            <a:ext cx="1420554" cy="369332"/>
+          </a:xfrm>
+          <a:prstGeom prst="rect">
+            <a:avLst/>
+          </a:prstGeom>
+          <a:noFill/>
+        </p:spPr>
+        <p:txBody>
+          <a:bodyPr wrap="square" rtlCol="0">
+            <a:spAutoFit/>
+          </a:bodyPr>
+          <a:lstStyle/>
+          <a:p>
+            <a:r>
+              <a:rPr lang="de-DE" dirty="0" err="1"/>
+              <a:t>Softmax</a:t>
+            </a:r>
+            <a:endParaRPr lang="en-US" dirty="0"/>
+          </a:p>
+        </p:txBody>
+      </p:sp>
+      <p:sp>
+        <p:nvSpPr>
+          <p:cNvPr id="52" name="Rectangle: Rounded Corners 101">
+            <a:extLst>
+              <a:ext uri="{FF2B5EF4-FFF2-40B4-BE49-F238E27FC236}">
+                <a16:creationId xmlns:a16="http://schemas.microsoft.com/office/drawing/2014/main" id="{BE05105F-88D4-77B9-A1F5-808F49814A38}"/>
+              </a:ext>
+            </a:extLst>
+          </p:cNvPr>
+          <p:cNvSpPr/>
+          <p:nvPr/>
+        </p:nvSpPr>
+        <p:spPr>
+          <a:xfrm>
+            <a:off x="10781553" y="2527802"/>
+            <a:ext cx="1038840" cy="2178110"/>
+          </a:xfrm>
+          <a:prstGeom prst="roundRect">
+            <a:avLst/>
+          </a:prstGeom>
+          <a:solidFill>
+            <a:schemeClr val="accent3">
+              <a:lumMod val="40000"/>
+              <a:lumOff val="60000"/>
+            </a:schemeClr>
+          </a:solidFill>
+          <a:ln>
+            <a:solidFill>
+              <a:schemeClr val="accent3">
+                <a:lumMod val="40000"/>
+                <a:lumOff val="60000"/>
+              </a:schemeClr>
+            </a:solidFill>
+          </a:ln>
+        </p:spPr>
+        <p:style>
+          <a:lnRef idx="2">
+            <a:schemeClr val="accent1">
+              <a:shade val="15000"/>
+            </a:schemeClr>
+          </a:lnRef>
+          <a:fillRef idx="1">
+            <a:schemeClr val="accent1"/>
+          </a:fillRef>
+          <a:effectRef idx="0">
+            <a:schemeClr val="accent1"/>
+          </a:effectRef>
+          <a:fontRef idx="minor">
+            <a:schemeClr val="lt1"/>
+          </a:fontRef>
+        </p:style>
+        <p:txBody>
+          <a:bodyPr rtlCol="0" anchor="ctr"/>
+          <a:lstStyle/>
+          <a:p>
+            <a:pPr algn="ctr"/>
+            <a:endParaRPr lang="en-US" dirty="0"/>
+          </a:p>
+        </p:txBody>
+      </p:sp>
+      <p:cxnSp>
+        <p:nvCxnSpPr>
+          <p:cNvPr id="53" name="Straight Connector 52">
+            <a:extLst>
+              <a:ext uri="{FF2B5EF4-FFF2-40B4-BE49-F238E27FC236}">
+                <a16:creationId xmlns:a16="http://schemas.microsoft.com/office/drawing/2014/main" id="{C4E0D6BA-9DCD-DC64-AE66-9EDBC8BAC36D}"/>
+              </a:ext>
+            </a:extLst>
+          </p:cNvPr>
+          <p:cNvCxnSpPr>
+            <a:cxnSpLocks/>
+          </p:cNvCxnSpPr>
+          <p:nvPr/>
+        </p:nvCxnSpPr>
+        <p:spPr>
+          <a:xfrm>
+            <a:off x="10901915" y="3366072"/>
+            <a:ext cx="798116" cy="561975"/>
+          </a:xfrm>
+          <a:prstGeom prst="line">
+            <a:avLst/>
+          </a:prstGeom>
+          <a:ln w="28575">
+            <a:solidFill>
+              <a:schemeClr val="tx1"/>
+            </a:solidFill>
+          </a:ln>
+        </p:spPr>
+        <p:style>
+          <a:lnRef idx="1">
+            <a:schemeClr val="accent1"/>
+          </a:lnRef>
+          <a:fillRef idx="0">
+            <a:schemeClr val="accent1"/>
+          </a:fillRef>
+          <a:effectRef idx="0">
+            <a:schemeClr val="accent1"/>
+          </a:effectRef>
+          <a:fontRef idx="minor">
+            <a:schemeClr val="tx1"/>
+          </a:fontRef>
+        </p:style>
+      </p:cxnSp>
+      <p:sp>
+        <p:nvSpPr>
+          <p:cNvPr id="54" name="TextBox 53">
+            <a:extLst>
+              <a:ext uri="{FF2B5EF4-FFF2-40B4-BE49-F238E27FC236}">
+                <a16:creationId xmlns:a16="http://schemas.microsoft.com/office/drawing/2014/main" id="{314BBE00-289E-1FA0-3503-2041BF008397}"/>
+              </a:ext>
+            </a:extLst>
+          </p:cNvPr>
+          <p:cNvSpPr txBox="1"/>
+          <p:nvPr/>
+        </p:nvSpPr>
+        <p:spPr>
+          <a:xfrm>
+            <a:off x="10730062" y="4049737"/>
+            <a:ext cx="1177119" cy="369332"/>
+          </a:xfrm>
+          <a:prstGeom prst="rect">
+            <a:avLst/>
+          </a:prstGeom>
+          <a:noFill/>
+        </p:spPr>
+        <p:txBody>
+          <a:bodyPr wrap="square" rtlCol="0">
+            <a:spAutoFit/>
+          </a:bodyPr>
+          <a:lstStyle/>
+          <a:p>
+            <a:r>
+              <a:rPr lang="de-DE" dirty="0" err="1"/>
+              <a:t>malignant</a:t>
+            </a:r>
+            <a:endParaRPr lang="en-US" dirty="0"/>
+          </a:p>
+        </p:txBody>
+      </p:sp>
+      <p:sp>
+        <p:nvSpPr>
+          <p:cNvPr id="55" name="TextBox 54">
+            <a:extLst>
+              <a:ext uri="{FF2B5EF4-FFF2-40B4-BE49-F238E27FC236}">
+                <a16:creationId xmlns:a16="http://schemas.microsoft.com/office/drawing/2014/main" id="{1D2A1826-ED01-6233-1603-EF95E91946E1}"/>
+              </a:ext>
+            </a:extLst>
+          </p:cNvPr>
+          <p:cNvSpPr txBox="1"/>
+          <p:nvPr/>
+        </p:nvSpPr>
+        <p:spPr>
+          <a:xfrm>
+            <a:off x="10877622" y="2811813"/>
+            <a:ext cx="1177119" cy="369332"/>
+          </a:xfrm>
+          <a:prstGeom prst="rect">
+            <a:avLst/>
+          </a:prstGeom>
+          <a:noFill/>
+        </p:spPr>
+        <p:txBody>
+          <a:bodyPr wrap="square" rtlCol="0">
+            <a:spAutoFit/>
+          </a:bodyPr>
+          <a:lstStyle/>
+          <a:p>
+            <a:r>
+              <a:rPr lang="de-DE" dirty="0" err="1"/>
+              <a:t>benign</a:t>
+            </a:r>
+            <a:endParaRPr lang="en-US" dirty="0"/>
+          </a:p>
+        </p:txBody>
+      </p:sp>
+      <p:sp>
+        <p:nvSpPr>
+          <p:cNvPr id="57" name="TextBox 56">
+            <a:extLst>
+              <a:ext uri="{FF2B5EF4-FFF2-40B4-BE49-F238E27FC236}">
+                <a16:creationId xmlns:a16="http://schemas.microsoft.com/office/drawing/2014/main" id="{9CE26AE8-94C7-7264-5292-D467BCA09337}"/>
+              </a:ext>
+            </a:extLst>
+          </p:cNvPr>
+          <p:cNvSpPr txBox="1"/>
+          <p:nvPr/>
+        </p:nvSpPr>
+        <p:spPr>
+          <a:xfrm rot="16200000">
+            <a:off x="1506167" y="3448848"/>
+            <a:ext cx="1315513" cy="369332"/>
+          </a:xfrm>
+          <a:prstGeom prst="rect">
+            <a:avLst/>
+          </a:prstGeom>
+          <a:noFill/>
+        </p:spPr>
+        <p:txBody>
+          <a:bodyPr wrap="square" rtlCol="0">
+            <a:spAutoFit/>
+          </a:bodyPr>
+          <a:lstStyle/>
+          <a:p>
+            <a:pPr algn="ctr"/>
+            <a:r>
+              <a:rPr lang="de-DE" dirty="0" err="1"/>
+              <a:t>ReLu</a:t>
+            </a:r>
+            <a:endParaRPr lang="en-US" dirty="0"/>
+          </a:p>
+        </p:txBody>
+      </p:sp>
+      <p:sp>
+        <p:nvSpPr>
+          <p:cNvPr id="58" name="Rectangle: Rounded Corners 63">
+            <a:extLst>
+              <a:ext uri="{FF2B5EF4-FFF2-40B4-BE49-F238E27FC236}">
+                <a16:creationId xmlns:a16="http://schemas.microsoft.com/office/drawing/2014/main" id="{9B513159-C39E-A00A-8E50-FE48DF6C3F56}"/>
+              </a:ext>
+            </a:extLst>
+          </p:cNvPr>
+          <p:cNvSpPr/>
+          <p:nvPr/>
+        </p:nvSpPr>
+        <p:spPr>
+          <a:xfrm>
+            <a:off x="4623793" y="2538157"/>
+            <a:ext cx="303807" cy="2165173"/>
+          </a:xfrm>
+          <a:prstGeom prst="roundRect">
+            <a:avLst/>
+          </a:prstGeom>
+          <a:solidFill>
+            <a:schemeClr val="accent5">
+              <a:lumMod val="40000"/>
+              <a:lumOff val="60000"/>
+            </a:schemeClr>
+          </a:solidFill>
+          <a:ln>
+            <a:solidFill>
+              <a:schemeClr val="accent5">
+                <a:lumMod val="40000"/>
+                <a:lumOff val="60000"/>
+              </a:schemeClr>
+            </a:solidFill>
+          </a:ln>
+        </p:spPr>
+        <p:style>
+          <a:lnRef idx="2">
+            <a:schemeClr val="accent1">
+              <a:shade val="15000"/>
+            </a:schemeClr>
+          </a:lnRef>
+          <a:fillRef idx="1">
+            <a:schemeClr val="accent1"/>
+          </a:fillRef>
+          <a:effectRef idx="0">
+            <a:schemeClr val="accent1"/>
+          </a:effectRef>
+          <a:fontRef idx="minor">
+            <a:schemeClr val="lt1"/>
+          </a:fontRef>
+        </p:style>
+        <p:txBody>
+          <a:bodyPr rtlCol="0" anchor="ctr"/>
+          <a:lstStyle/>
+          <a:p>
+            <a:pPr algn="ctr"/>
+            <a:endParaRPr lang="en-US" dirty="0"/>
+          </a:p>
+        </p:txBody>
+      </p:sp>
+      <p:sp>
+        <p:nvSpPr>
+          <p:cNvPr id="59" name="TextBox 58">
+            <a:extLst>
+              <a:ext uri="{FF2B5EF4-FFF2-40B4-BE49-F238E27FC236}">
+                <a16:creationId xmlns:a16="http://schemas.microsoft.com/office/drawing/2014/main" id="{3BC5CB8E-CC2F-65A4-B000-F9038429BDE1}"/>
+              </a:ext>
+            </a:extLst>
+          </p:cNvPr>
+          <p:cNvSpPr txBox="1"/>
+          <p:nvPr/>
+        </p:nvSpPr>
+        <p:spPr>
+          <a:xfrm rot="16200000">
+            <a:off x="4123087" y="3481765"/>
+            <a:ext cx="1305218" cy="369332"/>
+          </a:xfrm>
+          <a:prstGeom prst="rect">
+            <a:avLst/>
+          </a:prstGeom>
+          <a:noFill/>
+        </p:spPr>
+        <p:txBody>
+          <a:bodyPr wrap="square" rtlCol="0">
+            <a:spAutoFit/>
+          </a:bodyPr>
+          <a:lstStyle/>
+          <a:p>
+            <a:pPr algn="ctr"/>
+            <a:r>
+              <a:rPr lang="de-DE" dirty="0" err="1"/>
+              <a:t>ConvBlock</a:t>
+            </a:r>
+            <a:endParaRPr lang="en-US" dirty="0"/>
+          </a:p>
+        </p:txBody>
+      </p:sp>
+      <p:sp>
+        <p:nvSpPr>
+          <p:cNvPr id="60" name="Rectangle: Rounded Corners 67">
+            <a:extLst>
+              <a:ext uri="{FF2B5EF4-FFF2-40B4-BE49-F238E27FC236}">
+                <a16:creationId xmlns:a16="http://schemas.microsoft.com/office/drawing/2014/main" id="{054CD1F1-45C6-59BD-FE38-180D04AE5A64}"/>
+              </a:ext>
+            </a:extLst>
+          </p:cNvPr>
+          <p:cNvSpPr/>
+          <p:nvPr/>
+        </p:nvSpPr>
+        <p:spPr>
+          <a:xfrm>
+            <a:off x="5032263" y="2550430"/>
+            <a:ext cx="303807" cy="2165173"/>
+          </a:xfrm>
+          <a:prstGeom prst="roundRect">
+            <a:avLst/>
+          </a:prstGeom>
+          <a:solidFill>
+            <a:schemeClr val="accent4">
+              <a:lumMod val="40000"/>
+              <a:lumOff val="60000"/>
+            </a:schemeClr>
+          </a:solidFill>
+          <a:ln>
+            <a:noFill/>
+          </a:ln>
+        </p:spPr>
+        <p:style>
+          <a:lnRef idx="2">
+            <a:schemeClr val="accent1">
+              <a:shade val="15000"/>
+            </a:schemeClr>
+          </a:lnRef>
+          <a:fillRef idx="1">
+            <a:schemeClr val="accent1"/>
+          </a:fillRef>
+          <a:effectRef idx="0">
+            <a:schemeClr val="accent1"/>
+          </a:effectRef>
+          <a:fontRef idx="minor">
+            <a:schemeClr val="lt1"/>
+          </a:fontRef>
+        </p:style>
+        <p:txBody>
+          <a:bodyPr rtlCol="0" anchor="ctr"/>
+          <a:lstStyle/>
+          <a:p>
+            <a:pPr algn="ctr"/>
+            <a:endParaRPr lang="en-US" dirty="0">
+              <a:solidFill>
+                <a:schemeClr val="accent1">
+                  <a:lumMod val="40000"/>
+                  <a:lumOff val="60000"/>
+                </a:schemeClr>
+              </a:solidFill>
+            </a:endParaRPr>
+          </a:p>
+        </p:txBody>
+      </p:sp>
+      <p:sp>
+        <p:nvSpPr>
+          <p:cNvPr id="61" name="TextBox 60">
+            <a:extLst>
+              <a:ext uri="{FF2B5EF4-FFF2-40B4-BE49-F238E27FC236}">
+                <a16:creationId xmlns:a16="http://schemas.microsoft.com/office/drawing/2014/main" id="{276F9670-CF2A-4E90-73B0-91EB4835B8B2}"/>
+              </a:ext>
+            </a:extLst>
+          </p:cNvPr>
+          <p:cNvSpPr txBox="1"/>
+          <p:nvPr/>
+        </p:nvSpPr>
+        <p:spPr>
+          <a:xfrm rot="16200000">
+            <a:off x="4388489" y="3448349"/>
+            <a:ext cx="1591355" cy="369332"/>
+          </a:xfrm>
+          <a:prstGeom prst="rect">
+            <a:avLst/>
+          </a:prstGeom>
+          <a:noFill/>
+        </p:spPr>
+        <p:txBody>
+          <a:bodyPr wrap="square" rtlCol="0">
+            <a:spAutoFit/>
+          </a:bodyPr>
+          <a:lstStyle/>
+          <a:p>
+            <a:pPr algn="ctr"/>
+            <a:r>
+              <a:rPr lang="de-DE" dirty="0"/>
+              <a:t>ID Block x 3</a:t>
+            </a:r>
+            <a:endParaRPr lang="en-US" dirty="0"/>
+          </a:p>
+        </p:txBody>
+      </p:sp>
+      <p:sp>
+        <p:nvSpPr>
+          <p:cNvPr id="62" name="Rectangle: Rounded Corners 63">
+            <a:extLst>
+              <a:ext uri="{FF2B5EF4-FFF2-40B4-BE49-F238E27FC236}">
+                <a16:creationId xmlns:a16="http://schemas.microsoft.com/office/drawing/2014/main" id="{B1CD881D-5185-424B-C548-CB47901439D8}"/>
+              </a:ext>
+            </a:extLst>
+          </p:cNvPr>
+          <p:cNvSpPr/>
+          <p:nvPr/>
+        </p:nvSpPr>
+        <p:spPr>
+          <a:xfrm>
+            <a:off x="5943113" y="2525249"/>
+            <a:ext cx="303807" cy="2165173"/>
+          </a:xfrm>
+          <a:prstGeom prst="roundRect">
+            <a:avLst/>
+          </a:prstGeom>
+          <a:solidFill>
+            <a:schemeClr val="accent5">
+              <a:lumMod val="40000"/>
+              <a:lumOff val="60000"/>
+            </a:schemeClr>
+          </a:solidFill>
+          <a:ln>
+            <a:solidFill>
+              <a:schemeClr val="accent5">
+                <a:lumMod val="40000"/>
+                <a:lumOff val="60000"/>
+              </a:schemeClr>
+            </a:solidFill>
+          </a:ln>
+        </p:spPr>
+        <p:style>
+          <a:lnRef idx="2">
+            <a:schemeClr val="accent1">
+              <a:shade val="15000"/>
+            </a:schemeClr>
+          </a:lnRef>
+          <a:fillRef idx="1">
+            <a:schemeClr val="accent1"/>
+          </a:fillRef>
+          <a:effectRef idx="0">
+            <a:schemeClr val="accent1"/>
+          </a:effectRef>
+          <a:fontRef idx="minor">
+            <a:schemeClr val="lt1"/>
+          </a:fontRef>
+        </p:style>
+        <p:txBody>
+          <a:bodyPr rtlCol="0" anchor="ctr"/>
+          <a:lstStyle/>
+          <a:p>
+            <a:pPr algn="ctr"/>
+            <a:endParaRPr lang="en-US" dirty="0"/>
+          </a:p>
+        </p:txBody>
+      </p:sp>
+      <p:sp>
+        <p:nvSpPr>
+          <p:cNvPr id="63" name="TextBox 62">
+            <a:extLst>
+              <a:ext uri="{FF2B5EF4-FFF2-40B4-BE49-F238E27FC236}">
+                <a16:creationId xmlns:a16="http://schemas.microsoft.com/office/drawing/2014/main" id="{9A23DC9B-9AD2-12F8-7678-826C3395248A}"/>
+              </a:ext>
+            </a:extLst>
+          </p:cNvPr>
+          <p:cNvSpPr txBox="1"/>
+          <p:nvPr/>
+        </p:nvSpPr>
+        <p:spPr>
+          <a:xfrm rot="16200000">
+            <a:off x="5442407" y="3468857"/>
+            <a:ext cx="1305218" cy="369332"/>
+          </a:xfrm>
+          <a:prstGeom prst="rect">
+            <a:avLst/>
+          </a:prstGeom>
+          <a:noFill/>
+        </p:spPr>
+        <p:txBody>
+          <a:bodyPr wrap="square" rtlCol="0">
+            <a:spAutoFit/>
+          </a:bodyPr>
+          <a:lstStyle/>
+          <a:p>
+            <a:pPr algn="ctr"/>
+            <a:r>
+              <a:rPr lang="de-DE" dirty="0" err="1"/>
+              <a:t>ConvBlock</a:t>
+            </a:r>
+            <a:endParaRPr lang="en-US" dirty="0"/>
+          </a:p>
+        </p:txBody>
+      </p:sp>
+      <p:sp>
+        <p:nvSpPr>
+          <p:cNvPr id="64" name="Rectangle: Rounded Corners 67">
+            <a:extLst>
+              <a:ext uri="{FF2B5EF4-FFF2-40B4-BE49-F238E27FC236}">
+                <a16:creationId xmlns:a16="http://schemas.microsoft.com/office/drawing/2014/main" id="{24C89A9A-0DC2-6321-73C2-B3D011828854}"/>
+              </a:ext>
+            </a:extLst>
+          </p:cNvPr>
+          <p:cNvSpPr/>
+          <p:nvPr/>
+        </p:nvSpPr>
+        <p:spPr>
+          <a:xfrm>
+            <a:off x="6351583" y="2537522"/>
+            <a:ext cx="303807" cy="2165173"/>
+          </a:xfrm>
+          <a:prstGeom prst="roundRect">
+            <a:avLst/>
+          </a:prstGeom>
+          <a:solidFill>
+            <a:schemeClr val="accent4">
+              <a:lumMod val="40000"/>
+              <a:lumOff val="60000"/>
+            </a:schemeClr>
+          </a:solidFill>
+          <a:ln>
+            <a:noFill/>
+          </a:ln>
+        </p:spPr>
+        <p:style>
+          <a:lnRef idx="2">
+            <a:schemeClr val="accent1">
+              <a:shade val="15000"/>
+            </a:schemeClr>
+          </a:lnRef>
+          <a:fillRef idx="1">
+            <a:schemeClr val="accent1"/>
+          </a:fillRef>
+          <a:effectRef idx="0">
+            <a:schemeClr val="accent1"/>
+          </a:effectRef>
+          <a:fontRef idx="minor">
+            <a:schemeClr val="lt1"/>
+          </a:fontRef>
+        </p:style>
+        <p:txBody>
+          <a:bodyPr rtlCol="0" anchor="ctr"/>
+          <a:lstStyle/>
+          <a:p>
+            <a:pPr algn="ctr"/>
+            <a:endParaRPr lang="en-US" dirty="0">
+              <a:solidFill>
+                <a:schemeClr val="accent1">
+                  <a:lumMod val="40000"/>
+                  <a:lumOff val="60000"/>
+                </a:schemeClr>
+              </a:solidFill>
+            </a:endParaRPr>
+          </a:p>
+        </p:txBody>
+      </p:sp>
+      <p:sp>
+        <p:nvSpPr>
+          <p:cNvPr id="65" name="TextBox 64">
+            <a:extLst>
+              <a:ext uri="{FF2B5EF4-FFF2-40B4-BE49-F238E27FC236}">
+                <a16:creationId xmlns:a16="http://schemas.microsoft.com/office/drawing/2014/main" id="{AC2E33F3-5BF5-F317-BB21-28B2CB9B16C3}"/>
+              </a:ext>
+            </a:extLst>
+          </p:cNvPr>
+          <p:cNvSpPr txBox="1"/>
+          <p:nvPr/>
+        </p:nvSpPr>
+        <p:spPr>
+          <a:xfrm rot="16200000">
+            <a:off x="5707809" y="3435441"/>
+            <a:ext cx="1591355" cy="369332"/>
+          </a:xfrm>
+          <a:prstGeom prst="rect">
+            <a:avLst/>
+          </a:prstGeom>
+          <a:noFill/>
+        </p:spPr>
+        <p:txBody>
+          <a:bodyPr wrap="square" rtlCol="0">
+            <a:spAutoFit/>
+          </a:bodyPr>
+          <a:lstStyle/>
+          <a:p>
+            <a:pPr algn="ctr"/>
+            <a:r>
+              <a:rPr lang="de-DE" dirty="0"/>
+              <a:t>ID Block x 5</a:t>
+            </a:r>
+            <a:endParaRPr lang="en-US" dirty="0"/>
+          </a:p>
+        </p:txBody>
+      </p:sp>
+      <p:sp>
+        <p:nvSpPr>
+          <p:cNvPr id="66" name="Rectangle: Rounded Corners 63">
+            <a:extLst>
+              <a:ext uri="{FF2B5EF4-FFF2-40B4-BE49-F238E27FC236}">
+                <a16:creationId xmlns:a16="http://schemas.microsoft.com/office/drawing/2014/main" id="{B210B0B2-BC65-CFBC-BE93-B0E7CDC7A5DC}"/>
+              </a:ext>
+            </a:extLst>
+          </p:cNvPr>
+          <p:cNvSpPr/>
+          <p:nvPr/>
+        </p:nvSpPr>
+        <p:spPr>
+          <a:xfrm>
+            <a:off x="7183243" y="2525249"/>
+            <a:ext cx="303807" cy="2165173"/>
+          </a:xfrm>
+          <a:prstGeom prst="roundRect">
+            <a:avLst/>
+          </a:prstGeom>
+          <a:solidFill>
+            <a:schemeClr val="accent5">
+              <a:lumMod val="40000"/>
+              <a:lumOff val="60000"/>
+            </a:schemeClr>
+          </a:solidFill>
+          <a:ln>
+            <a:solidFill>
+              <a:schemeClr val="accent5">
+                <a:lumMod val="40000"/>
+                <a:lumOff val="60000"/>
+              </a:schemeClr>
+            </a:solidFill>
+          </a:ln>
+        </p:spPr>
+        <p:style>
+          <a:lnRef idx="2">
+            <a:schemeClr val="accent1">
+              <a:shade val="15000"/>
+            </a:schemeClr>
+          </a:lnRef>
+          <a:fillRef idx="1">
+            <a:schemeClr val="accent1"/>
+          </a:fillRef>
+          <a:effectRef idx="0">
+            <a:schemeClr val="accent1"/>
+          </a:effectRef>
+          <a:fontRef idx="minor">
+            <a:schemeClr val="lt1"/>
+          </a:fontRef>
+        </p:style>
+        <p:txBody>
+          <a:bodyPr rtlCol="0" anchor="ctr"/>
+          <a:lstStyle/>
+          <a:p>
+            <a:pPr algn="ctr"/>
+            <a:endParaRPr lang="en-US" dirty="0"/>
+          </a:p>
+        </p:txBody>
+      </p:sp>
+      <p:sp>
+        <p:nvSpPr>
+          <p:cNvPr id="67" name="TextBox 66">
+            <a:extLst>
+              <a:ext uri="{FF2B5EF4-FFF2-40B4-BE49-F238E27FC236}">
+                <a16:creationId xmlns:a16="http://schemas.microsoft.com/office/drawing/2014/main" id="{F1CCAD64-43F1-9ED6-5A81-6F3CE2F4568D}"/>
+              </a:ext>
+            </a:extLst>
+          </p:cNvPr>
+          <p:cNvSpPr txBox="1"/>
+          <p:nvPr/>
+        </p:nvSpPr>
+        <p:spPr>
+          <a:xfrm rot="16200000">
+            <a:off x="6682537" y="3468857"/>
+            <a:ext cx="1305218" cy="369332"/>
+          </a:xfrm>
+          <a:prstGeom prst="rect">
+            <a:avLst/>
+          </a:prstGeom>
+          <a:noFill/>
+        </p:spPr>
+        <p:txBody>
+          <a:bodyPr wrap="square" rtlCol="0">
+            <a:spAutoFit/>
+          </a:bodyPr>
+          <a:lstStyle/>
+          <a:p>
+            <a:pPr algn="ctr"/>
+            <a:r>
+              <a:rPr lang="de-DE" dirty="0" err="1"/>
+              <a:t>ConvBlock</a:t>
+            </a:r>
+            <a:endParaRPr lang="en-US" dirty="0"/>
+          </a:p>
+        </p:txBody>
+      </p:sp>
+      <p:sp>
+        <p:nvSpPr>
+          <p:cNvPr id="68" name="Rectangle: Rounded Corners 67">
+            <a:extLst>
+              <a:ext uri="{FF2B5EF4-FFF2-40B4-BE49-F238E27FC236}">
+                <a16:creationId xmlns:a16="http://schemas.microsoft.com/office/drawing/2014/main" id="{2F3B0E18-83E8-9140-0A64-9F9622C642E9}"/>
+              </a:ext>
+            </a:extLst>
+          </p:cNvPr>
+          <p:cNvSpPr/>
+          <p:nvPr/>
+        </p:nvSpPr>
+        <p:spPr>
+          <a:xfrm>
+            <a:off x="7591713" y="2537522"/>
+            <a:ext cx="303807" cy="2165173"/>
+          </a:xfrm>
+          <a:prstGeom prst="roundRect">
+            <a:avLst/>
+          </a:prstGeom>
+          <a:solidFill>
+            <a:schemeClr val="accent4">
+              <a:lumMod val="40000"/>
+              <a:lumOff val="60000"/>
+            </a:schemeClr>
+          </a:solidFill>
+          <a:ln>
+            <a:noFill/>
+          </a:ln>
+        </p:spPr>
+        <p:style>
+          <a:lnRef idx="2">
+            <a:schemeClr val="accent1">
+              <a:shade val="15000"/>
+            </a:schemeClr>
+          </a:lnRef>
+          <a:fillRef idx="1">
+            <a:schemeClr val="accent1"/>
+          </a:fillRef>
+          <a:effectRef idx="0">
+            <a:schemeClr val="accent1"/>
+          </a:effectRef>
+          <a:fontRef idx="minor">
+            <a:schemeClr val="lt1"/>
+          </a:fontRef>
+        </p:style>
+        <p:txBody>
+          <a:bodyPr rtlCol="0" anchor="ctr"/>
+          <a:lstStyle/>
+          <a:p>
+            <a:pPr algn="ctr"/>
+            <a:endParaRPr lang="en-US" dirty="0">
+              <a:solidFill>
+                <a:schemeClr val="accent1">
+                  <a:lumMod val="40000"/>
+                  <a:lumOff val="60000"/>
+                </a:schemeClr>
+              </a:solidFill>
+            </a:endParaRPr>
+          </a:p>
+        </p:txBody>
+      </p:sp>
+      <p:sp>
+        <p:nvSpPr>
+          <p:cNvPr id="69" name="TextBox 68">
+            <a:extLst>
+              <a:ext uri="{FF2B5EF4-FFF2-40B4-BE49-F238E27FC236}">
+                <a16:creationId xmlns:a16="http://schemas.microsoft.com/office/drawing/2014/main" id="{5A7CD117-C0DA-A097-5B0D-69FFD78A20C6}"/>
+              </a:ext>
+            </a:extLst>
+          </p:cNvPr>
+          <p:cNvSpPr txBox="1"/>
+          <p:nvPr/>
+        </p:nvSpPr>
+        <p:spPr>
+          <a:xfrm rot="16200000">
+            <a:off x="6947939" y="3435441"/>
+            <a:ext cx="1591355" cy="369332"/>
+          </a:xfrm>
+          <a:prstGeom prst="rect">
+            <a:avLst/>
+          </a:prstGeom>
+          <a:noFill/>
+        </p:spPr>
+        <p:txBody>
+          <a:bodyPr wrap="square" rtlCol="0">
+            <a:spAutoFit/>
+          </a:bodyPr>
+          <a:lstStyle/>
+          <a:p>
+            <a:pPr algn="ctr"/>
+            <a:r>
+              <a:rPr lang="de-DE" dirty="0"/>
+              <a:t>ID Block x 2</a:t>
+            </a:r>
+            <a:endParaRPr lang="en-US" dirty="0"/>
+          </a:p>
+        </p:txBody>
+      </p:sp>
+      <p:sp>
+        <p:nvSpPr>
+          <p:cNvPr id="70" name="Rectangle: Rounded Corners 20">
+            <a:extLst>
+              <a:ext uri="{FF2B5EF4-FFF2-40B4-BE49-F238E27FC236}">
+                <a16:creationId xmlns:a16="http://schemas.microsoft.com/office/drawing/2014/main" id="{0BDA85B3-0196-1221-E2A9-1524E25DC219}"/>
+              </a:ext>
+            </a:extLst>
+          </p:cNvPr>
+          <p:cNvSpPr/>
+          <p:nvPr/>
+        </p:nvSpPr>
+        <p:spPr>
+          <a:xfrm>
+            <a:off x="8920602" y="2539219"/>
+            <a:ext cx="303807" cy="2165173"/>
+          </a:xfrm>
+          <a:prstGeom prst="roundRect">
+            <a:avLst/>
+          </a:prstGeom>
+          <a:solidFill>
+            <a:schemeClr val="accent5">
+              <a:lumMod val="40000"/>
+              <a:lumOff val="60000"/>
+            </a:schemeClr>
+          </a:solidFill>
+          <a:ln>
+            <a:solidFill>
+              <a:schemeClr val="accent5">
+                <a:lumMod val="40000"/>
+                <a:lumOff val="60000"/>
+              </a:schemeClr>
+            </a:solidFill>
+          </a:ln>
+        </p:spPr>
+        <p:style>
+          <a:lnRef idx="2">
+            <a:schemeClr val="accent1">
+              <a:shade val="15000"/>
+            </a:schemeClr>
+          </a:lnRef>
+          <a:fillRef idx="1">
+            <a:schemeClr val="accent1"/>
+          </a:fillRef>
+          <a:effectRef idx="0">
+            <a:schemeClr val="accent1"/>
+          </a:effectRef>
+          <a:fontRef idx="minor">
+            <a:schemeClr val="lt1"/>
+          </a:fontRef>
+        </p:style>
+        <p:txBody>
+          <a:bodyPr rtlCol="0" anchor="ctr"/>
+          <a:lstStyle/>
+          <a:p>
+            <a:pPr algn="ctr"/>
+            <a:endParaRPr lang="en-US" dirty="0"/>
+          </a:p>
+        </p:txBody>
+      </p:sp>
+      <p:sp>
+        <p:nvSpPr>
+          <p:cNvPr id="71" name="TextBox 70">
+            <a:extLst>
+              <a:ext uri="{FF2B5EF4-FFF2-40B4-BE49-F238E27FC236}">
+                <a16:creationId xmlns:a16="http://schemas.microsoft.com/office/drawing/2014/main" id="{045AED00-73B9-4B13-552F-AB05CF276679}"/>
+              </a:ext>
+            </a:extLst>
+          </p:cNvPr>
+          <p:cNvSpPr txBox="1"/>
+          <p:nvPr/>
+        </p:nvSpPr>
+        <p:spPr>
+          <a:xfrm rot="16200000">
+            <a:off x="8134145" y="3437139"/>
+            <a:ext cx="1889722" cy="369332"/>
+          </a:xfrm>
+          <a:prstGeom prst="rect">
+            <a:avLst/>
+          </a:prstGeom>
+          <a:noFill/>
+        </p:spPr>
+        <p:txBody>
+          <a:bodyPr wrap="square" rtlCol="0">
+            <a:spAutoFit/>
+          </a:bodyPr>
+          <a:lstStyle/>
+          <a:p>
+            <a:pPr algn="ctr"/>
+            <a:r>
+              <a:rPr lang="de-DE" dirty="0" err="1"/>
+              <a:t>Flattem</a:t>
+            </a:r>
+            <a:endParaRPr lang="en-US" dirty="0"/>
+          </a:p>
+        </p:txBody>
+      </p:sp>
+      <p:sp>
+        <p:nvSpPr>
+          <p:cNvPr id="72" name="Rectangle: Rounded Corners 20">
+            <a:extLst>
+              <a:ext uri="{FF2B5EF4-FFF2-40B4-BE49-F238E27FC236}">
+                <a16:creationId xmlns:a16="http://schemas.microsoft.com/office/drawing/2014/main" id="{3921A927-EEF5-1754-95AC-8CB0C82747BB}"/>
+              </a:ext>
+            </a:extLst>
+          </p:cNvPr>
+          <p:cNvSpPr/>
+          <p:nvPr/>
+        </p:nvSpPr>
+        <p:spPr>
+          <a:xfrm>
+            <a:off x="8486566" y="2549218"/>
+            <a:ext cx="303807" cy="2165173"/>
+          </a:xfrm>
+          <a:prstGeom prst="roundRect">
+            <a:avLst/>
+          </a:prstGeom>
+          <a:solidFill>
+            <a:schemeClr val="accent2">
+              <a:lumMod val="40000"/>
+              <a:lumOff val="60000"/>
+            </a:schemeClr>
+          </a:solidFill>
+          <a:ln>
+            <a:solidFill>
+              <a:schemeClr val="accent2">
+                <a:lumMod val="40000"/>
+                <a:lumOff val="60000"/>
+              </a:schemeClr>
+            </a:solidFill>
+          </a:ln>
+        </p:spPr>
+        <p:style>
+          <a:lnRef idx="2">
+            <a:schemeClr val="accent1">
+              <a:shade val="15000"/>
+            </a:schemeClr>
+          </a:lnRef>
+          <a:fillRef idx="1">
+            <a:schemeClr val="accent1"/>
+          </a:fillRef>
+          <a:effectRef idx="0">
+            <a:schemeClr val="accent1"/>
+          </a:effectRef>
+          <a:fontRef idx="minor">
+            <a:schemeClr val="lt1"/>
+          </a:fontRef>
+        </p:style>
+        <p:txBody>
+          <a:bodyPr rtlCol="0" anchor="ctr"/>
+          <a:lstStyle/>
+          <a:p>
+            <a:pPr algn="ctr"/>
+            <a:endParaRPr lang="en-US" dirty="0"/>
+          </a:p>
+        </p:txBody>
+      </p:sp>
+      <p:sp>
+        <p:nvSpPr>
+          <p:cNvPr id="73" name="TextBox 72">
+            <a:extLst>
+              <a:ext uri="{FF2B5EF4-FFF2-40B4-BE49-F238E27FC236}">
+                <a16:creationId xmlns:a16="http://schemas.microsoft.com/office/drawing/2014/main" id="{F602CC64-0225-1B05-CB75-91645B49F2BB}"/>
+              </a:ext>
+            </a:extLst>
+          </p:cNvPr>
+          <p:cNvSpPr txBox="1"/>
+          <p:nvPr/>
+        </p:nvSpPr>
+        <p:spPr>
+          <a:xfrm rot="16200000">
+            <a:off x="7700109" y="3447138"/>
+            <a:ext cx="1889722" cy="369332"/>
+          </a:xfrm>
+          <a:prstGeom prst="rect">
+            <a:avLst/>
+          </a:prstGeom>
+          <a:noFill/>
+        </p:spPr>
+        <p:txBody>
+          <a:bodyPr wrap="square" rtlCol="0">
+            <a:spAutoFit/>
+          </a:bodyPr>
+          <a:lstStyle/>
+          <a:p>
+            <a:pPr algn="ctr"/>
+            <a:r>
+              <a:rPr lang="de-DE" dirty="0" err="1"/>
+              <a:t>AveragePooling</a:t>
+            </a:r>
+            <a:endParaRPr lang="en-US" dirty="0"/>
           </a:p>
         </p:txBody>
       </p:sp>
     </p:spTree>
     <p:extLst>
       <p:ext uri="{BB962C8B-B14F-4D97-AF65-F5344CB8AC3E}">
-        <p14:creationId xmlns:p14="http://schemas.microsoft.com/office/powerpoint/2010/main" val="2159325909"/>
+        <p14:creationId xmlns:p14="http://schemas.microsoft.com/office/powerpoint/2010/main" val="1547017600"/>
       </p:ext>
     </p:extLst>
   </p:cSld>
